--- a/pic.pptx
+++ b/pic.pptx
@@ -104,6 +104,11 @@
       </a:defRPr>
     </a:lvl9pPr>
   </p:defaultTextStyle>
+  <p:extLst>
+    <p:ext uri="{EFAFB233-063F-42B5-8137-9DF3F51BA10A}">
+      <p15:sldGuideLst xmlns:p15="http://schemas.microsoft.com/office/powerpoint/2012/main"/>
+    </p:ext>
+  </p:extLst>
 </p:presentation>
 </file>
 
@@ -238,7 +243,7 @@
           <a:p>
             <a:fld id="{8CD635FB-DFCE-6A4D-B310-D1CE6595B05D}" type="datetimeFigureOut">
               <a:rPr kumimoji="1" lang="zh-CN" altLang="en-US" smtClean="0"/>
-              <a:t>2019/4/26</a:t>
+              <a:t>2019/4/27</a:t>
             </a:fld>
             <a:endParaRPr kumimoji="1" lang="zh-CN" altLang="en-US"/>
           </a:p>
@@ -408,7 +413,7 @@
           <a:p>
             <a:fld id="{8CD635FB-DFCE-6A4D-B310-D1CE6595B05D}" type="datetimeFigureOut">
               <a:rPr kumimoji="1" lang="zh-CN" altLang="en-US" smtClean="0"/>
-              <a:t>2019/4/26</a:t>
+              <a:t>2019/4/27</a:t>
             </a:fld>
             <a:endParaRPr kumimoji="1" lang="zh-CN" altLang="en-US"/>
           </a:p>
@@ -588,7 +593,7 @@
           <a:p>
             <a:fld id="{8CD635FB-DFCE-6A4D-B310-D1CE6595B05D}" type="datetimeFigureOut">
               <a:rPr kumimoji="1" lang="zh-CN" altLang="en-US" smtClean="0"/>
-              <a:t>2019/4/26</a:t>
+              <a:t>2019/4/27</a:t>
             </a:fld>
             <a:endParaRPr kumimoji="1" lang="zh-CN" altLang="en-US"/>
           </a:p>
@@ -758,7 +763,7 @@
           <a:p>
             <a:fld id="{8CD635FB-DFCE-6A4D-B310-D1CE6595B05D}" type="datetimeFigureOut">
               <a:rPr kumimoji="1" lang="zh-CN" altLang="en-US" smtClean="0"/>
-              <a:t>2019/4/26</a:t>
+              <a:t>2019/4/27</a:t>
             </a:fld>
             <a:endParaRPr kumimoji="1" lang="zh-CN" altLang="en-US"/>
           </a:p>
@@ -1004,7 +1009,7 @@
           <a:p>
             <a:fld id="{8CD635FB-DFCE-6A4D-B310-D1CE6595B05D}" type="datetimeFigureOut">
               <a:rPr kumimoji="1" lang="zh-CN" altLang="en-US" smtClean="0"/>
-              <a:t>2019/4/26</a:t>
+              <a:t>2019/4/27</a:t>
             </a:fld>
             <a:endParaRPr kumimoji="1" lang="zh-CN" altLang="en-US"/>
           </a:p>
@@ -1236,7 +1241,7 @@
           <a:p>
             <a:fld id="{8CD635FB-DFCE-6A4D-B310-D1CE6595B05D}" type="datetimeFigureOut">
               <a:rPr kumimoji="1" lang="zh-CN" altLang="en-US" smtClean="0"/>
-              <a:t>2019/4/26</a:t>
+              <a:t>2019/4/27</a:t>
             </a:fld>
             <a:endParaRPr kumimoji="1" lang="zh-CN" altLang="en-US"/>
           </a:p>
@@ -1603,7 +1608,7 @@
           <a:p>
             <a:fld id="{8CD635FB-DFCE-6A4D-B310-D1CE6595B05D}" type="datetimeFigureOut">
               <a:rPr kumimoji="1" lang="zh-CN" altLang="en-US" smtClean="0"/>
-              <a:t>2019/4/26</a:t>
+              <a:t>2019/4/27</a:t>
             </a:fld>
             <a:endParaRPr kumimoji="1" lang="zh-CN" altLang="en-US"/>
           </a:p>
@@ -1721,7 +1726,7 @@
           <a:p>
             <a:fld id="{8CD635FB-DFCE-6A4D-B310-D1CE6595B05D}" type="datetimeFigureOut">
               <a:rPr kumimoji="1" lang="zh-CN" altLang="en-US" smtClean="0"/>
-              <a:t>2019/4/26</a:t>
+              <a:t>2019/4/27</a:t>
             </a:fld>
             <a:endParaRPr kumimoji="1" lang="zh-CN" altLang="en-US"/>
           </a:p>
@@ -1816,7 +1821,7 @@
           <a:p>
             <a:fld id="{8CD635FB-DFCE-6A4D-B310-D1CE6595B05D}" type="datetimeFigureOut">
               <a:rPr kumimoji="1" lang="zh-CN" altLang="en-US" smtClean="0"/>
-              <a:t>2019/4/26</a:t>
+              <a:t>2019/4/27</a:t>
             </a:fld>
             <a:endParaRPr kumimoji="1" lang="zh-CN" altLang="en-US"/>
           </a:p>
@@ -2093,7 +2098,7 @@
           <a:p>
             <a:fld id="{8CD635FB-DFCE-6A4D-B310-D1CE6595B05D}" type="datetimeFigureOut">
               <a:rPr kumimoji="1" lang="zh-CN" altLang="en-US" smtClean="0"/>
-              <a:t>2019/4/26</a:t>
+              <a:t>2019/4/27</a:t>
             </a:fld>
             <a:endParaRPr kumimoji="1" lang="zh-CN" altLang="en-US"/>
           </a:p>
@@ -2346,7 +2351,7 @@
           <a:p>
             <a:fld id="{8CD635FB-DFCE-6A4D-B310-D1CE6595B05D}" type="datetimeFigureOut">
               <a:rPr kumimoji="1" lang="zh-CN" altLang="en-US" smtClean="0"/>
-              <a:t>2019/4/26</a:t>
+              <a:t>2019/4/27</a:t>
             </a:fld>
             <a:endParaRPr kumimoji="1" lang="zh-CN" altLang="en-US"/>
           </a:p>
@@ -2559,7 +2564,7 @@
           <a:p>
             <a:fld id="{8CD635FB-DFCE-6A4D-B310-D1CE6595B05D}" type="datetimeFigureOut">
               <a:rPr kumimoji="1" lang="zh-CN" altLang="en-US" smtClean="0"/>
-              <a:t>2019/4/26</a:t>
+              <a:t>2019/4/27</a:t>
             </a:fld>
             <a:endParaRPr kumimoji="1" lang="zh-CN" altLang="en-US"/>
           </a:p>
@@ -3748,13 +3753,13 @@
           <p:nvPr/>
         </p:nvCxnSpPr>
         <p:spPr>
-          <a:xfrm rot="10800000" flipH="1" flipV="1">
-            <a:off x="6708131" y="1480268"/>
-            <a:ext cx="52697" cy="828352"/>
+          <a:xfrm rot="10800000" flipV="1">
+            <a:off x="6613075" y="1656080"/>
+            <a:ext cx="12700" cy="844978"/>
           </a:xfrm>
           <a:prstGeom prst="bentConnector3">
             <a:avLst>
-              <a:gd name="adj1" fmla="val -433801"/>
+              <a:gd name="adj1" fmla="val 1800000"/>
             </a:avLst>
           </a:prstGeom>
           <a:ln>
@@ -3820,7 +3825,7 @@
         </p:nvSpPr>
         <p:spPr>
           <a:xfrm>
-            <a:off x="6708132" y="1241508"/>
+            <a:off x="6613075" y="1417320"/>
             <a:ext cx="1013468" cy="477520"/>
           </a:xfrm>
           <a:prstGeom prst="rect">
@@ -3886,7 +3891,7 @@
         </p:nvSpPr>
         <p:spPr>
           <a:xfrm>
-            <a:off x="6760829" y="2069860"/>
+            <a:off x="6613075" y="2262298"/>
             <a:ext cx="1215403" cy="477520"/>
           </a:xfrm>
           <a:prstGeom prst="rect">
@@ -3952,8 +3957,8 @@
         </p:nvSpPr>
         <p:spPr>
           <a:xfrm>
-            <a:off x="147916" y="142240"/>
-            <a:ext cx="8356004" cy="2854960"/>
+            <a:off x="147916" y="241301"/>
+            <a:ext cx="8356004" cy="2616200"/>
           </a:xfrm>
           <a:prstGeom prst="rect">
             <a:avLst/>
@@ -3997,6 +4002,408 @@
           </a:p>
         </p:txBody>
       </p:sp>
+      <p:sp>
+        <p:nvSpPr>
+          <p:cNvPr id="23" name="矩形 22"/>
+          <p:cNvSpPr/>
+          <p:nvPr/>
+        </p:nvSpPr>
+        <p:spPr>
+          <a:xfrm>
+            <a:off x="5344580" y="3446966"/>
+            <a:ext cx="777730" cy="596298"/>
+          </a:xfrm>
+          <a:prstGeom prst="rect">
+            <a:avLst/>
+          </a:prstGeom>
+          <a:noFill/>
+          <a:ln>
+            <a:solidFill>
+              <a:schemeClr val="accent2">
+                <a:lumMod val="75000"/>
+              </a:schemeClr>
+            </a:solidFill>
+          </a:ln>
+        </p:spPr>
+        <p:style>
+          <a:lnRef idx="2">
+            <a:schemeClr val="accent1">
+              <a:shade val="50000"/>
+            </a:schemeClr>
+          </a:lnRef>
+          <a:fillRef idx="1">
+            <a:schemeClr val="accent1"/>
+          </a:fillRef>
+          <a:effectRef idx="0">
+            <a:schemeClr val="accent1"/>
+          </a:effectRef>
+          <a:fontRef idx="minor">
+            <a:schemeClr val="lt1"/>
+          </a:fontRef>
+        </p:style>
+        <p:txBody>
+          <a:bodyPr rtlCol="0" anchor="ctr"/>
+          <a:lstStyle/>
+          <a:p>
+            <a:pPr algn="ctr"/>
+            <a:r>
+              <a:rPr kumimoji="1" lang="en-US" altLang="zh-CN" sz="1400" dirty="0" smtClean="0">
+                <a:solidFill>
+                  <a:schemeClr val="tx1"/>
+                </a:solidFill>
+              </a:rPr>
+              <a:t>ROI </a:t>
+            </a:r>
+            <a:r>
+              <a:rPr kumimoji="1" lang="en-US" altLang="zh-CN" sz="1400" dirty="0" smtClean="0">
+                <a:solidFill>
+                  <a:schemeClr val="tx1"/>
+                </a:solidFill>
+              </a:rPr>
+              <a:t>Align</a:t>
+            </a:r>
+            <a:endParaRPr kumimoji="1" lang="zh-CN" altLang="en-US" sz="1400" dirty="0">
+              <a:solidFill>
+                <a:schemeClr val="tx1"/>
+              </a:solidFill>
+            </a:endParaRPr>
+          </a:p>
+        </p:txBody>
+      </p:sp>
+      <p:cxnSp>
+        <p:nvCxnSpPr>
+          <p:cNvPr id="30" name="直线箭头连接符 29"/>
+          <p:cNvCxnSpPr>
+            <a:stCxn id="47" idx="2"/>
+            <a:endCxn id="61" idx="0"/>
+          </p:cNvCxnSpPr>
+          <p:nvPr/>
+        </p:nvCxnSpPr>
+        <p:spPr>
+          <a:xfrm>
+            <a:off x="4562146" y="2304930"/>
+            <a:ext cx="0" cy="1201425"/>
+          </a:xfrm>
+          <a:prstGeom prst="straightConnector1">
+            <a:avLst/>
+          </a:prstGeom>
+          <a:ln>
+            <a:tailEnd type="triangle"/>
+          </a:ln>
+        </p:spPr>
+        <p:style>
+          <a:lnRef idx="1">
+            <a:schemeClr val="dk1"/>
+          </a:lnRef>
+          <a:fillRef idx="0">
+            <a:schemeClr val="dk1"/>
+          </a:fillRef>
+          <a:effectRef idx="0">
+            <a:schemeClr val="dk1"/>
+          </a:effectRef>
+          <a:fontRef idx="minor">
+            <a:schemeClr val="tx1"/>
+          </a:fontRef>
+        </p:style>
+      </p:cxnSp>
+      <p:sp>
+        <p:nvSpPr>
+          <p:cNvPr id="35" name="矩形 34"/>
+          <p:cNvSpPr/>
+          <p:nvPr/>
+        </p:nvSpPr>
+        <p:spPr>
+          <a:xfrm>
+            <a:off x="6613075" y="3507510"/>
+            <a:ext cx="1215403" cy="477520"/>
+          </a:xfrm>
+          <a:prstGeom prst="rect">
+            <a:avLst/>
+          </a:prstGeom>
+          <a:noFill/>
+          <a:ln>
+            <a:solidFill>
+              <a:schemeClr val="tx1"/>
+            </a:solidFill>
+          </a:ln>
+        </p:spPr>
+        <p:style>
+          <a:lnRef idx="2">
+            <a:schemeClr val="accent1">
+              <a:shade val="50000"/>
+            </a:schemeClr>
+          </a:lnRef>
+          <a:fillRef idx="1">
+            <a:schemeClr val="accent1"/>
+          </a:fillRef>
+          <a:effectRef idx="0">
+            <a:schemeClr val="accent1"/>
+          </a:effectRef>
+          <a:fontRef idx="minor">
+            <a:schemeClr val="lt1"/>
+          </a:fontRef>
+        </p:style>
+        <p:txBody>
+          <a:bodyPr rtlCol="0" anchor="ctr"/>
+          <a:lstStyle/>
+          <a:p>
+            <a:pPr algn="ctr"/>
+            <a:r>
+              <a:rPr kumimoji="1" lang="en-US" altLang="zh-CN" sz="1400" dirty="0" smtClean="0">
+                <a:solidFill>
+                  <a:schemeClr val="tx1"/>
+                </a:solidFill>
+              </a:rPr>
+              <a:t>mask</a:t>
+            </a:r>
+            <a:endParaRPr kumimoji="1" lang="zh-CN" altLang="en-US" sz="1400" dirty="0">
+              <a:solidFill>
+                <a:schemeClr val="tx1"/>
+              </a:solidFill>
+            </a:endParaRPr>
+          </a:p>
+        </p:txBody>
+      </p:sp>
+      <p:cxnSp>
+        <p:nvCxnSpPr>
+          <p:cNvPr id="36" name="直线箭头连接符 35"/>
+          <p:cNvCxnSpPr>
+            <a:stCxn id="23" idx="3"/>
+            <a:endCxn id="35" idx="1"/>
+          </p:cNvCxnSpPr>
+          <p:nvPr/>
+        </p:nvCxnSpPr>
+        <p:spPr>
+          <a:xfrm>
+            <a:off x="6122310" y="3745115"/>
+            <a:ext cx="490765" cy="1155"/>
+          </a:xfrm>
+          <a:prstGeom prst="straightConnector1">
+            <a:avLst/>
+          </a:prstGeom>
+          <a:ln>
+            <a:tailEnd type="triangle"/>
+          </a:ln>
+        </p:spPr>
+        <p:style>
+          <a:lnRef idx="1">
+            <a:schemeClr val="dk1"/>
+          </a:lnRef>
+          <a:fillRef idx="0">
+            <a:schemeClr val="dk1"/>
+          </a:fillRef>
+          <a:effectRef idx="0">
+            <a:schemeClr val="dk1"/>
+          </a:effectRef>
+          <a:fontRef idx="minor">
+            <a:schemeClr val="tx1"/>
+          </a:fontRef>
+        </p:style>
+      </p:cxnSp>
+      <p:sp>
+        <p:nvSpPr>
+          <p:cNvPr id="18" name="文本框 17"/>
+          <p:cNvSpPr txBox="1"/>
+          <p:nvPr/>
+        </p:nvSpPr>
+        <p:spPr>
+          <a:xfrm>
+            <a:off x="7174292" y="321479"/>
+            <a:ext cx="1308371" cy="338554"/>
+          </a:xfrm>
+          <a:prstGeom prst="rect">
+            <a:avLst/>
+          </a:prstGeom>
+          <a:noFill/>
+        </p:spPr>
+        <p:txBody>
+          <a:bodyPr wrap="none" rtlCol="0">
+            <a:spAutoFit/>
+          </a:bodyPr>
+          <a:lstStyle/>
+          <a:p>
+            <a:r>
+              <a:rPr kumimoji="1" lang="en-US" altLang="zh-CN" sz="1600" smtClean="0"/>
+              <a:t>Faster RCNN</a:t>
+            </a:r>
+            <a:endParaRPr kumimoji="1" lang="zh-CN" altLang="en-US" sz="1600" dirty="0"/>
+          </a:p>
+        </p:txBody>
+      </p:sp>
+      <p:cxnSp>
+        <p:nvCxnSpPr>
+          <p:cNvPr id="26" name="肘形连接符 25"/>
+          <p:cNvCxnSpPr>
+            <a:stCxn id="74" idx="3"/>
+          </p:cNvCxnSpPr>
+          <p:nvPr/>
+        </p:nvCxnSpPr>
+        <p:spPr>
+          <a:xfrm flipH="1">
+            <a:off x="4576662" y="1656080"/>
+            <a:ext cx="3049881" cy="1347349"/>
+          </a:xfrm>
+          <a:prstGeom prst="bentConnector3">
+            <a:avLst>
+              <a:gd name="adj1" fmla="val -19987"/>
+            </a:avLst>
+          </a:prstGeom>
+          <a:ln>
+            <a:tailEnd type="triangle"/>
+          </a:ln>
+        </p:spPr>
+        <p:style>
+          <a:lnRef idx="1">
+            <a:schemeClr val="dk1"/>
+          </a:lnRef>
+          <a:fillRef idx="0">
+            <a:schemeClr val="dk1"/>
+          </a:fillRef>
+          <a:effectRef idx="0">
+            <a:schemeClr val="dk1"/>
+          </a:effectRef>
+          <a:fontRef idx="minor">
+            <a:schemeClr val="tx1"/>
+          </a:fontRef>
+        </p:style>
+      </p:cxnSp>
+      <p:cxnSp>
+        <p:nvCxnSpPr>
+          <p:cNvPr id="50" name="直线箭头连接符 49"/>
+          <p:cNvCxnSpPr>
+            <a:stCxn id="75" idx="3"/>
+          </p:cNvCxnSpPr>
+          <p:nvPr/>
+        </p:nvCxnSpPr>
+        <p:spPr>
+          <a:xfrm flipV="1">
+            <a:off x="7828477" y="2476933"/>
+            <a:ext cx="396000" cy="0"/>
+          </a:xfrm>
+          <a:prstGeom prst="straightConnector1">
+            <a:avLst/>
+          </a:prstGeom>
+          <a:ln>
+            <a:tailEnd type="none"/>
+          </a:ln>
+        </p:spPr>
+        <p:style>
+          <a:lnRef idx="1">
+            <a:schemeClr val="dk1"/>
+          </a:lnRef>
+          <a:fillRef idx="0">
+            <a:schemeClr val="dk1"/>
+          </a:fillRef>
+          <a:effectRef idx="0">
+            <a:schemeClr val="dk1"/>
+          </a:effectRef>
+          <a:fontRef idx="minor">
+            <a:schemeClr val="tx1"/>
+          </a:fontRef>
+        </p:style>
+      </p:cxnSp>
+      <p:sp>
+        <p:nvSpPr>
+          <p:cNvPr id="61" name="矩形 60"/>
+          <p:cNvSpPr/>
+          <p:nvPr/>
+        </p:nvSpPr>
+        <p:spPr>
+          <a:xfrm>
+            <a:off x="4187797" y="3506355"/>
+            <a:ext cx="748698" cy="477520"/>
+          </a:xfrm>
+          <a:prstGeom prst="rect">
+            <a:avLst/>
+          </a:prstGeom>
+          <a:noFill/>
+          <a:ln>
+            <a:solidFill>
+              <a:schemeClr val="tx1"/>
+            </a:solidFill>
+          </a:ln>
+        </p:spPr>
+        <p:style>
+          <a:lnRef idx="2">
+            <a:schemeClr val="accent1">
+              <a:shade val="50000"/>
+            </a:schemeClr>
+          </a:lnRef>
+          <a:fillRef idx="1">
+            <a:schemeClr val="accent1"/>
+          </a:fillRef>
+          <a:effectRef idx="0">
+            <a:schemeClr val="accent1"/>
+          </a:effectRef>
+          <a:fontRef idx="minor">
+            <a:schemeClr val="lt1"/>
+          </a:fontRef>
+        </p:style>
+        <p:txBody>
+          <a:bodyPr rtlCol="0" anchor="ctr"/>
+          <a:lstStyle/>
+          <a:p>
+            <a:pPr algn="ctr"/>
+            <a:r>
+              <a:rPr kumimoji="1" lang="en-US" altLang="zh-CN" sz="1200" dirty="0">
+                <a:solidFill>
+                  <a:schemeClr val="tx1"/>
+                </a:solidFill>
+              </a:rPr>
+              <a:t>s</a:t>
+            </a:r>
+            <a:r>
+              <a:rPr kumimoji="1" lang="en-US" altLang="zh-CN" sz="1200" dirty="0" smtClean="0">
+                <a:solidFill>
+                  <a:schemeClr val="tx1"/>
+                </a:solidFill>
+              </a:rPr>
+              <a:t>elected ROIs</a:t>
+            </a:r>
+            <a:endParaRPr kumimoji="1" lang="zh-CN" altLang="en-US" sz="1200" dirty="0">
+              <a:solidFill>
+                <a:schemeClr val="tx1"/>
+              </a:solidFill>
+            </a:endParaRPr>
+          </a:p>
+        </p:txBody>
+      </p:sp>
+      <p:cxnSp>
+        <p:nvCxnSpPr>
+          <p:cNvPr id="66" name="直线箭头连接符 65"/>
+          <p:cNvCxnSpPr>
+            <a:stCxn id="61" idx="3"/>
+            <a:endCxn id="23" idx="1"/>
+          </p:cNvCxnSpPr>
+          <p:nvPr/>
+        </p:nvCxnSpPr>
+        <p:spPr>
+          <a:xfrm>
+            <a:off x="4936495" y="3745115"/>
+            <a:ext cx="408085" cy="0"/>
+          </a:xfrm>
+          <a:prstGeom prst="straightConnector1">
+            <a:avLst/>
+          </a:prstGeom>
+          <a:ln>
+            <a:tailEnd type="triangle"/>
+          </a:ln>
+        </p:spPr>
+        <p:style>
+          <a:lnRef idx="1">
+            <a:schemeClr val="dk1"/>
+          </a:lnRef>
+          <a:fillRef idx="0">
+            <a:schemeClr val="dk1"/>
+          </a:fillRef>
+          <a:effectRef idx="0">
+            <a:schemeClr val="dk1"/>
+          </a:effectRef>
+          <a:fontRef idx="minor">
+            <a:schemeClr val="tx1"/>
+          </a:fontRef>
+        </p:style>
+      </p:cxnSp>
     </p:spTree>
     <p:extLst>
       <p:ext uri="{BB962C8B-B14F-4D97-AF65-F5344CB8AC3E}">

--- a/pic.pptx
+++ b/pic.pptx
@@ -6,6 +6,7 @@
   </p:sldMasterIdLst>
   <p:sldIdLst>
     <p:sldId id="256" r:id="rId2"/>
+    <p:sldId id="257" r:id="rId3"/>
   </p:sldIdLst>
   <p:sldSz cx="12192000" cy="6858000"/>
   <p:notesSz cx="6858000" cy="9144000"/>
@@ -3560,12 +3561,12 @@
           <a:p>
             <a:pPr algn="ctr"/>
             <a:r>
-              <a:rPr kumimoji="1" lang="en-US" altLang="zh-CN" sz="1200" dirty="0" smtClean="0">
+              <a:rPr kumimoji="1" lang="en-US" altLang="zh-CN" sz="1200" dirty="0" err="1" smtClean="0">
                 <a:solidFill>
                   <a:schemeClr val="tx1"/>
                 </a:solidFill>
               </a:rPr>
-              <a:t>ROIs</a:t>
+              <a:t>RoIs</a:t>
             </a:r>
             <a:endParaRPr kumimoji="1" lang="zh-CN" altLang="en-US" sz="1200" dirty="0">
               <a:solidFill>
@@ -3692,12 +3693,28 @@
           <a:p>
             <a:pPr algn="ctr"/>
             <a:r>
-              <a:rPr kumimoji="1" lang="en-US" altLang="zh-CN" sz="1400" smtClean="0">
+              <a:rPr kumimoji="1" lang="en-US" altLang="zh-CN" sz="1400" dirty="0" err="1" smtClean="0">
                 <a:solidFill>
                   <a:schemeClr val="tx1"/>
                 </a:solidFill>
               </a:rPr>
-              <a:t>ROI Pooling</a:t>
+              <a:t>RoI</a:t>
+            </a:r>
+            <a:r>
+              <a:rPr kumimoji="1" lang="en-US" altLang="zh-CN" sz="1400" dirty="0" smtClean="0">
+                <a:solidFill>
+                  <a:schemeClr val="tx1"/>
+                </a:solidFill>
+              </a:rPr>
+              <a:t> </a:t>
+            </a:r>
+            <a:r>
+              <a:rPr kumimoji="1" lang="en-US" altLang="zh-CN" sz="1400" dirty="0" smtClean="0">
+                <a:solidFill>
+                  <a:schemeClr val="tx1"/>
+                </a:solidFill>
+              </a:rPr>
+              <a:t>Pooling</a:t>
             </a:r>
             <a:endParaRPr kumimoji="1" lang="zh-CN" altLang="en-US" sz="1400" dirty="0">
               <a:solidFill>
@@ -3747,19 +3764,19 @@
         <p:nvCxnSpPr>
           <p:cNvPr id="62" name="肘形连接符 61"/>
           <p:cNvCxnSpPr>
-            <a:stCxn id="74" idx="1"/>
-            <a:endCxn id="75" idx="1"/>
+            <a:stCxn id="76" idx="1"/>
+            <a:endCxn id="79" idx="1"/>
           </p:cNvCxnSpPr>
           <p:nvPr/>
         </p:nvCxnSpPr>
         <p:spPr>
-          <a:xfrm rot="10800000" flipV="1">
-            <a:off x="6613075" y="1656080"/>
-            <a:ext cx="12700" cy="844978"/>
+          <a:xfrm rot="10800000" flipH="1" flipV="1">
+            <a:off x="6605208" y="1667096"/>
+            <a:ext cx="20064" cy="816334"/>
           </a:xfrm>
           <a:prstGeom prst="bentConnector3">
             <a:avLst>
-              <a:gd name="adj1" fmla="val 1800000"/>
+              <a:gd name="adj1" fmla="val -1139354"/>
             </a:avLst>
           </a:prstGeom>
           <a:ln>
@@ -3825,7 +3842,7 @@
         </p:nvSpPr>
         <p:spPr>
           <a:xfrm>
-            <a:off x="6613075" y="1417320"/>
+            <a:off x="7371244" y="1428336"/>
             <a:ext cx="1013468" cy="477520"/>
           </a:xfrm>
           <a:prstGeom prst="rect">
@@ -3891,7 +3908,7 @@
         </p:nvSpPr>
         <p:spPr>
           <a:xfrm>
-            <a:off x="6613075" y="2262298"/>
+            <a:off x="7371244" y="2251484"/>
             <a:ext cx="1215403" cy="477520"/>
           </a:xfrm>
           <a:prstGeom prst="rect">
@@ -3958,7 +3975,7 @@
         <p:spPr>
           <a:xfrm>
             <a:off x="147916" y="241301"/>
-            <a:ext cx="8356004" cy="2616200"/>
+            <a:ext cx="8651310" cy="2616200"/>
           </a:xfrm>
           <a:prstGeom prst="rect">
             <a:avLst/>
@@ -4047,12 +4064,12 @@
           <a:p>
             <a:pPr algn="ctr"/>
             <a:r>
-              <a:rPr kumimoji="1" lang="en-US" altLang="zh-CN" sz="1400" dirty="0" smtClean="0">
+              <a:rPr kumimoji="1" lang="en-US" altLang="zh-CN" sz="1400" dirty="0" err="1" smtClean="0">
                 <a:solidFill>
                   <a:schemeClr val="tx1"/>
                 </a:solidFill>
               </a:rPr>
-              <a:t>ROI </a:t>
+              <a:t>RoI</a:t>
             </a:r>
             <a:r>
               <a:rPr kumimoji="1" lang="en-US" altLang="zh-CN" sz="1400" dirty="0" smtClean="0">
@@ -4060,7 +4077,7 @@
                   <a:schemeClr val="tx1"/>
                 </a:solidFill>
               </a:rPr>
-              <a:t>Align</a:t>
+              <a:t> Align</a:t>
             </a:r>
             <a:endParaRPr kumimoji="1" lang="zh-CN" altLang="en-US" sz="1400" dirty="0">
               <a:solidFill>
@@ -4114,7 +4131,7 @@
         </p:nvSpPr>
         <p:spPr>
           <a:xfrm>
-            <a:off x="6613075" y="3507510"/>
+            <a:off x="7371244" y="3506355"/>
             <a:ext cx="1215403" cy="477520"/>
           </a:xfrm>
           <a:prstGeom prst="rect">
@@ -4169,14 +4186,14 @@
           <p:cNvPr id="36" name="直线箭头连接符 35"/>
           <p:cNvCxnSpPr>
             <a:stCxn id="23" idx="3"/>
-            <a:endCxn id="35" idx="1"/>
+            <a:endCxn id="77" idx="1"/>
           </p:cNvCxnSpPr>
           <p:nvPr/>
         </p:nvCxnSpPr>
         <p:spPr>
           <a:xfrm>
             <a:off x="6122310" y="3745115"/>
-            <a:ext cx="490765" cy="1155"/>
+            <a:ext cx="345157" cy="0"/>
           </a:xfrm>
           <a:prstGeom prst="straightConnector1">
             <a:avLst/>
@@ -4208,7 +4225,7 @@
         </p:nvSpPr>
         <p:spPr>
           <a:xfrm>
-            <a:off x="7174292" y="321479"/>
+            <a:off x="7476275" y="301041"/>
             <a:ext cx="1308371" cy="338554"/>
           </a:xfrm>
           <a:prstGeom prst="rect">
@@ -4240,12 +4257,12 @@
         </p:nvCxnSpPr>
         <p:spPr>
           <a:xfrm flipH="1">
-            <a:off x="4576662" y="1656080"/>
-            <a:ext cx="3049881" cy="1347349"/>
+            <a:off x="4562145" y="1667096"/>
+            <a:ext cx="3822567" cy="1383386"/>
           </a:xfrm>
           <a:prstGeom prst="bentConnector3">
             <a:avLst>
-              <a:gd name="adj1" fmla="val -19987"/>
+              <a:gd name="adj1" fmla="val -15784"/>
             </a:avLst>
           </a:prstGeom>
           <a:ln>
@@ -4277,7 +4294,7 @@
         </p:nvCxnSpPr>
         <p:spPr>
           <a:xfrm flipV="1">
-            <a:off x="7828477" y="2476933"/>
+            <a:off x="8586646" y="2466119"/>
             <a:ext cx="396000" cy="0"/>
           </a:xfrm>
           <a:prstGeom prst="straightConnector1">
@@ -4358,7 +4375,15 @@
                   <a:schemeClr val="tx1"/>
                 </a:solidFill>
               </a:rPr>
-              <a:t>elected ROIs</a:t>
+              <a:t>elected </a:t>
+            </a:r>
+            <a:r>
+              <a:rPr kumimoji="1" lang="en-US" altLang="zh-CN" sz="1200" dirty="0" err="1" smtClean="0">
+                <a:solidFill>
+                  <a:schemeClr val="tx1"/>
+                </a:solidFill>
+              </a:rPr>
+              <a:t>RoIs</a:t>
             </a:r>
             <a:endParaRPr kumimoji="1" lang="zh-CN" altLang="en-US" sz="1200" dirty="0">
               <a:solidFill>
@@ -4404,10 +4429,6358 @@
           </a:fontRef>
         </p:style>
       </p:cxnSp>
+      <p:sp>
+        <p:nvSpPr>
+          <p:cNvPr id="76" name="矩形 75"/>
+          <p:cNvSpPr/>
+          <p:nvPr/>
+        </p:nvSpPr>
+        <p:spPr>
+          <a:xfrm>
+            <a:off x="6605208" y="1474115"/>
+            <a:ext cx="464247" cy="385962"/>
+          </a:xfrm>
+          <a:prstGeom prst="rect">
+            <a:avLst/>
+          </a:prstGeom>
+          <a:noFill/>
+          <a:ln>
+            <a:solidFill>
+              <a:schemeClr val="accent2">
+                <a:lumMod val="75000"/>
+              </a:schemeClr>
+            </a:solidFill>
+          </a:ln>
+        </p:spPr>
+        <p:style>
+          <a:lnRef idx="2">
+            <a:schemeClr val="accent1">
+              <a:shade val="50000"/>
+            </a:schemeClr>
+          </a:lnRef>
+          <a:fillRef idx="1">
+            <a:schemeClr val="accent1"/>
+          </a:fillRef>
+          <a:effectRef idx="0">
+            <a:schemeClr val="accent1"/>
+          </a:effectRef>
+          <a:fontRef idx="minor">
+            <a:schemeClr val="lt1"/>
+          </a:fontRef>
+        </p:style>
+        <p:txBody>
+          <a:bodyPr rtlCol="0" anchor="ctr"/>
+          <a:lstStyle/>
+          <a:p>
+            <a:pPr algn="ctr"/>
+            <a:r>
+              <a:rPr kumimoji="1" lang="en-US" altLang="zh-CN" sz="1400" smtClean="0">
+                <a:solidFill>
+                  <a:schemeClr val="tx1"/>
+                </a:solidFill>
+              </a:rPr>
+              <a:t>FC</a:t>
+            </a:r>
+            <a:endParaRPr kumimoji="1" lang="zh-CN" altLang="en-US" sz="1400" dirty="0">
+              <a:solidFill>
+                <a:schemeClr val="tx1"/>
+              </a:solidFill>
+            </a:endParaRPr>
+          </a:p>
+        </p:txBody>
+      </p:sp>
+      <p:sp>
+        <p:nvSpPr>
+          <p:cNvPr id="77" name="矩形 76"/>
+          <p:cNvSpPr/>
+          <p:nvPr/>
+        </p:nvSpPr>
+        <p:spPr>
+          <a:xfrm>
+            <a:off x="6467467" y="3552134"/>
+            <a:ext cx="631727" cy="385962"/>
+          </a:xfrm>
+          <a:prstGeom prst="rect">
+            <a:avLst/>
+          </a:prstGeom>
+          <a:noFill/>
+          <a:ln>
+            <a:solidFill>
+              <a:schemeClr val="accent2">
+                <a:lumMod val="75000"/>
+              </a:schemeClr>
+            </a:solidFill>
+          </a:ln>
+        </p:spPr>
+        <p:style>
+          <a:lnRef idx="2">
+            <a:schemeClr val="accent1">
+              <a:shade val="50000"/>
+            </a:schemeClr>
+          </a:lnRef>
+          <a:fillRef idx="1">
+            <a:schemeClr val="accent1"/>
+          </a:fillRef>
+          <a:effectRef idx="0">
+            <a:schemeClr val="accent1"/>
+          </a:effectRef>
+          <a:fontRef idx="minor">
+            <a:schemeClr val="lt1"/>
+          </a:fontRef>
+        </p:style>
+        <p:txBody>
+          <a:bodyPr rtlCol="0" anchor="ctr"/>
+          <a:lstStyle/>
+          <a:p>
+            <a:pPr algn="ctr"/>
+            <a:r>
+              <a:rPr kumimoji="1" lang="en-US" altLang="zh-CN" sz="1400" smtClean="0">
+                <a:solidFill>
+                  <a:schemeClr val="tx1"/>
+                </a:solidFill>
+              </a:rPr>
+              <a:t>FCN</a:t>
+            </a:r>
+            <a:endParaRPr kumimoji="1" lang="zh-CN" altLang="en-US" sz="1400" dirty="0">
+              <a:solidFill>
+                <a:schemeClr val="tx1"/>
+              </a:solidFill>
+            </a:endParaRPr>
+          </a:p>
+        </p:txBody>
+      </p:sp>
+      <p:sp>
+        <p:nvSpPr>
+          <p:cNvPr id="79" name="矩形 78"/>
+          <p:cNvSpPr/>
+          <p:nvPr/>
+        </p:nvSpPr>
+        <p:spPr>
+          <a:xfrm>
+            <a:off x="6625272" y="2290449"/>
+            <a:ext cx="464247" cy="385962"/>
+          </a:xfrm>
+          <a:prstGeom prst="rect">
+            <a:avLst/>
+          </a:prstGeom>
+          <a:noFill/>
+          <a:ln>
+            <a:solidFill>
+              <a:schemeClr val="accent2">
+                <a:lumMod val="75000"/>
+              </a:schemeClr>
+            </a:solidFill>
+          </a:ln>
+        </p:spPr>
+        <p:style>
+          <a:lnRef idx="2">
+            <a:schemeClr val="accent1">
+              <a:shade val="50000"/>
+            </a:schemeClr>
+          </a:lnRef>
+          <a:fillRef idx="1">
+            <a:schemeClr val="accent1"/>
+          </a:fillRef>
+          <a:effectRef idx="0">
+            <a:schemeClr val="accent1"/>
+          </a:effectRef>
+          <a:fontRef idx="minor">
+            <a:schemeClr val="lt1"/>
+          </a:fontRef>
+        </p:style>
+        <p:txBody>
+          <a:bodyPr rtlCol="0" anchor="ctr"/>
+          <a:lstStyle/>
+          <a:p>
+            <a:pPr algn="ctr"/>
+            <a:r>
+              <a:rPr kumimoji="1" lang="en-US" altLang="zh-CN" sz="1400" smtClean="0">
+                <a:solidFill>
+                  <a:schemeClr val="tx1"/>
+                </a:solidFill>
+              </a:rPr>
+              <a:t>FC</a:t>
+            </a:r>
+            <a:endParaRPr kumimoji="1" lang="zh-CN" altLang="en-US" sz="1400" dirty="0">
+              <a:solidFill>
+                <a:schemeClr val="tx1"/>
+              </a:solidFill>
+            </a:endParaRPr>
+          </a:p>
+        </p:txBody>
+      </p:sp>
+      <p:cxnSp>
+        <p:nvCxnSpPr>
+          <p:cNvPr id="80" name="直线箭头连接符 79"/>
+          <p:cNvCxnSpPr>
+            <a:stCxn id="76" idx="3"/>
+            <a:endCxn id="74" idx="1"/>
+          </p:cNvCxnSpPr>
+          <p:nvPr/>
+        </p:nvCxnSpPr>
+        <p:spPr>
+          <a:xfrm>
+            <a:off x="7069455" y="1667096"/>
+            <a:ext cx="301789" cy="0"/>
+          </a:xfrm>
+          <a:prstGeom prst="straightConnector1">
+            <a:avLst/>
+          </a:prstGeom>
+          <a:ln>
+            <a:tailEnd type="triangle"/>
+          </a:ln>
+        </p:spPr>
+        <p:style>
+          <a:lnRef idx="1">
+            <a:schemeClr val="dk1"/>
+          </a:lnRef>
+          <a:fillRef idx="0">
+            <a:schemeClr val="dk1"/>
+          </a:fillRef>
+          <a:effectRef idx="0">
+            <a:schemeClr val="dk1"/>
+          </a:effectRef>
+          <a:fontRef idx="minor">
+            <a:schemeClr val="tx1"/>
+          </a:fontRef>
+        </p:style>
+      </p:cxnSp>
+      <p:cxnSp>
+        <p:nvCxnSpPr>
+          <p:cNvPr id="84" name="直线箭头连接符 83"/>
+          <p:cNvCxnSpPr>
+            <a:stCxn id="79" idx="3"/>
+            <a:endCxn id="75" idx="1"/>
+          </p:cNvCxnSpPr>
+          <p:nvPr/>
+        </p:nvCxnSpPr>
+        <p:spPr>
+          <a:xfrm>
+            <a:off x="7089519" y="2483430"/>
+            <a:ext cx="281725" cy="6814"/>
+          </a:xfrm>
+          <a:prstGeom prst="straightConnector1">
+            <a:avLst/>
+          </a:prstGeom>
+          <a:ln>
+            <a:tailEnd type="triangle"/>
+          </a:ln>
+        </p:spPr>
+        <p:style>
+          <a:lnRef idx="1">
+            <a:schemeClr val="dk1"/>
+          </a:lnRef>
+          <a:fillRef idx="0">
+            <a:schemeClr val="dk1"/>
+          </a:fillRef>
+          <a:effectRef idx="0">
+            <a:schemeClr val="dk1"/>
+          </a:effectRef>
+          <a:fontRef idx="minor">
+            <a:schemeClr val="tx1"/>
+          </a:fontRef>
+        </p:style>
+      </p:cxnSp>
+      <p:cxnSp>
+        <p:nvCxnSpPr>
+          <p:cNvPr id="92" name="直线箭头连接符 91"/>
+          <p:cNvCxnSpPr>
+            <a:stCxn id="77" idx="3"/>
+            <a:endCxn id="35" idx="1"/>
+          </p:cNvCxnSpPr>
+          <p:nvPr/>
+        </p:nvCxnSpPr>
+        <p:spPr>
+          <a:xfrm>
+            <a:off x="7099194" y="3745115"/>
+            <a:ext cx="272050" cy="0"/>
+          </a:xfrm>
+          <a:prstGeom prst="straightConnector1">
+            <a:avLst/>
+          </a:prstGeom>
+          <a:ln>
+            <a:tailEnd type="triangle"/>
+          </a:ln>
+        </p:spPr>
+        <p:style>
+          <a:lnRef idx="1">
+            <a:schemeClr val="dk1"/>
+          </a:lnRef>
+          <a:fillRef idx="0">
+            <a:schemeClr val="dk1"/>
+          </a:fillRef>
+          <a:effectRef idx="0">
+            <a:schemeClr val="dk1"/>
+          </a:effectRef>
+          <a:fontRef idx="minor">
+            <a:schemeClr val="tx1"/>
+          </a:fontRef>
+        </p:style>
+      </p:cxnSp>
     </p:spTree>
     <p:extLst>
       <p:ext uri="{BB962C8B-B14F-4D97-AF65-F5344CB8AC3E}">
         <p14:creationId xmlns:p14="http://schemas.microsoft.com/office/powerpoint/2010/main" val="496475055"/>
+      </p:ext>
+    </p:extLst>
+  </p:cSld>
+  <p:clrMapOvr>
+    <a:masterClrMapping/>
+  </p:clrMapOvr>
+  <p:timing>
+    <p:tnLst>
+      <p:par>
+        <p:cTn id="1" dur="indefinite" restart="never" nodeType="tmRoot"/>
+      </p:par>
+    </p:tnLst>
+  </p:timing>
+</p:sld>
+</file>
+
+<file path=ppt/slides/slide2.xml><?xml version="1.0" encoding="utf-8"?>
+<p:sld xmlns:a="http://schemas.openxmlformats.org/drawingml/2006/main" xmlns:r="http://schemas.openxmlformats.org/officeDocument/2006/relationships" xmlns:p="http://schemas.openxmlformats.org/presentationml/2006/main">
+  <p:cSld>
+    <p:spTree>
+      <p:nvGrpSpPr>
+        <p:cNvPr id="1" name=""/>
+        <p:cNvGrpSpPr/>
+        <p:nvPr/>
+      </p:nvGrpSpPr>
+      <p:grpSpPr>
+        <a:xfrm>
+          <a:off x="0" y="0"/>
+          <a:ext cx="0" cy="0"/>
+          <a:chOff x="0" y="0"/>
+          <a:chExt cx="0" cy="0"/>
+        </a:xfrm>
+      </p:grpSpPr>
+      <p:pic>
+        <p:nvPicPr>
+          <p:cNvPr id="7" name="图片 6"/>
+          <p:cNvPicPr>
+            <a:picLocks noChangeAspect="1"/>
+          </p:cNvPicPr>
+          <p:nvPr/>
+        </p:nvPicPr>
+        <p:blipFill>
+          <a:blip r:embed="rId2">
+            <a:extLst>
+              <a:ext uri="{28A0092B-C50C-407E-A947-70E740481C1C}">
+                <a14:useLocalDpi xmlns:a14="http://schemas.microsoft.com/office/drawing/2010/main" val="0"/>
+              </a:ext>
+            </a:extLst>
+          </a:blip>
+          <a:stretch>
+            <a:fillRect/>
+          </a:stretch>
+        </p:blipFill>
+        <p:spPr>
+          <a:xfrm>
+            <a:off x="442573" y="2266990"/>
+            <a:ext cx="2070678" cy="1629890"/>
+          </a:xfrm>
+          <a:prstGeom prst="rect">
+            <a:avLst/>
+          </a:prstGeom>
+        </p:spPr>
+      </p:pic>
+      <p:graphicFrame>
+        <p:nvGraphicFramePr>
+          <p:cNvPr id="8" name="表格 7"/>
+          <p:cNvGraphicFramePr>
+            <a:graphicFrameLocks noGrp="1"/>
+          </p:cNvGraphicFramePr>
+          <p:nvPr>
+            <p:extLst>
+              <p:ext uri="{D42A27DB-BD31-4B8C-83A1-F6EECF244321}">
+                <p14:modId xmlns:p14="http://schemas.microsoft.com/office/powerpoint/2010/main" val="312910373"/>
+              </p:ext>
+            </p:extLst>
+          </p:nvPr>
+        </p:nvGraphicFramePr>
+        <p:xfrm>
+          <a:off x="3633109" y="1720930"/>
+          <a:ext cx="2418552" cy="2926080"/>
+        </p:xfrm>
+        <a:graphic>
+          <a:graphicData uri="http://schemas.openxmlformats.org/drawingml/2006/table">
+            <a:tbl>
+              <a:tblPr firstRow="1" bandRow="1">
+                <a:tableStyleId>{5C22544A-7EE6-4342-B048-85BDC9FD1C3A}</a:tableStyleId>
+              </a:tblPr>
+              <a:tblGrid>
+                <a:gridCol w="302319"/>
+                <a:gridCol w="302319"/>
+                <a:gridCol w="302319"/>
+                <a:gridCol w="302319"/>
+                <a:gridCol w="302319"/>
+                <a:gridCol w="302319"/>
+                <a:gridCol w="302319"/>
+                <a:gridCol w="302319"/>
+              </a:tblGrid>
+              <a:tr h="348221">
+                <a:tc>
+                  <a:txBody>
+                    <a:bodyPr/>
+                    <a:lstStyle/>
+                    <a:p>
+                      <a:endParaRPr lang="zh-CN" altLang="en-US" dirty="0"/>
+                    </a:p>
+                  </a:txBody>
+                  <a:tcPr>
+                    <a:lnL w="12700" cap="flat" cmpd="sng" algn="ctr">
+                      <a:solidFill>
+                        <a:schemeClr val="tx1"/>
+                      </a:solidFill>
+                      <a:prstDash val="solid"/>
+                      <a:round/>
+                      <a:headEnd type="none" w="med" len="med"/>
+                      <a:tailEnd type="none" w="med" len="med"/>
+                    </a:lnL>
+                    <a:lnR w="12700" cap="flat" cmpd="sng" algn="ctr">
+                      <a:solidFill>
+                        <a:schemeClr val="tx1"/>
+                      </a:solidFill>
+                      <a:prstDash val="solid"/>
+                      <a:round/>
+                      <a:headEnd type="none" w="med" len="med"/>
+                      <a:tailEnd type="none" w="med" len="med"/>
+                    </a:lnR>
+                    <a:lnT w="12700" cap="flat" cmpd="sng" algn="ctr">
+                      <a:solidFill>
+                        <a:schemeClr val="tx1"/>
+                      </a:solidFill>
+                      <a:prstDash val="solid"/>
+                      <a:round/>
+                      <a:headEnd type="none" w="med" len="med"/>
+                      <a:tailEnd type="none" w="med" len="med"/>
+                    </a:lnT>
+                    <a:lnB w="12700" cap="flat" cmpd="sng" algn="ctr">
+                      <a:solidFill>
+                        <a:schemeClr val="tx1"/>
+                      </a:solidFill>
+                      <a:prstDash val="solid"/>
+                      <a:round/>
+                      <a:headEnd type="none" w="med" len="med"/>
+                      <a:tailEnd type="none" w="med" len="med"/>
+                    </a:lnB>
+                    <a:solidFill>
+                      <a:schemeClr val="bg1"/>
+                    </a:solidFill>
+                  </a:tcPr>
+                </a:tc>
+                <a:tc>
+                  <a:txBody>
+                    <a:bodyPr/>
+                    <a:lstStyle/>
+                    <a:p>
+                      <a:endParaRPr lang="zh-CN" altLang="en-US"/>
+                    </a:p>
+                  </a:txBody>
+                  <a:tcPr>
+                    <a:lnL w="12700" cap="flat" cmpd="sng" algn="ctr">
+                      <a:solidFill>
+                        <a:schemeClr val="tx1"/>
+                      </a:solidFill>
+                      <a:prstDash val="solid"/>
+                      <a:round/>
+                      <a:headEnd type="none" w="med" len="med"/>
+                      <a:tailEnd type="none" w="med" len="med"/>
+                    </a:lnL>
+                    <a:lnR w="12700" cap="flat" cmpd="sng" algn="ctr">
+                      <a:solidFill>
+                        <a:schemeClr val="tx1"/>
+                      </a:solidFill>
+                      <a:prstDash val="solid"/>
+                      <a:round/>
+                      <a:headEnd type="none" w="med" len="med"/>
+                      <a:tailEnd type="none" w="med" len="med"/>
+                    </a:lnR>
+                    <a:lnT w="12700" cap="flat" cmpd="sng" algn="ctr">
+                      <a:solidFill>
+                        <a:schemeClr val="tx1"/>
+                      </a:solidFill>
+                      <a:prstDash val="solid"/>
+                      <a:round/>
+                      <a:headEnd type="none" w="med" len="med"/>
+                      <a:tailEnd type="none" w="med" len="med"/>
+                    </a:lnT>
+                    <a:lnB w="12700" cap="flat" cmpd="sng" algn="ctr">
+                      <a:solidFill>
+                        <a:schemeClr val="tx1"/>
+                      </a:solidFill>
+                      <a:prstDash val="solid"/>
+                      <a:round/>
+                      <a:headEnd type="none" w="med" len="med"/>
+                      <a:tailEnd type="none" w="med" len="med"/>
+                    </a:lnB>
+                    <a:solidFill>
+                      <a:schemeClr val="bg1"/>
+                    </a:solidFill>
+                  </a:tcPr>
+                </a:tc>
+                <a:tc>
+                  <a:txBody>
+                    <a:bodyPr/>
+                    <a:lstStyle/>
+                    <a:p>
+                      <a:endParaRPr lang="zh-CN" altLang="en-US"/>
+                    </a:p>
+                  </a:txBody>
+                  <a:tcPr>
+                    <a:lnL w="12700" cap="flat" cmpd="sng" algn="ctr">
+                      <a:solidFill>
+                        <a:schemeClr val="tx1"/>
+                      </a:solidFill>
+                      <a:prstDash val="solid"/>
+                      <a:round/>
+                      <a:headEnd type="none" w="med" len="med"/>
+                      <a:tailEnd type="none" w="med" len="med"/>
+                    </a:lnL>
+                    <a:lnR w="12700" cap="flat" cmpd="sng" algn="ctr">
+                      <a:solidFill>
+                        <a:schemeClr val="tx1"/>
+                      </a:solidFill>
+                      <a:prstDash val="solid"/>
+                      <a:round/>
+                      <a:headEnd type="none" w="med" len="med"/>
+                      <a:tailEnd type="none" w="med" len="med"/>
+                    </a:lnR>
+                    <a:lnT w="12700" cap="flat" cmpd="sng" algn="ctr">
+                      <a:solidFill>
+                        <a:schemeClr val="tx1"/>
+                      </a:solidFill>
+                      <a:prstDash val="solid"/>
+                      <a:round/>
+                      <a:headEnd type="none" w="med" len="med"/>
+                      <a:tailEnd type="none" w="med" len="med"/>
+                    </a:lnT>
+                    <a:lnB w="12700" cap="flat" cmpd="sng" algn="ctr">
+                      <a:solidFill>
+                        <a:schemeClr val="tx1"/>
+                      </a:solidFill>
+                      <a:prstDash val="solid"/>
+                      <a:round/>
+                      <a:headEnd type="none" w="med" len="med"/>
+                      <a:tailEnd type="none" w="med" len="med"/>
+                    </a:lnB>
+                    <a:solidFill>
+                      <a:schemeClr val="bg1"/>
+                    </a:solidFill>
+                  </a:tcPr>
+                </a:tc>
+                <a:tc>
+                  <a:txBody>
+                    <a:bodyPr/>
+                    <a:lstStyle/>
+                    <a:p>
+                      <a:endParaRPr lang="zh-CN" altLang="en-US"/>
+                    </a:p>
+                  </a:txBody>
+                  <a:tcPr>
+                    <a:lnL w="12700" cap="flat" cmpd="sng" algn="ctr">
+                      <a:solidFill>
+                        <a:schemeClr val="tx1"/>
+                      </a:solidFill>
+                      <a:prstDash val="solid"/>
+                      <a:round/>
+                      <a:headEnd type="none" w="med" len="med"/>
+                      <a:tailEnd type="none" w="med" len="med"/>
+                    </a:lnL>
+                    <a:lnR w="12700" cap="flat" cmpd="sng" algn="ctr">
+                      <a:solidFill>
+                        <a:schemeClr val="tx1"/>
+                      </a:solidFill>
+                      <a:prstDash val="solid"/>
+                      <a:round/>
+                      <a:headEnd type="none" w="med" len="med"/>
+                      <a:tailEnd type="none" w="med" len="med"/>
+                    </a:lnR>
+                    <a:lnT w="12700" cap="flat" cmpd="sng" algn="ctr">
+                      <a:solidFill>
+                        <a:schemeClr val="tx1"/>
+                      </a:solidFill>
+                      <a:prstDash val="solid"/>
+                      <a:round/>
+                      <a:headEnd type="none" w="med" len="med"/>
+                      <a:tailEnd type="none" w="med" len="med"/>
+                    </a:lnT>
+                    <a:lnB w="12700" cap="flat" cmpd="sng" algn="ctr">
+                      <a:solidFill>
+                        <a:schemeClr val="tx1"/>
+                      </a:solidFill>
+                      <a:prstDash val="solid"/>
+                      <a:round/>
+                      <a:headEnd type="none" w="med" len="med"/>
+                      <a:tailEnd type="none" w="med" len="med"/>
+                    </a:lnB>
+                    <a:solidFill>
+                      <a:schemeClr val="bg1"/>
+                    </a:solidFill>
+                  </a:tcPr>
+                </a:tc>
+                <a:tc>
+                  <a:txBody>
+                    <a:bodyPr/>
+                    <a:lstStyle/>
+                    <a:p>
+                      <a:endParaRPr lang="zh-CN" altLang="en-US"/>
+                    </a:p>
+                  </a:txBody>
+                  <a:tcPr>
+                    <a:lnL w="12700" cap="flat" cmpd="sng" algn="ctr">
+                      <a:solidFill>
+                        <a:schemeClr val="tx1"/>
+                      </a:solidFill>
+                      <a:prstDash val="solid"/>
+                      <a:round/>
+                      <a:headEnd type="none" w="med" len="med"/>
+                      <a:tailEnd type="none" w="med" len="med"/>
+                    </a:lnL>
+                    <a:lnR w="12700" cap="flat" cmpd="sng" algn="ctr">
+                      <a:solidFill>
+                        <a:schemeClr val="tx1"/>
+                      </a:solidFill>
+                      <a:prstDash val="solid"/>
+                      <a:round/>
+                      <a:headEnd type="none" w="med" len="med"/>
+                      <a:tailEnd type="none" w="med" len="med"/>
+                    </a:lnR>
+                    <a:lnT w="12700" cap="flat" cmpd="sng" algn="ctr">
+                      <a:solidFill>
+                        <a:schemeClr val="tx1"/>
+                      </a:solidFill>
+                      <a:prstDash val="solid"/>
+                      <a:round/>
+                      <a:headEnd type="none" w="med" len="med"/>
+                      <a:tailEnd type="none" w="med" len="med"/>
+                    </a:lnT>
+                    <a:lnB w="12700" cap="flat" cmpd="sng" algn="ctr">
+                      <a:solidFill>
+                        <a:schemeClr val="tx1"/>
+                      </a:solidFill>
+                      <a:prstDash val="solid"/>
+                      <a:round/>
+                      <a:headEnd type="none" w="med" len="med"/>
+                      <a:tailEnd type="none" w="med" len="med"/>
+                    </a:lnB>
+                    <a:solidFill>
+                      <a:schemeClr val="bg1"/>
+                    </a:solidFill>
+                  </a:tcPr>
+                </a:tc>
+                <a:tc>
+                  <a:txBody>
+                    <a:bodyPr/>
+                    <a:lstStyle/>
+                    <a:p>
+                      <a:endParaRPr lang="zh-CN" altLang="en-US"/>
+                    </a:p>
+                  </a:txBody>
+                  <a:tcPr>
+                    <a:lnL w="12700" cap="flat" cmpd="sng" algn="ctr">
+                      <a:solidFill>
+                        <a:schemeClr val="tx1"/>
+                      </a:solidFill>
+                      <a:prstDash val="solid"/>
+                      <a:round/>
+                      <a:headEnd type="none" w="med" len="med"/>
+                      <a:tailEnd type="none" w="med" len="med"/>
+                    </a:lnL>
+                    <a:lnR w="12700" cap="flat" cmpd="sng" algn="ctr">
+                      <a:solidFill>
+                        <a:schemeClr val="tx1"/>
+                      </a:solidFill>
+                      <a:prstDash val="solid"/>
+                      <a:round/>
+                      <a:headEnd type="none" w="med" len="med"/>
+                      <a:tailEnd type="none" w="med" len="med"/>
+                    </a:lnR>
+                    <a:lnT w="12700" cap="flat" cmpd="sng" algn="ctr">
+                      <a:solidFill>
+                        <a:schemeClr val="tx1"/>
+                      </a:solidFill>
+                      <a:prstDash val="solid"/>
+                      <a:round/>
+                      <a:headEnd type="none" w="med" len="med"/>
+                      <a:tailEnd type="none" w="med" len="med"/>
+                    </a:lnT>
+                    <a:lnB w="12700" cap="flat" cmpd="sng" algn="ctr">
+                      <a:solidFill>
+                        <a:schemeClr val="tx1"/>
+                      </a:solidFill>
+                      <a:prstDash val="solid"/>
+                      <a:round/>
+                      <a:headEnd type="none" w="med" len="med"/>
+                      <a:tailEnd type="none" w="med" len="med"/>
+                    </a:lnB>
+                    <a:solidFill>
+                      <a:schemeClr val="bg1"/>
+                    </a:solidFill>
+                  </a:tcPr>
+                </a:tc>
+                <a:tc>
+                  <a:txBody>
+                    <a:bodyPr/>
+                    <a:lstStyle/>
+                    <a:p>
+                      <a:endParaRPr lang="zh-CN" altLang="en-US"/>
+                    </a:p>
+                  </a:txBody>
+                  <a:tcPr>
+                    <a:lnL w="12700" cap="flat" cmpd="sng" algn="ctr">
+                      <a:solidFill>
+                        <a:schemeClr val="tx1"/>
+                      </a:solidFill>
+                      <a:prstDash val="solid"/>
+                      <a:round/>
+                      <a:headEnd type="none" w="med" len="med"/>
+                      <a:tailEnd type="none" w="med" len="med"/>
+                    </a:lnL>
+                    <a:lnR w="12700" cap="flat" cmpd="sng" algn="ctr">
+                      <a:solidFill>
+                        <a:schemeClr val="tx1"/>
+                      </a:solidFill>
+                      <a:prstDash val="solid"/>
+                      <a:round/>
+                      <a:headEnd type="none" w="med" len="med"/>
+                      <a:tailEnd type="none" w="med" len="med"/>
+                    </a:lnR>
+                    <a:lnT w="12700" cap="flat" cmpd="sng" algn="ctr">
+                      <a:solidFill>
+                        <a:schemeClr val="tx1"/>
+                      </a:solidFill>
+                      <a:prstDash val="solid"/>
+                      <a:round/>
+                      <a:headEnd type="none" w="med" len="med"/>
+                      <a:tailEnd type="none" w="med" len="med"/>
+                    </a:lnT>
+                    <a:lnB w="12700" cap="flat" cmpd="sng" algn="ctr">
+                      <a:solidFill>
+                        <a:schemeClr val="tx1"/>
+                      </a:solidFill>
+                      <a:prstDash val="solid"/>
+                      <a:round/>
+                      <a:headEnd type="none" w="med" len="med"/>
+                      <a:tailEnd type="none" w="med" len="med"/>
+                    </a:lnB>
+                    <a:solidFill>
+                      <a:schemeClr val="bg1"/>
+                    </a:solidFill>
+                  </a:tcPr>
+                </a:tc>
+                <a:tc>
+                  <a:txBody>
+                    <a:bodyPr/>
+                    <a:lstStyle/>
+                    <a:p>
+                      <a:endParaRPr lang="zh-CN" altLang="en-US"/>
+                    </a:p>
+                  </a:txBody>
+                  <a:tcPr>
+                    <a:lnL w="12700" cap="flat" cmpd="sng" algn="ctr">
+                      <a:solidFill>
+                        <a:schemeClr val="tx1"/>
+                      </a:solidFill>
+                      <a:prstDash val="solid"/>
+                      <a:round/>
+                      <a:headEnd type="none" w="med" len="med"/>
+                      <a:tailEnd type="none" w="med" len="med"/>
+                    </a:lnL>
+                    <a:lnR w="12700" cap="flat" cmpd="sng" algn="ctr">
+                      <a:solidFill>
+                        <a:schemeClr val="tx1"/>
+                      </a:solidFill>
+                      <a:prstDash val="solid"/>
+                      <a:round/>
+                      <a:headEnd type="none" w="med" len="med"/>
+                      <a:tailEnd type="none" w="med" len="med"/>
+                    </a:lnR>
+                    <a:lnT w="12700" cap="flat" cmpd="sng" algn="ctr">
+                      <a:solidFill>
+                        <a:schemeClr val="tx1"/>
+                      </a:solidFill>
+                      <a:prstDash val="solid"/>
+                      <a:round/>
+                      <a:headEnd type="none" w="med" len="med"/>
+                      <a:tailEnd type="none" w="med" len="med"/>
+                    </a:lnT>
+                    <a:lnB w="12700" cap="flat" cmpd="sng" algn="ctr">
+                      <a:solidFill>
+                        <a:schemeClr val="tx1"/>
+                      </a:solidFill>
+                      <a:prstDash val="solid"/>
+                      <a:round/>
+                      <a:headEnd type="none" w="med" len="med"/>
+                      <a:tailEnd type="none" w="med" len="med"/>
+                    </a:lnB>
+                    <a:solidFill>
+                      <a:schemeClr val="bg1"/>
+                    </a:solidFill>
+                  </a:tcPr>
+                </a:tc>
+              </a:tr>
+              <a:tr h="348221">
+                <a:tc>
+                  <a:txBody>
+                    <a:bodyPr/>
+                    <a:lstStyle/>
+                    <a:p>
+                      <a:endParaRPr lang="zh-CN" altLang="en-US"/>
+                    </a:p>
+                  </a:txBody>
+                  <a:tcPr>
+                    <a:lnL w="12700" cap="flat" cmpd="sng" algn="ctr">
+                      <a:solidFill>
+                        <a:schemeClr val="tx1"/>
+                      </a:solidFill>
+                      <a:prstDash val="solid"/>
+                      <a:round/>
+                      <a:headEnd type="none" w="med" len="med"/>
+                      <a:tailEnd type="none" w="med" len="med"/>
+                    </a:lnL>
+                    <a:lnR w="12700" cap="flat" cmpd="sng" algn="ctr">
+                      <a:solidFill>
+                        <a:schemeClr val="tx1"/>
+                      </a:solidFill>
+                      <a:prstDash val="solid"/>
+                      <a:round/>
+                      <a:headEnd type="none" w="med" len="med"/>
+                      <a:tailEnd type="none" w="med" len="med"/>
+                    </a:lnR>
+                    <a:lnT w="12700" cap="flat" cmpd="sng" algn="ctr">
+                      <a:solidFill>
+                        <a:schemeClr val="tx1"/>
+                      </a:solidFill>
+                      <a:prstDash val="solid"/>
+                      <a:round/>
+                      <a:headEnd type="none" w="med" len="med"/>
+                      <a:tailEnd type="none" w="med" len="med"/>
+                    </a:lnT>
+                    <a:lnB w="12700" cap="flat" cmpd="sng" algn="ctr">
+                      <a:solidFill>
+                        <a:schemeClr val="tx1"/>
+                      </a:solidFill>
+                      <a:prstDash val="solid"/>
+                      <a:round/>
+                      <a:headEnd type="none" w="med" len="med"/>
+                      <a:tailEnd type="none" w="med" len="med"/>
+                    </a:lnB>
+                    <a:solidFill>
+                      <a:schemeClr val="bg1"/>
+                    </a:solidFill>
+                  </a:tcPr>
+                </a:tc>
+                <a:tc>
+                  <a:txBody>
+                    <a:bodyPr/>
+                    <a:lstStyle/>
+                    <a:p>
+                      <a:endParaRPr lang="zh-CN" altLang="en-US"/>
+                    </a:p>
+                  </a:txBody>
+                  <a:tcPr>
+                    <a:lnL w="12700" cap="flat" cmpd="sng" algn="ctr">
+                      <a:solidFill>
+                        <a:schemeClr val="tx1"/>
+                      </a:solidFill>
+                      <a:prstDash val="solid"/>
+                      <a:round/>
+                      <a:headEnd type="none" w="med" len="med"/>
+                      <a:tailEnd type="none" w="med" len="med"/>
+                    </a:lnL>
+                    <a:lnR w="12700" cap="flat" cmpd="sng" algn="ctr">
+                      <a:solidFill>
+                        <a:schemeClr val="tx1"/>
+                      </a:solidFill>
+                      <a:prstDash val="solid"/>
+                      <a:round/>
+                      <a:headEnd type="none" w="med" len="med"/>
+                      <a:tailEnd type="none" w="med" len="med"/>
+                    </a:lnR>
+                    <a:lnT w="12700" cap="flat" cmpd="sng" algn="ctr">
+                      <a:solidFill>
+                        <a:schemeClr val="tx1"/>
+                      </a:solidFill>
+                      <a:prstDash val="solid"/>
+                      <a:round/>
+                      <a:headEnd type="none" w="med" len="med"/>
+                      <a:tailEnd type="none" w="med" len="med"/>
+                    </a:lnT>
+                    <a:lnB w="12700" cap="flat" cmpd="sng" algn="ctr">
+                      <a:solidFill>
+                        <a:schemeClr val="tx1"/>
+                      </a:solidFill>
+                      <a:prstDash val="solid"/>
+                      <a:round/>
+                      <a:headEnd type="none" w="med" len="med"/>
+                      <a:tailEnd type="none" w="med" len="med"/>
+                    </a:lnB>
+                    <a:solidFill>
+                      <a:schemeClr val="bg1"/>
+                    </a:solidFill>
+                  </a:tcPr>
+                </a:tc>
+                <a:tc>
+                  <a:txBody>
+                    <a:bodyPr/>
+                    <a:lstStyle/>
+                    <a:p>
+                      <a:endParaRPr lang="zh-CN" altLang="en-US"/>
+                    </a:p>
+                  </a:txBody>
+                  <a:tcPr>
+                    <a:lnL w="12700" cap="flat" cmpd="sng" algn="ctr">
+                      <a:solidFill>
+                        <a:schemeClr val="tx1"/>
+                      </a:solidFill>
+                      <a:prstDash val="solid"/>
+                      <a:round/>
+                      <a:headEnd type="none" w="med" len="med"/>
+                      <a:tailEnd type="none" w="med" len="med"/>
+                    </a:lnL>
+                    <a:lnR w="12700" cap="flat" cmpd="sng" algn="ctr">
+                      <a:solidFill>
+                        <a:schemeClr val="tx1"/>
+                      </a:solidFill>
+                      <a:prstDash val="solid"/>
+                      <a:round/>
+                      <a:headEnd type="none" w="med" len="med"/>
+                      <a:tailEnd type="none" w="med" len="med"/>
+                    </a:lnR>
+                    <a:lnT w="12700" cap="flat" cmpd="sng" algn="ctr">
+                      <a:solidFill>
+                        <a:schemeClr val="tx1"/>
+                      </a:solidFill>
+                      <a:prstDash val="solid"/>
+                      <a:round/>
+                      <a:headEnd type="none" w="med" len="med"/>
+                      <a:tailEnd type="none" w="med" len="med"/>
+                    </a:lnT>
+                    <a:lnB w="12700" cap="flat" cmpd="sng" algn="ctr">
+                      <a:solidFill>
+                        <a:schemeClr val="tx1"/>
+                      </a:solidFill>
+                      <a:prstDash val="solid"/>
+                      <a:round/>
+                      <a:headEnd type="none" w="med" len="med"/>
+                      <a:tailEnd type="none" w="med" len="med"/>
+                    </a:lnB>
+                    <a:solidFill>
+                      <a:schemeClr val="bg1"/>
+                    </a:solidFill>
+                  </a:tcPr>
+                </a:tc>
+                <a:tc>
+                  <a:txBody>
+                    <a:bodyPr/>
+                    <a:lstStyle/>
+                    <a:p>
+                      <a:endParaRPr lang="zh-CN" altLang="en-US"/>
+                    </a:p>
+                  </a:txBody>
+                  <a:tcPr>
+                    <a:lnL w="12700" cap="flat" cmpd="sng" algn="ctr">
+                      <a:solidFill>
+                        <a:schemeClr val="tx1"/>
+                      </a:solidFill>
+                      <a:prstDash val="solid"/>
+                      <a:round/>
+                      <a:headEnd type="none" w="med" len="med"/>
+                      <a:tailEnd type="none" w="med" len="med"/>
+                    </a:lnL>
+                    <a:lnR w="12700" cap="flat" cmpd="sng" algn="ctr">
+                      <a:solidFill>
+                        <a:schemeClr val="tx1"/>
+                      </a:solidFill>
+                      <a:prstDash val="solid"/>
+                      <a:round/>
+                      <a:headEnd type="none" w="med" len="med"/>
+                      <a:tailEnd type="none" w="med" len="med"/>
+                    </a:lnR>
+                    <a:lnT w="12700" cap="flat" cmpd="sng" algn="ctr">
+                      <a:solidFill>
+                        <a:schemeClr val="tx1"/>
+                      </a:solidFill>
+                      <a:prstDash val="solid"/>
+                      <a:round/>
+                      <a:headEnd type="none" w="med" len="med"/>
+                      <a:tailEnd type="none" w="med" len="med"/>
+                    </a:lnT>
+                    <a:lnB w="12700" cap="flat" cmpd="sng" algn="ctr">
+                      <a:solidFill>
+                        <a:schemeClr val="tx1"/>
+                      </a:solidFill>
+                      <a:prstDash val="solid"/>
+                      <a:round/>
+                      <a:headEnd type="none" w="med" len="med"/>
+                      <a:tailEnd type="none" w="med" len="med"/>
+                    </a:lnB>
+                    <a:solidFill>
+                      <a:schemeClr val="bg1"/>
+                    </a:solidFill>
+                  </a:tcPr>
+                </a:tc>
+                <a:tc>
+                  <a:txBody>
+                    <a:bodyPr/>
+                    <a:lstStyle/>
+                    <a:p>
+                      <a:endParaRPr lang="zh-CN" altLang="en-US"/>
+                    </a:p>
+                  </a:txBody>
+                  <a:tcPr>
+                    <a:lnL w="12700" cap="flat" cmpd="sng" algn="ctr">
+                      <a:solidFill>
+                        <a:schemeClr val="tx1"/>
+                      </a:solidFill>
+                      <a:prstDash val="solid"/>
+                      <a:round/>
+                      <a:headEnd type="none" w="med" len="med"/>
+                      <a:tailEnd type="none" w="med" len="med"/>
+                    </a:lnL>
+                    <a:lnR w="12700" cap="flat" cmpd="sng" algn="ctr">
+                      <a:solidFill>
+                        <a:schemeClr val="tx1"/>
+                      </a:solidFill>
+                      <a:prstDash val="solid"/>
+                      <a:round/>
+                      <a:headEnd type="none" w="med" len="med"/>
+                      <a:tailEnd type="none" w="med" len="med"/>
+                    </a:lnR>
+                    <a:lnT w="12700" cap="flat" cmpd="sng" algn="ctr">
+                      <a:solidFill>
+                        <a:schemeClr val="tx1"/>
+                      </a:solidFill>
+                      <a:prstDash val="solid"/>
+                      <a:round/>
+                      <a:headEnd type="none" w="med" len="med"/>
+                      <a:tailEnd type="none" w="med" len="med"/>
+                    </a:lnT>
+                    <a:lnB w="12700" cap="flat" cmpd="sng" algn="ctr">
+                      <a:solidFill>
+                        <a:schemeClr val="tx1"/>
+                      </a:solidFill>
+                      <a:prstDash val="solid"/>
+                      <a:round/>
+                      <a:headEnd type="none" w="med" len="med"/>
+                      <a:tailEnd type="none" w="med" len="med"/>
+                    </a:lnB>
+                    <a:solidFill>
+                      <a:schemeClr val="bg1"/>
+                    </a:solidFill>
+                  </a:tcPr>
+                </a:tc>
+                <a:tc>
+                  <a:txBody>
+                    <a:bodyPr/>
+                    <a:lstStyle/>
+                    <a:p>
+                      <a:endParaRPr lang="zh-CN" altLang="en-US"/>
+                    </a:p>
+                  </a:txBody>
+                  <a:tcPr>
+                    <a:lnL w="12700" cap="flat" cmpd="sng" algn="ctr">
+                      <a:solidFill>
+                        <a:schemeClr val="tx1"/>
+                      </a:solidFill>
+                      <a:prstDash val="solid"/>
+                      <a:round/>
+                      <a:headEnd type="none" w="med" len="med"/>
+                      <a:tailEnd type="none" w="med" len="med"/>
+                    </a:lnL>
+                    <a:lnR w="12700" cap="flat" cmpd="sng" algn="ctr">
+                      <a:solidFill>
+                        <a:schemeClr val="tx1"/>
+                      </a:solidFill>
+                      <a:prstDash val="solid"/>
+                      <a:round/>
+                      <a:headEnd type="none" w="med" len="med"/>
+                      <a:tailEnd type="none" w="med" len="med"/>
+                    </a:lnR>
+                    <a:lnT w="12700" cap="flat" cmpd="sng" algn="ctr">
+                      <a:solidFill>
+                        <a:schemeClr val="tx1"/>
+                      </a:solidFill>
+                      <a:prstDash val="solid"/>
+                      <a:round/>
+                      <a:headEnd type="none" w="med" len="med"/>
+                      <a:tailEnd type="none" w="med" len="med"/>
+                    </a:lnT>
+                    <a:lnB w="12700" cap="flat" cmpd="sng" algn="ctr">
+                      <a:solidFill>
+                        <a:schemeClr val="tx1"/>
+                      </a:solidFill>
+                      <a:prstDash val="solid"/>
+                      <a:round/>
+                      <a:headEnd type="none" w="med" len="med"/>
+                      <a:tailEnd type="none" w="med" len="med"/>
+                    </a:lnB>
+                    <a:solidFill>
+                      <a:schemeClr val="bg1"/>
+                    </a:solidFill>
+                  </a:tcPr>
+                </a:tc>
+                <a:tc>
+                  <a:txBody>
+                    <a:bodyPr/>
+                    <a:lstStyle/>
+                    <a:p>
+                      <a:endParaRPr lang="zh-CN" altLang="en-US" dirty="0"/>
+                    </a:p>
+                  </a:txBody>
+                  <a:tcPr>
+                    <a:lnL w="12700" cap="flat" cmpd="sng" algn="ctr">
+                      <a:solidFill>
+                        <a:schemeClr val="tx1"/>
+                      </a:solidFill>
+                      <a:prstDash val="solid"/>
+                      <a:round/>
+                      <a:headEnd type="none" w="med" len="med"/>
+                      <a:tailEnd type="none" w="med" len="med"/>
+                    </a:lnL>
+                    <a:lnR w="12700" cap="flat" cmpd="sng" algn="ctr">
+                      <a:solidFill>
+                        <a:schemeClr val="tx1"/>
+                      </a:solidFill>
+                      <a:prstDash val="solid"/>
+                      <a:round/>
+                      <a:headEnd type="none" w="med" len="med"/>
+                      <a:tailEnd type="none" w="med" len="med"/>
+                    </a:lnR>
+                    <a:lnT w="12700" cap="flat" cmpd="sng" algn="ctr">
+                      <a:solidFill>
+                        <a:schemeClr val="tx1"/>
+                      </a:solidFill>
+                      <a:prstDash val="solid"/>
+                      <a:round/>
+                      <a:headEnd type="none" w="med" len="med"/>
+                      <a:tailEnd type="none" w="med" len="med"/>
+                    </a:lnT>
+                    <a:lnB w="12700" cap="flat" cmpd="sng" algn="ctr">
+                      <a:solidFill>
+                        <a:schemeClr val="tx1"/>
+                      </a:solidFill>
+                      <a:prstDash val="solid"/>
+                      <a:round/>
+                      <a:headEnd type="none" w="med" len="med"/>
+                      <a:tailEnd type="none" w="med" len="med"/>
+                    </a:lnB>
+                    <a:solidFill>
+                      <a:schemeClr val="bg1"/>
+                    </a:solidFill>
+                  </a:tcPr>
+                </a:tc>
+                <a:tc>
+                  <a:txBody>
+                    <a:bodyPr/>
+                    <a:lstStyle/>
+                    <a:p>
+                      <a:endParaRPr lang="zh-CN" altLang="en-US"/>
+                    </a:p>
+                  </a:txBody>
+                  <a:tcPr>
+                    <a:lnL w="12700" cap="flat" cmpd="sng" algn="ctr">
+                      <a:solidFill>
+                        <a:schemeClr val="tx1"/>
+                      </a:solidFill>
+                      <a:prstDash val="solid"/>
+                      <a:round/>
+                      <a:headEnd type="none" w="med" len="med"/>
+                      <a:tailEnd type="none" w="med" len="med"/>
+                    </a:lnL>
+                    <a:lnR w="12700" cap="flat" cmpd="sng" algn="ctr">
+                      <a:solidFill>
+                        <a:schemeClr val="tx1"/>
+                      </a:solidFill>
+                      <a:prstDash val="solid"/>
+                      <a:round/>
+                      <a:headEnd type="none" w="med" len="med"/>
+                      <a:tailEnd type="none" w="med" len="med"/>
+                    </a:lnR>
+                    <a:lnT w="12700" cap="flat" cmpd="sng" algn="ctr">
+                      <a:solidFill>
+                        <a:schemeClr val="tx1"/>
+                      </a:solidFill>
+                      <a:prstDash val="solid"/>
+                      <a:round/>
+                      <a:headEnd type="none" w="med" len="med"/>
+                      <a:tailEnd type="none" w="med" len="med"/>
+                    </a:lnT>
+                    <a:lnB w="12700" cap="flat" cmpd="sng" algn="ctr">
+                      <a:solidFill>
+                        <a:schemeClr val="tx1"/>
+                      </a:solidFill>
+                      <a:prstDash val="solid"/>
+                      <a:round/>
+                      <a:headEnd type="none" w="med" len="med"/>
+                      <a:tailEnd type="none" w="med" len="med"/>
+                    </a:lnB>
+                    <a:solidFill>
+                      <a:schemeClr val="bg1"/>
+                    </a:solidFill>
+                  </a:tcPr>
+                </a:tc>
+              </a:tr>
+              <a:tr h="348221">
+                <a:tc>
+                  <a:txBody>
+                    <a:bodyPr/>
+                    <a:lstStyle/>
+                    <a:p>
+                      <a:endParaRPr lang="zh-CN" altLang="en-US"/>
+                    </a:p>
+                  </a:txBody>
+                  <a:tcPr>
+                    <a:lnL w="12700" cap="flat" cmpd="sng" algn="ctr">
+                      <a:solidFill>
+                        <a:schemeClr val="tx1"/>
+                      </a:solidFill>
+                      <a:prstDash val="solid"/>
+                      <a:round/>
+                      <a:headEnd type="none" w="med" len="med"/>
+                      <a:tailEnd type="none" w="med" len="med"/>
+                    </a:lnL>
+                    <a:lnR w="12700" cap="flat" cmpd="sng" algn="ctr">
+                      <a:solidFill>
+                        <a:schemeClr val="tx1"/>
+                      </a:solidFill>
+                      <a:prstDash val="solid"/>
+                      <a:round/>
+                      <a:headEnd type="none" w="med" len="med"/>
+                      <a:tailEnd type="none" w="med" len="med"/>
+                    </a:lnR>
+                    <a:lnT w="12700" cap="flat" cmpd="sng" algn="ctr">
+                      <a:solidFill>
+                        <a:schemeClr val="tx1"/>
+                      </a:solidFill>
+                      <a:prstDash val="solid"/>
+                      <a:round/>
+                      <a:headEnd type="none" w="med" len="med"/>
+                      <a:tailEnd type="none" w="med" len="med"/>
+                    </a:lnT>
+                    <a:lnB w="12700" cap="flat" cmpd="sng" algn="ctr">
+                      <a:solidFill>
+                        <a:schemeClr val="tx1"/>
+                      </a:solidFill>
+                      <a:prstDash val="solid"/>
+                      <a:round/>
+                      <a:headEnd type="none" w="med" len="med"/>
+                      <a:tailEnd type="none" w="med" len="med"/>
+                    </a:lnB>
+                    <a:solidFill>
+                      <a:schemeClr val="bg1"/>
+                    </a:solidFill>
+                  </a:tcPr>
+                </a:tc>
+                <a:tc>
+                  <a:txBody>
+                    <a:bodyPr/>
+                    <a:lstStyle/>
+                    <a:p>
+                      <a:endParaRPr lang="zh-CN" altLang="en-US"/>
+                    </a:p>
+                  </a:txBody>
+                  <a:tcPr>
+                    <a:lnL w="12700" cap="flat" cmpd="sng" algn="ctr">
+                      <a:solidFill>
+                        <a:schemeClr val="tx1"/>
+                      </a:solidFill>
+                      <a:prstDash val="solid"/>
+                      <a:round/>
+                      <a:headEnd type="none" w="med" len="med"/>
+                      <a:tailEnd type="none" w="med" len="med"/>
+                    </a:lnL>
+                    <a:lnR w="12700" cap="flat" cmpd="sng" algn="ctr">
+                      <a:solidFill>
+                        <a:schemeClr val="tx1"/>
+                      </a:solidFill>
+                      <a:prstDash val="solid"/>
+                      <a:round/>
+                      <a:headEnd type="none" w="med" len="med"/>
+                      <a:tailEnd type="none" w="med" len="med"/>
+                    </a:lnR>
+                    <a:lnT w="12700" cap="flat" cmpd="sng" algn="ctr">
+                      <a:solidFill>
+                        <a:schemeClr val="tx1"/>
+                      </a:solidFill>
+                      <a:prstDash val="solid"/>
+                      <a:round/>
+                      <a:headEnd type="none" w="med" len="med"/>
+                      <a:tailEnd type="none" w="med" len="med"/>
+                    </a:lnT>
+                    <a:lnB w="12700" cap="flat" cmpd="sng" algn="ctr">
+                      <a:solidFill>
+                        <a:schemeClr val="tx1"/>
+                      </a:solidFill>
+                      <a:prstDash val="solid"/>
+                      <a:round/>
+                      <a:headEnd type="none" w="med" len="med"/>
+                      <a:tailEnd type="none" w="med" len="med"/>
+                    </a:lnB>
+                    <a:solidFill>
+                      <a:schemeClr val="bg1"/>
+                    </a:solidFill>
+                  </a:tcPr>
+                </a:tc>
+                <a:tc>
+                  <a:txBody>
+                    <a:bodyPr/>
+                    <a:lstStyle/>
+                    <a:p>
+                      <a:endParaRPr lang="zh-CN" altLang="en-US"/>
+                    </a:p>
+                  </a:txBody>
+                  <a:tcPr>
+                    <a:lnL w="12700" cap="flat" cmpd="sng" algn="ctr">
+                      <a:solidFill>
+                        <a:schemeClr val="tx1"/>
+                      </a:solidFill>
+                      <a:prstDash val="solid"/>
+                      <a:round/>
+                      <a:headEnd type="none" w="med" len="med"/>
+                      <a:tailEnd type="none" w="med" len="med"/>
+                    </a:lnL>
+                    <a:lnR w="12700" cap="flat" cmpd="sng" algn="ctr">
+                      <a:solidFill>
+                        <a:schemeClr val="tx1"/>
+                      </a:solidFill>
+                      <a:prstDash val="solid"/>
+                      <a:round/>
+                      <a:headEnd type="none" w="med" len="med"/>
+                      <a:tailEnd type="none" w="med" len="med"/>
+                    </a:lnR>
+                    <a:lnT w="12700" cap="flat" cmpd="sng" algn="ctr">
+                      <a:solidFill>
+                        <a:schemeClr val="tx1"/>
+                      </a:solidFill>
+                      <a:prstDash val="solid"/>
+                      <a:round/>
+                      <a:headEnd type="none" w="med" len="med"/>
+                      <a:tailEnd type="none" w="med" len="med"/>
+                    </a:lnT>
+                    <a:lnB w="12700" cap="flat" cmpd="sng" algn="ctr">
+                      <a:solidFill>
+                        <a:schemeClr val="tx1"/>
+                      </a:solidFill>
+                      <a:prstDash val="solid"/>
+                      <a:round/>
+                      <a:headEnd type="none" w="med" len="med"/>
+                      <a:tailEnd type="none" w="med" len="med"/>
+                    </a:lnB>
+                    <a:solidFill>
+                      <a:schemeClr val="bg1"/>
+                    </a:solidFill>
+                  </a:tcPr>
+                </a:tc>
+                <a:tc>
+                  <a:txBody>
+                    <a:bodyPr/>
+                    <a:lstStyle/>
+                    <a:p>
+                      <a:endParaRPr lang="zh-CN" altLang="en-US" dirty="0"/>
+                    </a:p>
+                  </a:txBody>
+                  <a:tcPr>
+                    <a:lnL w="12700" cap="flat" cmpd="sng" algn="ctr">
+                      <a:solidFill>
+                        <a:schemeClr val="tx1"/>
+                      </a:solidFill>
+                      <a:prstDash val="solid"/>
+                      <a:round/>
+                      <a:headEnd type="none" w="med" len="med"/>
+                      <a:tailEnd type="none" w="med" len="med"/>
+                    </a:lnL>
+                    <a:lnR w="12700" cap="flat" cmpd="sng" algn="ctr">
+                      <a:solidFill>
+                        <a:schemeClr val="tx1"/>
+                      </a:solidFill>
+                      <a:prstDash val="solid"/>
+                      <a:round/>
+                      <a:headEnd type="none" w="med" len="med"/>
+                      <a:tailEnd type="none" w="med" len="med"/>
+                    </a:lnR>
+                    <a:lnT w="12700" cap="flat" cmpd="sng" algn="ctr">
+                      <a:solidFill>
+                        <a:schemeClr val="tx1"/>
+                      </a:solidFill>
+                      <a:prstDash val="solid"/>
+                      <a:round/>
+                      <a:headEnd type="none" w="med" len="med"/>
+                      <a:tailEnd type="none" w="med" len="med"/>
+                    </a:lnT>
+                    <a:lnB w="12700" cap="flat" cmpd="sng" algn="ctr">
+                      <a:solidFill>
+                        <a:schemeClr val="tx1"/>
+                      </a:solidFill>
+                      <a:prstDash val="solid"/>
+                      <a:round/>
+                      <a:headEnd type="none" w="med" len="med"/>
+                      <a:tailEnd type="none" w="med" len="med"/>
+                    </a:lnB>
+                    <a:solidFill>
+                      <a:schemeClr val="accent6">
+                        <a:lumMod val="60000"/>
+                        <a:lumOff val="40000"/>
+                      </a:schemeClr>
+                    </a:solidFill>
+                  </a:tcPr>
+                </a:tc>
+                <a:tc>
+                  <a:txBody>
+                    <a:bodyPr/>
+                    <a:lstStyle/>
+                    <a:p>
+                      <a:endParaRPr lang="zh-CN" altLang="en-US" dirty="0"/>
+                    </a:p>
+                  </a:txBody>
+                  <a:tcPr>
+                    <a:lnL w="12700" cap="flat" cmpd="sng" algn="ctr">
+                      <a:solidFill>
+                        <a:schemeClr val="tx1"/>
+                      </a:solidFill>
+                      <a:prstDash val="solid"/>
+                      <a:round/>
+                      <a:headEnd type="none" w="med" len="med"/>
+                      <a:tailEnd type="none" w="med" len="med"/>
+                    </a:lnL>
+                    <a:lnR w="12700" cap="flat" cmpd="sng" algn="ctr">
+                      <a:solidFill>
+                        <a:schemeClr val="tx1"/>
+                      </a:solidFill>
+                      <a:prstDash val="solid"/>
+                      <a:round/>
+                      <a:headEnd type="none" w="med" len="med"/>
+                      <a:tailEnd type="none" w="med" len="med"/>
+                    </a:lnR>
+                    <a:lnT w="12700" cap="flat" cmpd="sng" algn="ctr">
+                      <a:solidFill>
+                        <a:schemeClr val="tx1"/>
+                      </a:solidFill>
+                      <a:prstDash val="solid"/>
+                      <a:round/>
+                      <a:headEnd type="none" w="med" len="med"/>
+                      <a:tailEnd type="none" w="med" len="med"/>
+                    </a:lnT>
+                    <a:lnB w="12700" cap="flat" cmpd="sng" algn="ctr">
+                      <a:solidFill>
+                        <a:schemeClr val="tx1"/>
+                      </a:solidFill>
+                      <a:prstDash val="solid"/>
+                      <a:round/>
+                      <a:headEnd type="none" w="med" len="med"/>
+                      <a:tailEnd type="none" w="med" len="med"/>
+                    </a:lnB>
+                    <a:solidFill>
+                      <a:schemeClr val="accent6">
+                        <a:lumMod val="60000"/>
+                        <a:lumOff val="40000"/>
+                      </a:schemeClr>
+                    </a:solidFill>
+                  </a:tcPr>
+                </a:tc>
+                <a:tc>
+                  <a:txBody>
+                    <a:bodyPr/>
+                    <a:lstStyle/>
+                    <a:p>
+                      <a:endParaRPr lang="zh-CN" altLang="en-US" dirty="0"/>
+                    </a:p>
+                  </a:txBody>
+                  <a:tcPr>
+                    <a:lnL w="12700" cap="flat" cmpd="sng" algn="ctr">
+                      <a:solidFill>
+                        <a:schemeClr val="tx1"/>
+                      </a:solidFill>
+                      <a:prstDash val="solid"/>
+                      <a:round/>
+                      <a:headEnd type="none" w="med" len="med"/>
+                      <a:tailEnd type="none" w="med" len="med"/>
+                    </a:lnL>
+                    <a:lnR w="12700" cap="flat" cmpd="sng" algn="ctr">
+                      <a:solidFill>
+                        <a:schemeClr val="tx1"/>
+                      </a:solidFill>
+                      <a:prstDash val="solid"/>
+                      <a:round/>
+                      <a:headEnd type="none" w="med" len="med"/>
+                      <a:tailEnd type="none" w="med" len="med"/>
+                    </a:lnR>
+                    <a:lnT w="12700" cap="flat" cmpd="sng" algn="ctr">
+                      <a:solidFill>
+                        <a:schemeClr val="tx1"/>
+                      </a:solidFill>
+                      <a:prstDash val="solid"/>
+                      <a:round/>
+                      <a:headEnd type="none" w="med" len="med"/>
+                      <a:tailEnd type="none" w="med" len="med"/>
+                    </a:lnT>
+                    <a:lnB w="12700" cap="flat" cmpd="sng" algn="ctr">
+                      <a:solidFill>
+                        <a:schemeClr val="tx1"/>
+                      </a:solidFill>
+                      <a:prstDash val="solid"/>
+                      <a:round/>
+                      <a:headEnd type="none" w="med" len="med"/>
+                      <a:tailEnd type="none" w="med" len="med"/>
+                    </a:lnB>
+                    <a:solidFill>
+                      <a:schemeClr val="bg1"/>
+                    </a:solidFill>
+                  </a:tcPr>
+                </a:tc>
+                <a:tc>
+                  <a:txBody>
+                    <a:bodyPr/>
+                    <a:lstStyle/>
+                    <a:p>
+                      <a:endParaRPr lang="zh-CN" altLang="en-US" dirty="0"/>
+                    </a:p>
+                  </a:txBody>
+                  <a:tcPr>
+                    <a:lnL w="12700" cap="flat" cmpd="sng" algn="ctr">
+                      <a:solidFill>
+                        <a:schemeClr val="tx1"/>
+                      </a:solidFill>
+                      <a:prstDash val="solid"/>
+                      <a:round/>
+                      <a:headEnd type="none" w="med" len="med"/>
+                      <a:tailEnd type="none" w="med" len="med"/>
+                    </a:lnL>
+                    <a:lnR w="12700" cap="flat" cmpd="sng" algn="ctr">
+                      <a:solidFill>
+                        <a:schemeClr val="tx1"/>
+                      </a:solidFill>
+                      <a:prstDash val="solid"/>
+                      <a:round/>
+                      <a:headEnd type="none" w="med" len="med"/>
+                      <a:tailEnd type="none" w="med" len="med"/>
+                    </a:lnR>
+                    <a:lnT w="12700" cap="flat" cmpd="sng" algn="ctr">
+                      <a:solidFill>
+                        <a:schemeClr val="tx1"/>
+                      </a:solidFill>
+                      <a:prstDash val="solid"/>
+                      <a:round/>
+                      <a:headEnd type="none" w="med" len="med"/>
+                      <a:tailEnd type="none" w="med" len="med"/>
+                    </a:lnT>
+                    <a:lnB w="12700" cap="flat" cmpd="sng" algn="ctr">
+                      <a:solidFill>
+                        <a:schemeClr val="tx1"/>
+                      </a:solidFill>
+                      <a:prstDash val="solid"/>
+                      <a:round/>
+                      <a:headEnd type="none" w="med" len="med"/>
+                      <a:tailEnd type="none" w="med" len="med"/>
+                    </a:lnB>
+                    <a:solidFill>
+                      <a:schemeClr val="bg1"/>
+                    </a:solidFill>
+                  </a:tcPr>
+                </a:tc>
+                <a:tc>
+                  <a:txBody>
+                    <a:bodyPr/>
+                    <a:lstStyle/>
+                    <a:p>
+                      <a:endParaRPr lang="zh-CN" altLang="en-US" dirty="0"/>
+                    </a:p>
+                  </a:txBody>
+                  <a:tcPr>
+                    <a:lnL w="12700" cap="flat" cmpd="sng" algn="ctr">
+                      <a:solidFill>
+                        <a:schemeClr val="tx1"/>
+                      </a:solidFill>
+                      <a:prstDash val="solid"/>
+                      <a:round/>
+                      <a:headEnd type="none" w="med" len="med"/>
+                      <a:tailEnd type="none" w="med" len="med"/>
+                    </a:lnL>
+                    <a:lnR w="12700" cap="flat" cmpd="sng" algn="ctr">
+                      <a:solidFill>
+                        <a:schemeClr val="tx1"/>
+                      </a:solidFill>
+                      <a:prstDash val="solid"/>
+                      <a:round/>
+                      <a:headEnd type="none" w="med" len="med"/>
+                      <a:tailEnd type="none" w="med" len="med"/>
+                    </a:lnR>
+                    <a:lnT w="12700" cap="flat" cmpd="sng" algn="ctr">
+                      <a:solidFill>
+                        <a:schemeClr val="tx1"/>
+                      </a:solidFill>
+                      <a:prstDash val="solid"/>
+                      <a:round/>
+                      <a:headEnd type="none" w="med" len="med"/>
+                      <a:tailEnd type="none" w="med" len="med"/>
+                    </a:lnT>
+                    <a:lnB w="12700" cap="flat" cmpd="sng" algn="ctr">
+                      <a:solidFill>
+                        <a:schemeClr val="tx1"/>
+                      </a:solidFill>
+                      <a:prstDash val="solid"/>
+                      <a:round/>
+                      <a:headEnd type="none" w="med" len="med"/>
+                      <a:tailEnd type="none" w="med" len="med"/>
+                    </a:lnB>
+                    <a:solidFill>
+                      <a:schemeClr val="bg1"/>
+                    </a:solidFill>
+                  </a:tcPr>
+                </a:tc>
+              </a:tr>
+              <a:tr h="348221">
+                <a:tc>
+                  <a:txBody>
+                    <a:bodyPr/>
+                    <a:lstStyle/>
+                    <a:p>
+                      <a:endParaRPr lang="zh-CN" altLang="en-US"/>
+                    </a:p>
+                  </a:txBody>
+                  <a:tcPr>
+                    <a:lnL w="12700" cap="flat" cmpd="sng" algn="ctr">
+                      <a:solidFill>
+                        <a:schemeClr val="tx1"/>
+                      </a:solidFill>
+                      <a:prstDash val="solid"/>
+                      <a:round/>
+                      <a:headEnd type="none" w="med" len="med"/>
+                      <a:tailEnd type="none" w="med" len="med"/>
+                    </a:lnL>
+                    <a:lnR w="12700" cap="flat" cmpd="sng" algn="ctr">
+                      <a:solidFill>
+                        <a:schemeClr val="tx1"/>
+                      </a:solidFill>
+                      <a:prstDash val="solid"/>
+                      <a:round/>
+                      <a:headEnd type="none" w="med" len="med"/>
+                      <a:tailEnd type="none" w="med" len="med"/>
+                    </a:lnR>
+                    <a:lnT w="12700" cap="flat" cmpd="sng" algn="ctr">
+                      <a:solidFill>
+                        <a:schemeClr val="tx1"/>
+                      </a:solidFill>
+                      <a:prstDash val="solid"/>
+                      <a:round/>
+                      <a:headEnd type="none" w="med" len="med"/>
+                      <a:tailEnd type="none" w="med" len="med"/>
+                    </a:lnT>
+                    <a:lnB w="12700" cap="flat" cmpd="sng" algn="ctr">
+                      <a:solidFill>
+                        <a:schemeClr val="tx1"/>
+                      </a:solidFill>
+                      <a:prstDash val="solid"/>
+                      <a:round/>
+                      <a:headEnd type="none" w="med" len="med"/>
+                      <a:tailEnd type="none" w="med" len="med"/>
+                    </a:lnB>
+                    <a:solidFill>
+                      <a:schemeClr val="bg1"/>
+                    </a:solidFill>
+                  </a:tcPr>
+                </a:tc>
+                <a:tc>
+                  <a:txBody>
+                    <a:bodyPr/>
+                    <a:lstStyle/>
+                    <a:p>
+                      <a:endParaRPr lang="zh-CN" altLang="en-US"/>
+                    </a:p>
+                  </a:txBody>
+                  <a:tcPr>
+                    <a:lnL w="12700" cap="flat" cmpd="sng" algn="ctr">
+                      <a:solidFill>
+                        <a:schemeClr val="tx1"/>
+                      </a:solidFill>
+                      <a:prstDash val="solid"/>
+                      <a:round/>
+                      <a:headEnd type="none" w="med" len="med"/>
+                      <a:tailEnd type="none" w="med" len="med"/>
+                    </a:lnL>
+                    <a:lnR w="12700" cap="flat" cmpd="sng" algn="ctr">
+                      <a:solidFill>
+                        <a:schemeClr val="tx1"/>
+                      </a:solidFill>
+                      <a:prstDash val="solid"/>
+                      <a:round/>
+                      <a:headEnd type="none" w="med" len="med"/>
+                      <a:tailEnd type="none" w="med" len="med"/>
+                    </a:lnR>
+                    <a:lnT w="12700" cap="flat" cmpd="sng" algn="ctr">
+                      <a:solidFill>
+                        <a:schemeClr val="tx1"/>
+                      </a:solidFill>
+                      <a:prstDash val="solid"/>
+                      <a:round/>
+                      <a:headEnd type="none" w="med" len="med"/>
+                      <a:tailEnd type="none" w="med" len="med"/>
+                    </a:lnT>
+                    <a:lnB w="12700" cap="flat" cmpd="sng" algn="ctr">
+                      <a:solidFill>
+                        <a:schemeClr val="tx1"/>
+                      </a:solidFill>
+                      <a:prstDash val="solid"/>
+                      <a:round/>
+                      <a:headEnd type="none" w="med" len="med"/>
+                      <a:tailEnd type="none" w="med" len="med"/>
+                    </a:lnB>
+                    <a:solidFill>
+                      <a:schemeClr val="bg1"/>
+                    </a:solidFill>
+                  </a:tcPr>
+                </a:tc>
+                <a:tc>
+                  <a:txBody>
+                    <a:bodyPr/>
+                    <a:lstStyle/>
+                    <a:p>
+                      <a:endParaRPr lang="zh-CN" altLang="en-US"/>
+                    </a:p>
+                  </a:txBody>
+                  <a:tcPr>
+                    <a:lnL w="12700" cap="flat" cmpd="sng" algn="ctr">
+                      <a:solidFill>
+                        <a:schemeClr val="tx1"/>
+                      </a:solidFill>
+                      <a:prstDash val="solid"/>
+                      <a:round/>
+                      <a:headEnd type="none" w="med" len="med"/>
+                      <a:tailEnd type="none" w="med" len="med"/>
+                    </a:lnL>
+                    <a:lnR w="12700" cap="flat" cmpd="sng" algn="ctr">
+                      <a:solidFill>
+                        <a:schemeClr val="tx1"/>
+                      </a:solidFill>
+                      <a:prstDash val="solid"/>
+                      <a:round/>
+                      <a:headEnd type="none" w="med" len="med"/>
+                      <a:tailEnd type="none" w="med" len="med"/>
+                    </a:lnR>
+                    <a:lnT w="12700" cap="flat" cmpd="sng" algn="ctr">
+                      <a:solidFill>
+                        <a:schemeClr val="tx1"/>
+                      </a:solidFill>
+                      <a:prstDash val="solid"/>
+                      <a:round/>
+                      <a:headEnd type="none" w="med" len="med"/>
+                      <a:tailEnd type="none" w="med" len="med"/>
+                    </a:lnT>
+                    <a:lnB w="12700" cap="flat" cmpd="sng" algn="ctr">
+                      <a:solidFill>
+                        <a:schemeClr val="tx1"/>
+                      </a:solidFill>
+                      <a:prstDash val="solid"/>
+                      <a:round/>
+                      <a:headEnd type="none" w="med" len="med"/>
+                      <a:tailEnd type="none" w="med" len="med"/>
+                    </a:lnB>
+                    <a:solidFill>
+                      <a:schemeClr val="bg1"/>
+                    </a:solidFill>
+                  </a:tcPr>
+                </a:tc>
+                <a:tc>
+                  <a:txBody>
+                    <a:bodyPr/>
+                    <a:lstStyle/>
+                    <a:p>
+                      <a:endParaRPr lang="zh-CN" altLang="en-US"/>
+                    </a:p>
+                  </a:txBody>
+                  <a:tcPr>
+                    <a:lnL w="12700" cap="flat" cmpd="sng" algn="ctr">
+                      <a:solidFill>
+                        <a:schemeClr val="tx1"/>
+                      </a:solidFill>
+                      <a:prstDash val="solid"/>
+                      <a:round/>
+                      <a:headEnd type="none" w="med" len="med"/>
+                      <a:tailEnd type="none" w="med" len="med"/>
+                    </a:lnL>
+                    <a:lnR w="12700" cap="flat" cmpd="sng" algn="ctr">
+                      <a:solidFill>
+                        <a:schemeClr val="tx1"/>
+                      </a:solidFill>
+                      <a:prstDash val="solid"/>
+                      <a:round/>
+                      <a:headEnd type="none" w="med" len="med"/>
+                      <a:tailEnd type="none" w="med" len="med"/>
+                    </a:lnR>
+                    <a:lnT w="12700" cap="flat" cmpd="sng" algn="ctr">
+                      <a:solidFill>
+                        <a:schemeClr val="tx1"/>
+                      </a:solidFill>
+                      <a:prstDash val="solid"/>
+                      <a:round/>
+                      <a:headEnd type="none" w="med" len="med"/>
+                      <a:tailEnd type="none" w="med" len="med"/>
+                    </a:lnT>
+                    <a:lnB w="12700" cap="flat" cmpd="sng" algn="ctr">
+                      <a:solidFill>
+                        <a:schemeClr val="tx1"/>
+                      </a:solidFill>
+                      <a:prstDash val="solid"/>
+                      <a:round/>
+                      <a:headEnd type="none" w="med" len="med"/>
+                      <a:tailEnd type="none" w="med" len="med"/>
+                    </a:lnB>
+                    <a:solidFill>
+                      <a:schemeClr val="accent6">
+                        <a:lumMod val="60000"/>
+                        <a:lumOff val="40000"/>
+                      </a:schemeClr>
+                    </a:solidFill>
+                  </a:tcPr>
+                </a:tc>
+                <a:tc>
+                  <a:txBody>
+                    <a:bodyPr/>
+                    <a:lstStyle/>
+                    <a:p>
+                      <a:endParaRPr lang="zh-CN" altLang="en-US" dirty="0"/>
+                    </a:p>
+                  </a:txBody>
+                  <a:tcPr>
+                    <a:lnL w="12700" cap="flat" cmpd="sng" algn="ctr">
+                      <a:solidFill>
+                        <a:schemeClr val="tx1"/>
+                      </a:solidFill>
+                      <a:prstDash val="solid"/>
+                      <a:round/>
+                      <a:headEnd type="none" w="med" len="med"/>
+                      <a:tailEnd type="none" w="med" len="med"/>
+                    </a:lnL>
+                    <a:lnR w="12700" cap="flat" cmpd="sng" algn="ctr">
+                      <a:solidFill>
+                        <a:schemeClr val="tx1"/>
+                      </a:solidFill>
+                      <a:prstDash val="solid"/>
+                      <a:round/>
+                      <a:headEnd type="none" w="med" len="med"/>
+                      <a:tailEnd type="none" w="med" len="med"/>
+                    </a:lnR>
+                    <a:lnT w="12700" cap="flat" cmpd="sng" algn="ctr">
+                      <a:solidFill>
+                        <a:schemeClr val="tx1"/>
+                      </a:solidFill>
+                      <a:prstDash val="solid"/>
+                      <a:round/>
+                      <a:headEnd type="none" w="med" len="med"/>
+                      <a:tailEnd type="none" w="med" len="med"/>
+                    </a:lnT>
+                    <a:lnB w="12700" cap="flat" cmpd="sng" algn="ctr">
+                      <a:solidFill>
+                        <a:schemeClr val="tx1"/>
+                      </a:solidFill>
+                      <a:prstDash val="solid"/>
+                      <a:round/>
+                      <a:headEnd type="none" w="med" len="med"/>
+                      <a:tailEnd type="none" w="med" len="med"/>
+                    </a:lnB>
+                    <a:solidFill>
+                      <a:schemeClr val="accent6">
+                        <a:lumMod val="60000"/>
+                        <a:lumOff val="40000"/>
+                      </a:schemeClr>
+                    </a:solidFill>
+                  </a:tcPr>
+                </a:tc>
+                <a:tc>
+                  <a:txBody>
+                    <a:bodyPr/>
+                    <a:lstStyle/>
+                    <a:p>
+                      <a:endParaRPr lang="zh-CN" altLang="en-US"/>
+                    </a:p>
+                  </a:txBody>
+                  <a:tcPr>
+                    <a:lnL w="12700" cap="flat" cmpd="sng" algn="ctr">
+                      <a:solidFill>
+                        <a:schemeClr val="tx1"/>
+                      </a:solidFill>
+                      <a:prstDash val="solid"/>
+                      <a:round/>
+                      <a:headEnd type="none" w="med" len="med"/>
+                      <a:tailEnd type="none" w="med" len="med"/>
+                    </a:lnL>
+                    <a:lnR w="12700" cap="flat" cmpd="sng" algn="ctr">
+                      <a:solidFill>
+                        <a:schemeClr val="tx1"/>
+                      </a:solidFill>
+                      <a:prstDash val="solid"/>
+                      <a:round/>
+                      <a:headEnd type="none" w="med" len="med"/>
+                      <a:tailEnd type="none" w="med" len="med"/>
+                    </a:lnR>
+                    <a:lnT w="12700" cap="flat" cmpd="sng" algn="ctr">
+                      <a:solidFill>
+                        <a:schemeClr val="tx1"/>
+                      </a:solidFill>
+                      <a:prstDash val="solid"/>
+                      <a:round/>
+                      <a:headEnd type="none" w="med" len="med"/>
+                      <a:tailEnd type="none" w="med" len="med"/>
+                    </a:lnT>
+                    <a:lnB w="12700" cap="flat" cmpd="sng" algn="ctr">
+                      <a:solidFill>
+                        <a:schemeClr val="tx1"/>
+                      </a:solidFill>
+                      <a:prstDash val="solid"/>
+                      <a:round/>
+                      <a:headEnd type="none" w="med" len="med"/>
+                      <a:tailEnd type="none" w="med" len="med"/>
+                    </a:lnB>
+                    <a:solidFill>
+                      <a:schemeClr val="bg1"/>
+                    </a:solidFill>
+                  </a:tcPr>
+                </a:tc>
+                <a:tc>
+                  <a:txBody>
+                    <a:bodyPr/>
+                    <a:lstStyle/>
+                    <a:p>
+                      <a:endParaRPr lang="zh-CN" altLang="en-US"/>
+                    </a:p>
+                  </a:txBody>
+                  <a:tcPr>
+                    <a:lnL w="12700" cap="flat" cmpd="sng" algn="ctr">
+                      <a:solidFill>
+                        <a:schemeClr val="tx1"/>
+                      </a:solidFill>
+                      <a:prstDash val="solid"/>
+                      <a:round/>
+                      <a:headEnd type="none" w="med" len="med"/>
+                      <a:tailEnd type="none" w="med" len="med"/>
+                    </a:lnL>
+                    <a:lnR w="12700" cap="flat" cmpd="sng" algn="ctr">
+                      <a:solidFill>
+                        <a:schemeClr val="tx1"/>
+                      </a:solidFill>
+                      <a:prstDash val="solid"/>
+                      <a:round/>
+                      <a:headEnd type="none" w="med" len="med"/>
+                      <a:tailEnd type="none" w="med" len="med"/>
+                    </a:lnR>
+                    <a:lnT w="12700" cap="flat" cmpd="sng" algn="ctr">
+                      <a:solidFill>
+                        <a:schemeClr val="tx1"/>
+                      </a:solidFill>
+                      <a:prstDash val="solid"/>
+                      <a:round/>
+                      <a:headEnd type="none" w="med" len="med"/>
+                      <a:tailEnd type="none" w="med" len="med"/>
+                    </a:lnT>
+                    <a:lnB w="12700" cap="flat" cmpd="sng" algn="ctr">
+                      <a:solidFill>
+                        <a:schemeClr val="tx1"/>
+                      </a:solidFill>
+                      <a:prstDash val="solid"/>
+                      <a:round/>
+                      <a:headEnd type="none" w="med" len="med"/>
+                      <a:tailEnd type="none" w="med" len="med"/>
+                    </a:lnB>
+                    <a:solidFill>
+                      <a:schemeClr val="bg1"/>
+                    </a:solidFill>
+                  </a:tcPr>
+                </a:tc>
+                <a:tc>
+                  <a:txBody>
+                    <a:bodyPr/>
+                    <a:lstStyle/>
+                    <a:p>
+                      <a:endParaRPr lang="zh-CN" altLang="en-US"/>
+                    </a:p>
+                  </a:txBody>
+                  <a:tcPr>
+                    <a:lnL w="12700" cap="flat" cmpd="sng" algn="ctr">
+                      <a:solidFill>
+                        <a:schemeClr val="tx1"/>
+                      </a:solidFill>
+                      <a:prstDash val="solid"/>
+                      <a:round/>
+                      <a:headEnd type="none" w="med" len="med"/>
+                      <a:tailEnd type="none" w="med" len="med"/>
+                    </a:lnL>
+                    <a:lnR w="12700" cap="flat" cmpd="sng" algn="ctr">
+                      <a:solidFill>
+                        <a:schemeClr val="tx1"/>
+                      </a:solidFill>
+                      <a:prstDash val="solid"/>
+                      <a:round/>
+                      <a:headEnd type="none" w="med" len="med"/>
+                      <a:tailEnd type="none" w="med" len="med"/>
+                    </a:lnR>
+                    <a:lnT w="12700" cap="flat" cmpd="sng" algn="ctr">
+                      <a:solidFill>
+                        <a:schemeClr val="tx1"/>
+                      </a:solidFill>
+                      <a:prstDash val="solid"/>
+                      <a:round/>
+                      <a:headEnd type="none" w="med" len="med"/>
+                      <a:tailEnd type="none" w="med" len="med"/>
+                    </a:lnT>
+                    <a:lnB w="12700" cap="flat" cmpd="sng" algn="ctr">
+                      <a:solidFill>
+                        <a:schemeClr val="tx1"/>
+                      </a:solidFill>
+                      <a:prstDash val="solid"/>
+                      <a:round/>
+                      <a:headEnd type="none" w="med" len="med"/>
+                      <a:tailEnd type="none" w="med" len="med"/>
+                    </a:lnB>
+                    <a:solidFill>
+                      <a:schemeClr val="bg1"/>
+                    </a:solidFill>
+                  </a:tcPr>
+                </a:tc>
+              </a:tr>
+              <a:tr h="348221">
+                <a:tc>
+                  <a:txBody>
+                    <a:bodyPr/>
+                    <a:lstStyle/>
+                    <a:p>
+                      <a:endParaRPr lang="zh-CN" altLang="en-US"/>
+                    </a:p>
+                  </a:txBody>
+                  <a:tcPr>
+                    <a:lnL w="12700" cap="flat" cmpd="sng" algn="ctr">
+                      <a:solidFill>
+                        <a:schemeClr val="tx1"/>
+                      </a:solidFill>
+                      <a:prstDash val="solid"/>
+                      <a:round/>
+                      <a:headEnd type="none" w="med" len="med"/>
+                      <a:tailEnd type="none" w="med" len="med"/>
+                    </a:lnL>
+                    <a:lnR w="12700" cap="flat" cmpd="sng" algn="ctr">
+                      <a:solidFill>
+                        <a:schemeClr val="tx1"/>
+                      </a:solidFill>
+                      <a:prstDash val="solid"/>
+                      <a:round/>
+                      <a:headEnd type="none" w="med" len="med"/>
+                      <a:tailEnd type="none" w="med" len="med"/>
+                    </a:lnR>
+                    <a:lnT w="12700" cap="flat" cmpd="sng" algn="ctr">
+                      <a:solidFill>
+                        <a:schemeClr val="tx1"/>
+                      </a:solidFill>
+                      <a:prstDash val="solid"/>
+                      <a:round/>
+                      <a:headEnd type="none" w="med" len="med"/>
+                      <a:tailEnd type="none" w="med" len="med"/>
+                    </a:lnT>
+                    <a:lnB w="12700" cap="flat" cmpd="sng" algn="ctr">
+                      <a:solidFill>
+                        <a:schemeClr val="tx1"/>
+                      </a:solidFill>
+                      <a:prstDash val="solid"/>
+                      <a:round/>
+                      <a:headEnd type="none" w="med" len="med"/>
+                      <a:tailEnd type="none" w="med" len="med"/>
+                    </a:lnB>
+                    <a:solidFill>
+                      <a:schemeClr val="bg1"/>
+                    </a:solidFill>
+                  </a:tcPr>
+                </a:tc>
+                <a:tc>
+                  <a:txBody>
+                    <a:bodyPr/>
+                    <a:lstStyle/>
+                    <a:p>
+                      <a:endParaRPr lang="zh-CN" altLang="en-US"/>
+                    </a:p>
+                  </a:txBody>
+                  <a:tcPr>
+                    <a:lnL w="12700" cap="flat" cmpd="sng" algn="ctr">
+                      <a:solidFill>
+                        <a:schemeClr val="tx1"/>
+                      </a:solidFill>
+                      <a:prstDash val="solid"/>
+                      <a:round/>
+                      <a:headEnd type="none" w="med" len="med"/>
+                      <a:tailEnd type="none" w="med" len="med"/>
+                    </a:lnL>
+                    <a:lnR w="12700" cap="flat" cmpd="sng" algn="ctr">
+                      <a:solidFill>
+                        <a:schemeClr val="tx1"/>
+                      </a:solidFill>
+                      <a:prstDash val="solid"/>
+                      <a:round/>
+                      <a:headEnd type="none" w="med" len="med"/>
+                      <a:tailEnd type="none" w="med" len="med"/>
+                    </a:lnR>
+                    <a:lnT w="12700" cap="flat" cmpd="sng" algn="ctr">
+                      <a:solidFill>
+                        <a:schemeClr val="tx1"/>
+                      </a:solidFill>
+                      <a:prstDash val="solid"/>
+                      <a:round/>
+                      <a:headEnd type="none" w="med" len="med"/>
+                      <a:tailEnd type="none" w="med" len="med"/>
+                    </a:lnT>
+                    <a:lnB w="12700" cap="flat" cmpd="sng" algn="ctr">
+                      <a:solidFill>
+                        <a:schemeClr val="tx1"/>
+                      </a:solidFill>
+                      <a:prstDash val="solid"/>
+                      <a:round/>
+                      <a:headEnd type="none" w="med" len="med"/>
+                      <a:tailEnd type="none" w="med" len="med"/>
+                    </a:lnB>
+                    <a:solidFill>
+                      <a:schemeClr val="bg1"/>
+                    </a:solidFill>
+                  </a:tcPr>
+                </a:tc>
+                <a:tc>
+                  <a:txBody>
+                    <a:bodyPr/>
+                    <a:lstStyle/>
+                    <a:p>
+                      <a:endParaRPr lang="zh-CN" altLang="en-US"/>
+                    </a:p>
+                  </a:txBody>
+                  <a:tcPr>
+                    <a:lnL w="12700" cap="flat" cmpd="sng" algn="ctr">
+                      <a:solidFill>
+                        <a:schemeClr val="tx1"/>
+                      </a:solidFill>
+                      <a:prstDash val="solid"/>
+                      <a:round/>
+                      <a:headEnd type="none" w="med" len="med"/>
+                      <a:tailEnd type="none" w="med" len="med"/>
+                    </a:lnL>
+                    <a:lnR w="12700" cap="flat" cmpd="sng" algn="ctr">
+                      <a:solidFill>
+                        <a:schemeClr val="tx1"/>
+                      </a:solidFill>
+                      <a:prstDash val="solid"/>
+                      <a:round/>
+                      <a:headEnd type="none" w="med" len="med"/>
+                      <a:tailEnd type="none" w="med" len="med"/>
+                    </a:lnR>
+                    <a:lnT w="12700" cap="flat" cmpd="sng" algn="ctr">
+                      <a:solidFill>
+                        <a:schemeClr val="tx1"/>
+                      </a:solidFill>
+                      <a:prstDash val="solid"/>
+                      <a:round/>
+                      <a:headEnd type="none" w="med" len="med"/>
+                      <a:tailEnd type="none" w="med" len="med"/>
+                    </a:lnT>
+                    <a:lnB w="12700" cap="flat" cmpd="sng" algn="ctr">
+                      <a:solidFill>
+                        <a:schemeClr val="tx1"/>
+                      </a:solidFill>
+                      <a:prstDash val="solid"/>
+                      <a:round/>
+                      <a:headEnd type="none" w="med" len="med"/>
+                      <a:tailEnd type="none" w="med" len="med"/>
+                    </a:lnB>
+                    <a:solidFill>
+                      <a:schemeClr val="bg1"/>
+                    </a:solidFill>
+                  </a:tcPr>
+                </a:tc>
+                <a:tc>
+                  <a:txBody>
+                    <a:bodyPr/>
+                    <a:lstStyle/>
+                    <a:p>
+                      <a:endParaRPr lang="zh-CN" altLang="en-US" dirty="0"/>
+                    </a:p>
+                  </a:txBody>
+                  <a:tcPr>
+                    <a:lnL w="12700" cap="flat" cmpd="sng" algn="ctr">
+                      <a:solidFill>
+                        <a:schemeClr val="tx1"/>
+                      </a:solidFill>
+                      <a:prstDash val="solid"/>
+                      <a:round/>
+                      <a:headEnd type="none" w="med" len="med"/>
+                      <a:tailEnd type="none" w="med" len="med"/>
+                    </a:lnL>
+                    <a:lnR w="12700" cap="flat" cmpd="sng" algn="ctr">
+                      <a:solidFill>
+                        <a:schemeClr val="tx1"/>
+                      </a:solidFill>
+                      <a:prstDash val="solid"/>
+                      <a:round/>
+                      <a:headEnd type="none" w="med" len="med"/>
+                      <a:tailEnd type="none" w="med" len="med"/>
+                    </a:lnR>
+                    <a:lnT w="12700" cap="flat" cmpd="sng" algn="ctr">
+                      <a:solidFill>
+                        <a:schemeClr val="tx1"/>
+                      </a:solidFill>
+                      <a:prstDash val="solid"/>
+                      <a:round/>
+                      <a:headEnd type="none" w="med" len="med"/>
+                      <a:tailEnd type="none" w="med" len="med"/>
+                    </a:lnT>
+                    <a:lnB w="12700" cap="flat" cmpd="sng" algn="ctr">
+                      <a:solidFill>
+                        <a:schemeClr val="tx1"/>
+                      </a:solidFill>
+                      <a:prstDash val="solid"/>
+                      <a:round/>
+                      <a:headEnd type="none" w="med" len="med"/>
+                      <a:tailEnd type="none" w="med" len="med"/>
+                    </a:lnB>
+                    <a:solidFill>
+                      <a:schemeClr val="bg1"/>
+                    </a:solidFill>
+                  </a:tcPr>
+                </a:tc>
+                <a:tc>
+                  <a:txBody>
+                    <a:bodyPr/>
+                    <a:lstStyle/>
+                    <a:p>
+                      <a:endParaRPr lang="zh-CN" altLang="en-US" dirty="0"/>
+                    </a:p>
+                  </a:txBody>
+                  <a:tcPr>
+                    <a:lnL w="12700" cap="flat" cmpd="sng" algn="ctr">
+                      <a:solidFill>
+                        <a:schemeClr val="tx1"/>
+                      </a:solidFill>
+                      <a:prstDash val="solid"/>
+                      <a:round/>
+                      <a:headEnd type="none" w="med" len="med"/>
+                      <a:tailEnd type="none" w="med" len="med"/>
+                    </a:lnL>
+                    <a:lnR w="12700" cap="flat" cmpd="sng" algn="ctr">
+                      <a:solidFill>
+                        <a:schemeClr val="tx1"/>
+                      </a:solidFill>
+                      <a:prstDash val="solid"/>
+                      <a:round/>
+                      <a:headEnd type="none" w="med" len="med"/>
+                      <a:tailEnd type="none" w="med" len="med"/>
+                    </a:lnR>
+                    <a:lnT w="12700" cap="flat" cmpd="sng" algn="ctr">
+                      <a:solidFill>
+                        <a:schemeClr val="tx1"/>
+                      </a:solidFill>
+                      <a:prstDash val="solid"/>
+                      <a:round/>
+                      <a:headEnd type="none" w="med" len="med"/>
+                      <a:tailEnd type="none" w="med" len="med"/>
+                    </a:lnT>
+                    <a:lnB w="12700" cap="flat" cmpd="sng" algn="ctr">
+                      <a:solidFill>
+                        <a:schemeClr val="tx1"/>
+                      </a:solidFill>
+                      <a:prstDash val="solid"/>
+                      <a:round/>
+                      <a:headEnd type="none" w="med" len="med"/>
+                      <a:tailEnd type="none" w="med" len="med"/>
+                    </a:lnB>
+                    <a:solidFill>
+                      <a:schemeClr val="bg1"/>
+                    </a:solidFill>
+                  </a:tcPr>
+                </a:tc>
+                <a:tc>
+                  <a:txBody>
+                    <a:bodyPr/>
+                    <a:lstStyle/>
+                    <a:p>
+                      <a:endParaRPr lang="zh-CN" altLang="en-US" dirty="0"/>
+                    </a:p>
+                  </a:txBody>
+                  <a:tcPr>
+                    <a:lnL w="12700" cap="flat" cmpd="sng" algn="ctr">
+                      <a:solidFill>
+                        <a:schemeClr val="tx1"/>
+                      </a:solidFill>
+                      <a:prstDash val="solid"/>
+                      <a:round/>
+                      <a:headEnd type="none" w="med" len="med"/>
+                      <a:tailEnd type="none" w="med" len="med"/>
+                    </a:lnL>
+                    <a:lnR w="12700" cap="flat" cmpd="sng" algn="ctr">
+                      <a:solidFill>
+                        <a:schemeClr val="tx1"/>
+                      </a:solidFill>
+                      <a:prstDash val="solid"/>
+                      <a:round/>
+                      <a:headEnd type="none" w="med" len="med"/>
+                      <a:tailEnd type="none" w="med" len="med"/>
+                    </a:lnR>
+                    <a:lnT w="12700" cap="flat" cmpd="sng" algn="ctr">
+                      <a:solidFill>
+                        <a:schemeClr val="tx1"/>
+                      </a:solidFill>
+                      <a:prstDash val="solid"/>
+                      <a:round/>
+                      <a:headEnd type="none" w="med" len="med"/>
+                      <a:tailEnd type="none" w="med" len="med"/>
+                    </a:lnT>
+                    <a:lnB w="12700" cap="flat" cmpd="sng" algn="ctr">
+                      <a:solidFill>
+                        <a:schemeClr val="tx1"/>
+                      </a:solidFill>
+                      <a:prstDash val="solid"/>
+                      <a:round/>
+                      <a:headEnd type="none" w="med" len="med"/>
+                      <a:tailEnd type="none" w="med" len="med"/>
+                    </a:lnB>
+                    <a:solidFill>
+                      <a:schemeClr val="bg1"/>
+                    </a:solidFill>
+                  </a:tcPr>
+                </a:tc>
+                <a:tc>
+                  <a:txBody>
+                    <a:bodyPr/>
+                    <a:lstStyle/>
+                    <a:p>
+                      <a:endParaRPr lang="zh-CN" altLang="en-US" dirty="0"/>
+                    </a:p>
+                  </a:txBody>
+                  <a:tcPr>
+                    <a:lnL w="12700" cap="flat" cmpd="sng" algn="ctr">
+                      <a:solidFill>
+                        <a:schemeClr val="tx1"/>
+                      </a:solidFill>
+                      <a:prstDash val="solid"/>
+                      <a:round/>
+                      <a:headEnd type="none" w="med" len="med"/>
+                      <a:tailEnd type="none" w="med" len="med"/>
+                    </a:lnL>
+                    <a:lnR w="12700" cap="flat" cmpd="sng" algn="ctr">
+                      <a:solidFill>
+                        <a:schemeClr val="tx1"/>
+                      </a:solidFill>
+                      <a:prstDash val="solid"/>
+                      <a:round/>
+                      <a:headEnd type="none" w="med" len="med"/>
+                      <a:tailEnd type="none" w="med" len="med"/>
+                    </a:lnR>
+                    <a:lnT w="12700" cap="flat" cmpd="sng" algn="ctr">
+                      <a:solidFill>
+                        <a:schemeClr val="tx1"/>
+                      </a:solidFill>
+                      <a:prstDash val="solid"/>
+                      <a:round/>
+                      <a:headEnd type="none" w="med" len="med"/>
+                      <a:tailEnd type="none" w="med" len="med"/>
+                    </a:lnT>
+                    <a:lnB w="12700" cap="flat" cmpd="sng" algn="ctr">
+                      <a:solidFill>
+                        <a:schemeClr val="tx1"/>
+                      </a:solidFill>
+                      <a:prstDash val="solid"/>
+                      <a:round/>
+                      <a:headEnd type="none" w="med" len="med"/>
+                      <a:tailEnd type="none" w="med" len="med"/>
+                    </a:lnB>
+                    <a:solidFill>
+                      <a:schemeClr val="bg1"/>
+                    </a:solidFill>
+                  </a:tcPr>
+                </a:tc>
+                <a:tc>
+                  <a:txBody>
+                    <a:bodyPr/>
+                    <a:lstStyle/>
+                    <a:p>
+                      <a:endParaRPr lang="zh-CN" altLang="en-US" dirty="0"/>
+                    </a:p>
+                  </a:txBody>
+                  <a:tcPr>
+                    <a:lnL w="12700" cap="flat" cmpd="sng" algn="ctr">
+                      <a:solidFill>
+                        <a:schemeClr val="tx1"/>
+                      </a:solidFill>
+                      <a:prstDash val="solid"/>
+                      <a:round/>
+                      <a:headEnd type="none" w="med" len="med"/>
+                      <a:tailEnd type="none" w="med" len="med"/>
+                    </a:lnL>
+                    <a:lnR w="12700" cap="flat" cmpd="sng" algn="ctr">
+                      <a:solidFill>
+                        <a:schemeClr val="tx1"/>
+                      </a:solidFill>
+                      <a:prstDash val="solid"/>
+                      <a:round/>
+                      <a:headEnd type="none" w="med" len="med"/>
+                      <a:tailEnd type="none" w="med" len="med"/>
+                    </a:lnR>
+                    <a:lnT w="12700" cap="flat" cmpd="sng" algn="ctr">
+                      <a:solidFill>
+                        <a:schemeClr val="tx1"/>
+                      </a:solidFill>
+                      <a:prstDash val="solid"/>
+                      <a:round/>
+                      <a:headEnd type="none" w="med" len="med"/>
+                      <a:tailEnd type="none" w="med" len="med"/>
+                    </a:lnT>
+                    <a:lnB w="12700" cap="flat" cmpd="sng" algn="ctr">
+                      <a:solidFill>
+                        <a:schemeClr val="tx1"/>
+                      </a:solidFill>
+                      <a:prstDash val="solid"/>
+                      <a:round/>
+                      <a:headEnd type="none" w="med" len="med"/>
+                      <a:tailEnd type="none" w="med" len="med"/>
+                    </a:lnB>
+                    <a:solidFill>
+                      <a:schemeClr val="bg1"/>
+                    </a:solidFill>
+                  </a:tcPr>
+                </a:tc>
+              </a:tr>
+              <a:tr h="348221">
+                <a:tc>
+                  <a:txBody>
+                    <a:bodyPr/>
+                    <a:lstStyle/>
+                    <a:p>
+                      <a:endParaRPr lang="zh-CN" altLang="en-US"/>
+                    </a:p>
+                  </a:txBody>
+                  <a:tcPr>
+                    <a:lnL w="12700" cap="flat" cmpd="sng" algn="ctr">
+                      <a:solidFill>
+                        <a:schemeClr val="tx1"/>
+                      </a:solidFill>
+                      <a:prstDash val="solid"/>
+                      <a:round/>
+                      <a:headEnd type="none" w="med" len="med"/>
+                      <a:tailEnd type="none" w="med" len="med"/>
+                    </a:lnL>
+                    <a:lnR w="12700" cap="flat" cmpd="sng" algn="ctr">
+                      <a:solidFill>
+                        <a:schemeClr val="tx1"/>
+                      </a:solidFill>
+                      <a:prstDash val="solid"/>
+                      <a:round/>
+                      <a:headEnd type="none" w="med" len="med"/>
+                      <a:tailEnd type="none" w="med" len="med"/>
+                    </a:lnR>
+                    <a:lnT w="12700" cap="flat" cmpd="sng" algn="ctr">
+                      <a:solidFill>
+                        <a:schemeClr val="tx1"/>
+                      </a:solidFill>
+                      <a:prstDash val="solid"/>
+                      <a:round/>
+                      <a:headEnd type="none" w="med" len="med"/>
+                      <a:tailEnd type="none" w="med" len="med"/>
+                    </a:lnT>
+                    <a:lnB w="12700" cap="flat" cmpd="sng" algn="ctr">
+                      <a:solidFill>
+                        <a:schemeClr val="tx1"/>
+                      </a:solidFill>
+                      <a:prstDash val="solid"/>
+                      <a:round/>
+                      <a:headEnd type="none" w="med" len="med"/>
+                      <a:tailEnd type="none" w="med" len="med"/>
+                    </a:lnB>
+                    <a:solidFill>
+                      <a:schemeClr val="bg1"/>
+                    </a:solidFill>
+                  </a:tcPr>
+                </a:tc>
+                <a:tc>
+                  <a:txBody>
+                    <a:bodyPr/>
+                    <a:lstStyle/>
+                    <a:p>
+                      <a:endParaRPr lang="zh-CN" altLang="en-US"/>
+                    </a:p>
+                  </a:txBody>
+                  <a:tcPr>
+                    <a:lnL w="12700" cap="flat" cmpd="sng" algn="ctr">
+                      <a:solidFill>
+                        <a:schemeClr val="tx1"/>
+                      </a:solidFill>
+                      <a:prstDash val="solid"/>
+                      <a:round/>
+                      <a:headEnd type="none" w="med" len="med"/>
+                      <a:tailEnd type="none" w="med" len="med"/>
+                    </a:lnL>
+                    <a:lnR w="12700" cap="flat" cmpd="sng" algn="ctr">
+                      <a:solidFill>
+                        <a:schemeClr val="tx1"/>
+                      </a:solidFill>
+                      <a:prstDash val="solid"/>
+                      <a:round/>
+                      <a:headEnd type="none" w="med" len="med"/>
+                      <a:tailEnd type="none" w="med" len="med"/>
+                    </a:lnR>
+                    <a:lnT w="12700" cap="flat" cmpd="sng" algn="ctr">
+                      <a:solidFill>
+                        <a:schemeClr val="tx1"/>
+                      </a:solidFill>
+                      <a:prstDash val="solid"/>
+                      <a:round/>
+                      <a:headEnd type="none" w="med" len="med"/>
+                      <a:tailEnd type="none" w="med" len="med"/>
+                    </a:lnT>
+                    <a:lnB w="12700" cap="flat" cmpd="sng" algn="ctr">
+                      <a:solidFill>
+                        <a:schemeClr val="tx1"/>
+                      </a:solidFill>
+                      <a:prstDash val="solid"/>
+                      <a:round/>
+                      <a:headEnd type="none" w="med" len="med"/>
+                      <a:tailEnd type="none" w="med" len="med"/>
+                    </a:lnB>
+                    <a:solidFill>
+                      <a:schemeClr val="bg1"/>
+                    </a:solidFill>
+                  </a:tcPr>
+                </a:tc>
+                <a:tc>
+                  <a:txBody>
+                    <a:bodyPr/>
+                    <a:lstStyle/>
+                    <a:p>
+                      <a:endParaRPr lang="zh-CN" altLang="en-US"/>
+                    </a:p>
+                  </a:txBody>
+                  <a:tcPr>
+                    <a:lnL w="12700" cap="flat" cmpd="sng" algn="ctr">
+                      <a:solidFill>
+                        <a:schemeClr val="tx1"/>
+                      </a:solidFill>
+                      <a:prstDash val="solid"/>
+                      <a:round/>
+                      <a:headEnd type="none" w="med" len="med"/>
+                      <a:tailEnd type="none" w="med" len="med"/>
+                    </a:lnL>
+                    <a:lnR w="12700" cap="flat" cmpd="sng" algn="ctr">
+                      <a:solidFill>
+                        <a:schemeClr val="tx1"/>
+                      </a:solidFill>
+                      <a:prstDash val="solid"/>
+                      <a:round/>
+                      <a:headEnd type="none" w="med" len="med"/>
+                      <a:tailEnd type="none" w="med" len="med"/>
+                    </a:lnR>
+                    <a:lnT w="12700" cap="flat" cmpd="sng" algn="ctr">
+                      <a:solidFill>
+                        <a:schemeClr val="tx1"/>
+                      </a:solidFill>
+                      <a:prstDash val="solid"/>
+                      <a:round/>
+                      <a:headEnd type="none" w="med" len="med"/>
+                      <a:tailEnd type="none" w="med" len="med"/>
+                    </a:lnT>
+                    <a:lnB w="12700" cap="flat" cmpd="sng" algn="ctr">
+                      <a:solidFill>
+                        <a:schemeClr val="tx1"/>
+                      </a:solidFill>
+                      <a:prstDash val="solid"/>
+                      <a:round/>
+                      <a:headEnd type="none" w="med" len="med"/>
+                      <a:tailEnd type="none" w="med" len="med"/>
+                    </a:lnB>
+                    <a:solidFill>
+                      <a:schemeClr val="bg1"/>
+                    </a:solidFill>
+                  </a:tcPr>
+                </a:tc>
+                <a:tc>
+                  <a:txBody>
+                    <a:bodyPr/>
+                    <a:lstStyle/>
+                    <a:p>
+                      <a:endParaRPr lang="zh-CN" altLang="en-US" dirty="0"/>
+                    </a:p>
+                  </a:txBody>
+                  <a:tcPr>
+                    <a:lnL w="12700" cap="flat" cmpd="sng" algn="ctr">
+                      <a:solidFill>
+                        <a:schemeClr val="tx1"/>
+                      </a:solidFill>
+                      <a:prstDash val="solid"/>
+                      <a:round/>
+                      <a:headEnd type="none" w="med" len="med"/>
+                      <a:tailEnd type="none" w="med" len="med"/>
+                    </a:lnL>
+                    <a:lnR w="12700" cap="flat" cmpd="sng" algn="ctr">
+                      <a:solidFill>
+                        <a:schemeClr val="tx1"/>
+                      </a:solidFill>
+                      <a:prstDash val="solid"/>
+                      <a:round/>
+                      <a:headEnd type="none" w="med" len="med"/>
+                      <a:tailEnd type="none" w="med" len="med"/>
+                    </a:lnR>
+                    <a:lnT w="12700" cap="flat" cmpd="sng" algn="ctr">
+                      <a:solidFill>
+                        <a:schemeClr val="tx1"/>
+                      </a:solidFill>
+                      <a:prstDash val="solid"/>
+                      <a:round/>
+                      <a:headEnd type="none" w="med" len="med"/>
+                      <a:tailEnd type="none" w="med" len="med"/>
+                    </a:lnT>
+                    <a:lnB w="12700" cap="flat" cmpd="sng" algn="ctr">
+                      <a:solidFill>
+                        <a:schemeClr val="tx1"/>
+                      </a:solidFill>
+                      <a:prstDash val="solid"/>
+                      <a:round/>
+                      <a:headEnd type="none" w="med" len="med"/>
+                      <a:tailEnd type="none" w="med" len="med"/>
+                    </a:lnB>
+                    <a:solidFill>
+                      <a:schemeClr val="bg1"/>
+                    </a:solidFill>
+                  </a:tcPr>
+                </a:tc>
+                <a:tc>
+                  <a:txBody>
+                    <a:bodyPr/>
+                    <a:lstStyle/>
+                    <a:p>
+                      <a:endParaRPr lang="zh-CN" altLang="en-US" dirty="0"/>
+                    </a:p>
+                  </a:txBody>
+                  <a:tcPr>
+                    <a:lnL w="12700" cap="flat" cmpd="sng" algn="ctr">
+                      <a:solidFill>
+                        <a:schemeClr val="tx1"/>
+                      </a:solidFill>
+                      <a:prstDash val="solid"/>
+                      <a:round/>
+                      <a:headEnd type="none" w="med" len="med"/>
+                      <a:tailEnd type="none" w="med" len="med"/>
+                    </a:lnL>
+                    <a:lnR w="12700" cap="flat" cmpd="sng" algn="ctr">
+                      <a:solidFill>
+                        <a:schemeClr val="tx1"/>
+                      </a:solidFill>
+                      <a:prstDash val="solid"/>
+                      <a:round/>
+                      <a:headEnd type="none" w="med" len="med"/>
+                      <a:tailEnd type="none" w="med" len="med"/>
+                    </a:lnR>
+                    <a:lnT w="12700" cap="flat" cmpd="sng" algn="ctr">
+                      <a:solidFill>
+                        <a:schemeClr val="tx1"/>
+                      </a:solidFill>
+                      <a:prstDash val="solid"/>
+                      <a:round/>
+                      <a:headEnd type="none" w="med" len="med"/>
+                      <a:tailEnd type="none" w="med" len="med"/>
+                    </a:lnT>
+                    <a:lnB w="12700" cap="flat" cmpd="sng" algn="ctr">
+                      <a:solidFill>
+                        <a:schemeClr val="tx1"/>
+                      </a:solidFill>
+                      <a:prstDash val="solid"/>
+                      <a:round/>
+                      <a:headEnd type="none" w="med" len="med"/>
+                      <a:tailEnd type="none" w="med" len="med"/>
+                    </a:lnB>
+                    <a:solidFill>
+                      <a:schemeClr val="bg1"/>
+                    </a:solidFill>
+                  </a:tcPr>
+                </a:tc>
+                <a:tc>
+                  <a:txBody>
+                    <a:bodyPr/>
+                    <a:lstStyle/>
+                    <a:p>
+                      <a:endParaRPr lang="zh-CN" altLang="en-US" dirty="0"/>
+                    </a:p>
+                  </a:txBody>
+                  <a:tcPr>
+                    <a:lnL w="12700" cap="flat" cmpd="sng" algn="ctr">
+                      <a:solidFill>
+                        <a:schemeClr val="tx1"/>
+                      </a:solidFill>
+                      <a:prstDash val="solid"/>
+                      <a:round/>
+                      <a:headEnd type="none" w="med" len="med"/>
+                      <a:tailEnd type="none" w="med" len="med"/>
+                    </a:lnL>
+                    <a:lnR w="12700" cap="flat" cmpd="sng" algn="ctr">
+                      <a:solidFill>
+                        <a:schemeClr val="tx1"/>
+                      </a:solidFill>
+                      <a:prstDash val="solid"/>
+                      <a:round/>
+                      <a:headEnd type="none" w="med" len="med"/>
+                      <a:tailEnd type="none" w="med" len="med"/>
+                    </a:lnR>
+                    <a:lnT w="12700" cap="flat" cmpd="sng" algn="ctr">
+                      <a:solidFill>
+                        <a:schemeClr val="tx1"/>
+                      </a:solidFill>
+                      <a:prstDash val="solid"/>
+                      <a:round/>
+                      <a:headEnd type="none" w="med" len="med"/>
+                      <a:tailEnd type="none" w="med" len="med"/>
+                    </a:lnT>
+                    <a:lnB w="12700" cap="flat" cmpd="sng" algn="ctr">
+                      <a:solidFill>
+                        <a:schemeClr val="tx1"/>
+                      </a:solidFill>
+                      <a:prstDash val="solid"/>
+                      <a:round/>
+                      <a:headEnd type="none" w="med" len="med"/>
+                      <a:tailEnd type="none" w="med" len="med"/>
+                    </a:lnB>
+                    <a:solidFill>
+                      <a:schemeClr val="bg1"/>
+                    </a:solidFill>
+                  </a:tcPr>
+                </a:tc>
+                <a:tc>
+                  <a:txBody>
+                    <a:bodyPr/>
+                    <a:lstStyle/>
+                    <a:p>
+                      <a:endParaRPr lang="zh-CN" altLang="en-US" dirty="0"/>
+                    </a:p>
+                  </a:txBody>
+                  <a:tcPr>
+                    <a:lnL w="12700" cap="flat" cmpd="sng" algn="ctr">
+                      <a:solidFill>
+                        <a:schemeClr val="tx1"/>
+                      </a:solidFill>
+                      <a:prstDash val="solid"/>
+                      <a:round/>
+                      <a:headEnd type="none" w="med" len="med"/>
+                      <a:tailEnd type="none" w="med" len="med"/>
+                    </a:lnL>
+                    <a:lnR w="12700" cap="flat" cmpd="sng" algn="ctr">
+                      <a:solidFill>
+                        <a:schemeClr val="tx1"/>
+                      </a:solidFill>
+                      <a:prstDash val="solid"/>
+                      <a:round/>
+                      <a:headEnd type="none" w="med" len="med"/>
+                      <a:tailEnd type="none" w="med" len="med"/>
+                    </a:lnR>
+                    <a:lnT w="12700" cap="flat" cmpd="sng" algn="ctr">
+                      <a:solidFill>
+                        <a:schemeClr val="tx1"/>
+                      </a:solidFill>
+                      <a:prstDash val="solid"/>
+                      <a:round/>
+                      <a:headEnd type="none" w="med" len="med"/>
+                      <a:tailEnd type="none" w="med" len="med"/>
+                    </a:lnT>
+                    <a:lnB w="12700" cap="flat" cmpd="sng" algn="ctr">
+                      <a:solidFill>
+                        <a:schemeClr val="tx1"/>
+                      </a:solidFill>
+                      <a:prstDash val="solid"/>
+                      <a:round/>
+                      <a:headEnd type="none" w="med" len="med"/>
+                      <a:tailEnd type="none" w="med" len="med"/>
+                    </a:lnB>
+                    <a:solidFill>
+                      <a:schemeClr val="bg1"/>
+                    </a:solidFill>
+                  </a:tcPr>
+                </a:tc>
+                <a:tc>
+                  <a:txBody>
+                    <a:bodyPr/>
+                    <a:lstStyle/>
+                    <a:p>
+                      <a:endParaRPr lang="zh-CN" altLang="en-US" dirty="0"/>
+                    </a:p>
+                  </a:txBody>
+                  <a:tcPr>
+                    <a:lnL w="12700" cap="flat" cmpd="sng" algn="ctr">
+                      <a:solidFill>
+                        <a:schemeClr val="tx1"/>
+                      </a:solidFill>
+                      <a:prstDash val="solid"/>
+                      <a:round/>
+                      <a:headEnd type="none" w="med" len="med"/>
+                      <a:tailEnd type="none" w="med" len="med"/>
+                    </a:lnL>
+                    <a:lnR w="12700" cap="flat" cmpd="sng" algn="ctr">
+                      <a:solidFill>
+                        <a:schemeClr val="tx1"/>
+                      </a:solidFill>
+                      <a:prstDash val="solid"/>
+                      <a:round/>
+                      <a:headEnd type="none" w="med" len="med"/>
+                      <a:tailEnd type="none" w="med" len="med"/>
+                    </a:lnR>
+                    <a:lnT w="12700" cap="flat" cmpd="sng" algn="ctr">
+                      <a:solidFill>
+                        <a:schemeClr val="tx1"/>
+                      </a:solidFill>
+                      <a:prstDash val="solid"/>
+                      <a:round/>
+                      <a:headEnd type="none" w="med" len="med"/>
+                      <a:tailEnd type="none" w="med" len="med"/>
+                    </a:lnT>
+                    <a:lnB w="12700" cap="flat" cmpd="sng" algn="ctr">
+                      <a:solidFill>
+                        <a:schemeClr val="tx1"/>
+                      </a:solidFill>
+                      <a:prstDash val="solid"/>
+                      <a:round/>
+                      <a:headEnd type="none" w="med" len="med"/>
+                      <a:tailEnd type="none" w="med" len="med"/>
+                    </a:lnB>
+                    <a:solidFill>
+                      <a:schemeClr val="bg1"/>
+                    </a:solidFill>
+                  </a:tcPr>
+                </a:tc>
+              </a:tr>
+              <a:tr h="348221">
+                <a:tc>
+                  <a:txBody>
+                    <a:bodyPr/>
+                    <a:lstStyle/>
+                    <a:p>
+                      <a:endParaRPr lang="zh-CN" altLang="en-US"/>
+                    </a:p>
+                  </a:txBody>
+                  <a:tcPr>
+                    <a:lnL w="12700" cap="flat" cmpd="sng" algn="ctr">
+                      <a:solidFill>
+                        <a:schemeClr val="tx1"/>
+                      </a:solidFill>
+                      <a:prstDash val="solid"/>
+                      <a:round/>
+                      <a:headEnd type="none" w="med" len="med"/>
+                      <a:tailEnd type="none" w="med" len="med"/>
+                    </a:lnL>
+                    <a:lnR w="12700" cap="flat" cmpd="sng" algn="ctr">
+                      <a:solidFill>
+                        <a:schemeClr val="tx1"/>
+                      </a:solidFill>
+                      <a:prstDash val="solid"/>
+                      <a:round/>
+                      <a:headEnd type="none" w="med" len="med"/>
+                      <a:tailEnd type="none" w="med" len="med"/>
+                    </a:lnR>
+                    <a:lnT w="12700" cap="flat" cmpd="sng" algn="ctr">
+                      <a:solidFill>
+                        <a:schemeClr val="tx1"/>
+                      </a:solidFill>
+                      <a:prstDash val="solid"/>
+                      <a:round/>
+                      <a:headEnd type="none" w="med" len="med"/>
+                      <a:tailEnd type="none" w="med" len="med"/>
+                    </a:lnT>
+                    <a:lnB w="12700" cap="flat" cmpd="sng" algn="ctr">
+                      <a:solidFill>
+                        <a:schemeClr val="tx1"/>
+                      </a:solidFill>
+                      <a:prstDash val="solid"/>
+                      <a:round/>
+                      <a:headEnd type="none" w="med" len="med"/>
+                      <a:tailEnd type="none" w="med" len="med"/>
+                    </a:lnB>
+                    <a:solidFill>
+                      <a:schemeClr val="bg1"/>
+                    </a:solidFill>
+                  </a:tcPr>
+                </a:tc>
+                <a:tc>
+                  <a:txBody>
+                    <a:bodyPr/>
+                    <a:lstStyle/>
+                    <a:p>
+                      <a:endParaRPr lang="zh-CN" altLang="en-US"/>
+                    </a:p>
+                  </a:txBody>
+                  <a:tcPr>
+                    <a:lnL w="12700" cap="flat" cmpd="sng" algn="ctr">
+                      <a:solidFill>
+                        <a:schemeClr val="tx1"/>
+                      </a:solidFill>
+                      <a:prstDash val="solid"/>
+                      <a:round/>
+                      <a:headEnd type="none" w="med" len="med"/>
+                      <a:tailEnd type="none" w="med" len="med"/>
+                    </a:lnL>
+                    <a:lnR w="12700" cap="flat" cmpd="sng" algn="ctr">
+                      <a:solidFill>
+                        <a:schemeClr val="tx1"/>
+                      </a:solidFill>
+                      <a:prstDash val="solid"/>
+                      <a:round/>
+                      <a:headEnd type="none" w="med" len="med"/>
+                      <a:tailEnd type="none" w="med" len="med"/>
+                    </a:lnR>
+                    <a:lnT w="12700" cap="flat" cmpd="sng" algn="ctr">
+                      <a:solidFill>
+                        <a:schemeClr val="tx1"/>
+                      </a:solidFill>
+                      <a:prstDash val="solid"/>
+                      <a:round/>
+                      <a:headEnd type="none" w="med" len="med"/>
+                      <a:tailEnd type="none" w="med" len="med"/>
+                    </a:lnT>
+                    <a:lnB w="12700" cap="flat" cmpd="sng" algn="ctr">
+                      <a:solidFill>
+                        <a:schemeClr val="tx1"/>
+                      </a:solidFill>
+                      <a:prstDash val="solid"/>
+                      <a:round/>
+                      <a:headEnd type="none" w="med" len="med"/>
+                      <a:tailEnd type="none" w="med" len="med"/>
+                    </a:lnB>
+                    <a:solidFill>
+                      <a:schemeClr val="bg1"/>
+                    </a:solidFill>
+                  </a:tcPr>
+                </a:tc>
+                <a:tc>
+                  <a:txBody>
+                    <a:bodyPr/>
+                    <a:lstStyle/>
+                    <a:p>
+                      <a:endParaRPr lang="zh-CN" altLang="en-US"/>
+                    </a:p>
+                  </a:txBody>
+                  <a:tcPr>
+                    <a:lnL w="12700" cap="flat" cmpd="sng" algn="ctr">
+                      <a:solidFill>
+                        <a:schemeClr val="tx1"/>
+                      </a:solidFill>
+                      <a:prstDash val="solid"/>
+                      <a:round/>
+                      <a:headEnd type="none" w="med" len="med"/>
+                      <a:tailEnd type="none" w="med" len="med"/>
+                    </a:lnL>
+                    <a:lnR w="12700" cap="flat" cmpd="sng" algn="ctr">
+                      <a:solidFill>
+                        <a:schemeClr val="tx1"/>
+                      </a:solidFill>
+                      <a:prstDash val="solid"/>
+                      <a:round/>
+                      <a:headEnd type="none" w="med" len="med"/>
+                      <a:tailEnd type="none" w="med" len="med"/>
+                    </a:lnR>
+                    <a:lnT w="12700" cap="flat" cmpd="sng" algn="ctr">
+                      <a:solidFill>
+                        <a:schemeClr val="tx1"/>
+                      </a:solidFill>
+                      <a:prstDash val="solid"/>
+                      <a:round/>
+                      <a:headEnd type="none" w="med" len="med"/>
+                      <a:tailEnd type="none" w="med" len="med"/>
+                    </a:lnT>
+                    <a:lnB w="12700" cap="flat" cmpd="sng" algn="ctr">
+                      <a:solidFill>
+                        <a:schemeClr val="tx1"/>
+                      </a:solidFill>
+                      <a:prstDash val="solid"/>
+                      <a:round/>
+                      <a:headEnd type="none" w="med" len="med"/>
+                      <a:tailEnd type="none" w="med" len="med"/>
+                    </a:lnB>
+                    <a:solidFill>
+                      <a:schemeClr val="bg1"/>
+                    </a:solidFill>
+                  </a:tcPr>
+                </a:tc>
+                <a:tc>
+                  <a:txBody>
+                    <a:bodyPr/>
+                    <a:lstStyle/>
+                    <a:p>
+                      <a:endParaRPr lang="zh-CN" altLang="en-US" dirty="0"/>
+                    </a:p>
+                  </a:txBody>
+                  <a:tcPr>
+                    <a:lnL w="12700" cap="flat" cmpd="sng" algn="ctr">
+                      <a:solidFill>
+                        <a:schemeClr val="tx1"/>
+                      </a:solidFill>
+                      <a:prstDash val="solid"/>
+                      <a:round/>
+                      <a:headEnd type="none" w="med" len="med"/>
+                      <a:tailEnd type="none" w="med" len="med"/>
+                    </a:lnL>
+                    <a:lnR w="12700" cap="flat" cmpd="sng" algn="ctr">
+                      <a:solidFill>
+                        <a:schemeClr val="tx1"/>
+                      </a:solidFill>
+                      <a:prstDash val="solid"/>
+                      <a:round/>
+                      <a:headEnd type="none" w="med" len="med"/>
+                      <a:tailEnd type="none" w="med" len="med"/>
+                    </a:lnR>
+                    <a:lnT w="12700" cap="flat" cmpd="sng" algn="ctr">
+                      <a:solidFill>
+                        <a:schemeClr val="tx1"/>
+                      </a:solidFill>
+                      <a:prstDash val="solid"/>
+                      <a:round/>
+                      <a:headEnd type="none" w="med" len="med"/>
+                      <a:tailEnd type="none" w="med" len="med"/>
+                    </a:lnT>
+                    <a:lnB w="12700" cap="flat" cmpd="sng" algn="ctr">
+                      <a:solidFill>
+                        <a:schemeClr val="tx1"/>
+                      </a:solidFill>
+                      <a:prstDash val="solid"/>
+                      <a:round/>
+                      <a:headEnd type="none" w="med" len="med"/>
+                      <a:tailEnd type="none" w="med" len="med"/>
+                    </a:lnB>
+                    <a:solidFill>
+                      <a:schemeClr val="bg1"/>
+                    </a:solidFill>
+                  </a:tcPr>
+                </a:tc>
+                <a:tc>
+                  <a:txBody>
+                    <a:bodyPr/>
+                    <a:lstStyle/>
+                    <a:p>
+                      <a:endParaRPr lang="zh-CN" altLang="en-US" dirty="0"/>
+                    </a:p>
+                  </a:txBody>
+                  <a:tcPr>
+                    <a:lnL w="12700" cap="flat" cmpd="sng" algn="ctr">
+                      <a:solidFill>
+                        <a:schemeClr val="tx1"/>
+                      </a:solidFill>
+                      <a:prstDash val="solid"/>
+                      <a:round/>
+                      <a:headEnd type="none" w="med" len="med"/>
+                      <a:tailEnd type="none" w="med" len="med"/>
+                    </a:lnL>
+                    <a:lnR w="12700" cap="flat" cmpd="sng" algn="ctr">
+                      <a:solidFill>
+                        <a:schemeClr val="tx1"/>
+                      </a:solidFill>
+                      <a:prstDash val="solid"/>
+                      <a:round/>
+                      <a:headEnd type="none" w="med" len="med"/>
+                      <a:tailEnd type="none" w="med" len="med"/>
+                    </a:lnR>
+                    <a:lnT w="12700" cap="flat" cmpd="sng" algn="ctr">
+                      <a:solidFill>
+                        <a:schemeClr val="tx1"/>
+                      </a:solidFill>
+                      <a:prstDash val="solid"/>
+                      <a:round/>
+                      <a:headEnd type="none" w="med" len="med"/>
+                      <a:tailEnd type="none" w="med" len="med"/>
+                    </a:lnT>
+                    <a:lnB w="12700" cap="flat" cmpd="sng" algn="ctr">
+                      <a:solidFill>
+                        <a:schemeClr val="tx1"/>
+                      </a:solidFill>
+                      <a:prstDash val="solid"/>
+                      <a:round/>
+                      <a:headEnd type="none" w="med" len="med"/>
+                      <a:tailEnd type="none" w="med" len="med"/>
+                    </a:lnB>
+                    <a:solidFill>
+                      <a:schemeClr val="bg1"/>
+                    </a:solidFill>
+                  </a:tcPr>
+                </a:tc>
+                <a:tc>
+                  <a:txBody>
+                    <a:bodyPr/>
+                    <a:lstStyle/>
+                    <a:p>
+                      <a:endParaRPr lang="zh-CN" altLang="en-US" dirty="0"/>
+                    </a:p>
+                  </a:txBody>
+                  <a:tcPr>
+                    <a:lnL w="12700" cap="flat" cmpd="sng" algn="ctr">
+                      <a:solidFill>
+                        <a:schemeClr val="tx1"/>
+                      </a:solidFill>
+                      <a:prstDash val="solid"/>
+                      <a:round/>
+                      <a:headEnd type="none" w="med" len="med"/>
+                      <a:tailEnd type="none" w="med" len="med"/>
+                    </a:lnL>
+                    <a:lnR w="12700" cap="flat" cmpd="sng" algn="ctr">
+                      <a:solidFill>
+                        <a:schemeClr val="tx1"/>
+                      </a:solidFill>
+                      <a:prstDash val="solid"/>
+                      <a:round/>
+                      <a:headEnd type="none" w="med" len="med"/>
+                      <a:tailEnd type="none" w="med" len="med"/>
+                    </a:lnR>
+                    <a:lnT w="12700" cap="flat" cmpd="sng" algn="ctr">
+                      <a:solidFill>
+                        <a:schemeClr val="tx1"/>
+                      </a:solidFill>
+                      <a:prstDash val="solid"/>
+                      <a:round/>
+                      <a:headEnd type="none" w="med" len="med"/>
+                      <a:tailEnd type="none" w="med" len="med"/>
+                    </a:lnT>
+                    <a:lnB w="12700" cap="flat" cmpd="sng" algn="ctr">
+                      <a:solidFill>
+                        <a:schemeClr val="tx1"/>
+                      </a:solidFill>
+                      <a:prstDash val="solid"/>
+                      <a:round/>
+                      <a:headEnd type="none" w="med" len="med"/>
+                      <a:tailEnd type="none" w="med" len="med"/>
+                    </a:lnB>
+                    <a:solidFill>
+                      <a:schemeClr val="bg1"/>
+                    </a:solidFill>
+                  </a:tcPr>
+                </a:tc>
+                <a:tc>
+                  <a:txBody>
+                    <a:bodyPr/>
+                    <a:lstStyle/>
+                    <a:p>
+                      <a:endParaRPr lang="zh-CN" altLang="en-US" dirty="0"/>
+                    </a:p>
+                  </a:txBody>
+                  <a:tcPr>
+                    <a:lnL w="12700" cap="flat" cmpd="sng" algn="ctr">
+                      <a:solidFill>
+                        <a:schemeClr val="tx1"/>
+                      </a:solidFill>
+                      <a:prstDash val="solid"/>
+                      <a:round/>
+                      <a:headEnd type="none" w="med" len="med"/>
+                      <a:tailEnd type="none" w="med" len="med"/>
+                    </a:lnL>
+                    <a:lnR w="12700" cap="flat" cmpd="sng" algn="ctr">
+                      <a:solidFill>
+                        <a:schemeClr val="tx1"/>
+                      </a:solidFill>
+                      <a:prstDash val="solid"/>
+                      <a:round/>
+                      <a:headEnd type="none" w="med" len="med"/>
+                      <a:tailEnd type="none" w="med" len="med"/>
+                    </a:lnR>
+                    <a:lnT w="12700" cap="flat" cmpd="sng" algn="ctr">
+                      <a:solidFill>
+                        <a:schemeClr val="tx1"/>
+                      </a:solidFill>
+                      <a:prstDash val="solid"/>
+                      <a:round/>
+                      <a:headEnd type="none" w="med" len="med"/>
+                      <a:tailEnd type="none" w="med" len="med"/>
+                    </a:lnT>
+                    <a:lnB w="12700" cap="flat" cmpd="sng" algn="ctr">
+                      <a:solidFill>
+                        <a:schemeClr val="tx1"/>
+                      </a:solidFill>
+                      <a:prstDash val="solid"/>
+                      <a:round/>
+                      <a:headEnd type="none" w="med" len="med"/>
+                      <a:tailEnd type="none" w="med" len="med"/>
+                    </a:lnB>
+                    <a:solidFill>
+                      <a:schemeClr val="bg1"/>
+                    </a:solidFill>
+                  </a:tcPr>
+                </a:tc>
+                <a:tc>
+                  <a:txBody>
+                    <a:bodyPr/>
+                    <a:lstStyle/>
+                    <a:p>
+                      <a:endParaRPr lang="zh-CN" altLang="en-US" dirty="0"/>
+                    </a:p>
+                  </a:txBody>
+                  <a:tcPr>
+                    <a:lnL w="12700" cap="flat" cmpd="sng" algn="ctr">
+                      <a:solidFill>
+                        <a:schemeClr val="tx1"/>
+                      </a:solidFill>
+                      <a:prstDash val="solid"/>
+                      <a:round/>
+                      <a:headEnd type="none" w="med" len="med"/>
+                      <a:tailEnd type="none" w="med" len="med"/>
+                    </a:lnL>
+                    <a:lnR w="12700" cap="flat" cmpd="sng" algn="ctr">
+                      <a:solidFill>
+                        <a:schemeClr val="tx1"/>
+                      </a:solidFill>
+                      <a:prstDash val="solid"/>
+                      <a:round/>
+                      <a:headEnd type="none" w="med" len="med"/>
+                      <a:tailEnd type="none" w="med" len="med"/>
+                    </a:lnR>
+                    <a:lnT w="12700" cap="flat" cmpd="sng" algn="ctr">
+                      <a:solidFill>
+                        <a:schemeClr val="tx1"/>
+                      </a:solidFill>
+                      <a:prstDash val="solid"/>
+                      <a:round/>
+                      <a:headEnd type="none" w="med" len="med"/>
+                      <a:tailEnd type="none" w="med" len="med"/>
+                    </a:lnT>
+                    <a:lnB w="12700" cap="flat" cmpd="sng" algn="ctr">
+                      <a:solidFill>
+                        <a:schemeClr val="tx1"/>
+                      </a:solidFill>
+                      <a:prstDash val="solid"/>
+                      <a:round/>
+                      <a:headEnd type="none" w="med" len="med"/>
+                      <a:tailEnd type="none" w="med" len="med"/>
+                    </a:lnB>
+                    <a:solidFill>
+                      <a:schemeClr val="bg1"/>
+                    </a:solidFill>
+                  </a:tcPr>
+                </a:tc>
+              </a:tr>
+              <a:tr h="348221">
+                <a:tc>
+                  <a:txBody>
+                    <a:bodyPr/>
+                    <a:lstStyle/>
+                    <a:p>
+                      <a:endParaRPr lang="zh-CN" altLang="en-US"/>
+                    </a:p>
+                  </a:txBody>
+                  <a:tcPr>
+                    <a:lnL w="12700" cap="flat" cmpd="sng" algn="ctr">
+                      <a:solidFill>
+                        <a:schemeClr val="tx1"/>
+                      </a:solidFill>
+                      <a:prstDash val="solid"/>
+                      <a:round/>
+                      <a:headEnd type="none" w="med" len="med"/>
+                      <a:tailEnd type="none" w="med" len="med"/>
+                    </a:lnL>
+                    <a:lnR w="12700" cap="flat" cmpd="sng" algn="ctr">
+                      <a:solidFill>
+                        <a:schemeClr val="tx1"/>
+                      </a:solidFill>
+                      <a:prstDash val="solid"/>
+                      <a:round/>
+                      <a:headEnd type="none" w="med" len="med"/>
+                      <a:tailEnd type="none" w="med" len="med"/>
+                    </a:lnR>
+                    <a:lnT w="12700" cap="flat" cmpd="sng" algn="ctr">
+                      <a:solidFill>
+                        <a:schemeClr val="tx1"/>
+                      </a:solidFill>
+                      <a:prstDash val="solid"/>
+                      <a:round/>
+                      <a:headEnd type="none" w="med" len="med"/>
+                      <a:tailEnd type="none" w="med" len="med"/>
+                    </a:lnT>
+                    <a:lnB w="12700" cap="flat" cmpd="sng" algn="ctr">
+                      <a:solidFill>
+                        <a:schemeClr val="tx1"/>
+                      </a:solidFill>
+                      <a:prstDash val="solid"/>
+                      <a:round/>
+                      <a:headEnd type="none" w="med" len="med"/>
+                      <a:tailEnd type="none" w="med" len="med"/>
+                    </a:lnB>
+                    <a:solidFill>
+                      <a:schemeClr val="bg1"/>
+                    </a:solidFill>
+                  </a:tcPr>
+                </a:tc>
+                <a:tc>
+                  <a:txBody>
+                    <a:bodyPr/>
+                    <a:lstStyle/>
+                    <a:p>
+                      <a:endParaRPr lang="zh-CN" altLang="en-US"/>
+                    </a:p>
+                  </a:txBody>
+                  <a:tcPr>
+                    <a:lnL w="12700" cap="flat" cmpd="sng" algn="ctr">
+                      <a:solidFill>
+                        <a:schemeClr val="tx1"/>
+                      </a:solidFill>
+                      <a:prstDash val="solid"/>
+                      <a:round/>
+                      <a:headEnd type="none" w="med" len="med"/>
+                      <a:tailEnd type="none" w="med" len="med"/>
+                    </a:lnL>
+                    <a:lnR w="12700" cap="flat" cmpd="sng" algn="ctr">
+                      <a:solidFill>
+                        <a:schemeClr val="tx1"/>
+                      </a:solidFill>
+                      <a:prstDash val="solid"/>
+                      <a:round/>
+                      <a:headEnd type="none" w="med" len="med"/>
+                      <a:tailEnd type="none" w="med" len="med"/>
+                    </a:lnR>
+                    <a:lnT w="12700" cap="flat" cmpd="sng" algn="ctr">
+                      <a:solidFill>
+                        <a:schemeClr val="tx1"/>
+                      </a:solidFill>
+                      <a:prstDash val="solid"/>
+                      <a:round/>
+                      <a:headEnd type="none" w="med" len="med"/>
+                      <a:tailEnd type="none" w="med" len="med"/>
+                    </a:lnT>
+                    <a:lnB w="12700" cap="flat" cmpd="sng" algn="ctr">
+                      <a:solidFill>
+                        <a:schemeClr val="tx1"/>
+                      </a:solidFill>
+                      <a:prstDash val="solid"/>
+                      <a:round/>
+                      <a:headEnd type="none" w="med" len="med"/>
+                      <a:tailEnd type="none" w="med" len="med"/>
+                    </a:lnB>
+                    <a:solidFill>
+                      <a:schemeClr val="bg1"/>
+                    </a:solidFill>
+                  </a:tcPr>
+                </a:tc>
+                <a:tc>
+                  <a:txBody>
+                    <a:bodyPr/>
+                    <a:lstStyle/>
+                    <a:p>
+                      <a:endParaRPr lang="zh-CN" altLang="en-US"/>
+                    </a:p>
+                  </a:txBody>
+                  <a:tcPr>
+                    <a:lnL w="12700" cap="flat" cmpd="sng" algn="ctr">
+                      <a:solidFill>
+                        <a:schemeClr val="tx1"/>
+                      </a:solidFill>
+                      <a:prstDash val="solid"/>
+                      <a:round/>
+                      <a:headEnd type="none" w="med" len="med"/>
+                      <a:tailEnd type="none" w="med" len="med"/>
+                    </a:lnL>
+                    <a:lnR w="12700" cap="flat" cmpd="sng" algn="ctr">
+                      <a:solidFill>
+                        <a:schemeClr val="tx1"/>
+                      </a:solidFill>
+                      <a:prstDash val="solid"/>
+                      <a:round/>
+                      <a:headEnd type="none" w="med" len="med"/>
+                      <a:tailEnd type="none" w="med" len="med"/>
+                    </a:lnR>
+                    <a:lnT w="12700" cap="flat" cmpd="sng" algn="ctr">
+                      <a:solidFill>
+                        <a:schemeClr val="tx1"/>
+                      </a:solidFill>
+                      <a:prstDash val="solid"/>
+                      <a:round/>
+                      <a:headEnd type="none" w="med" len="med"/>
+                      <a:tailEnd type="none" w="med" len="med"/>
+                    </a:lnT>
+                    <a:lnB w="12700" cap="flat" cmpd="sng" algn="ctr">
+                      <a:solidFill>
+                        <a:schemeClr val="tx1"/>
+                      </a:solidFill>
+                      <a:prstDash val="solid"/>
+                      <a:round/>
+                      <a:headEnd type="none" w="med" len="med"/>
+                      <a:tailEnd type="none" w="med" len="med"/>
+                    </a:lnB>
+                    <a:solidFill>
+                      <a:schemeClr val="bg1"/>
+                    </a:solidFill>
+                  </a:tcPr>
+                </a:tc>
+                <a:tc>
+                  <a:txBody>
+                    <a:bodyPr/>
+                    <a:lstStyle/>
+                    <a:p>
+                      <a:endParaRPr lang="zh-CN" altLang="en-US" dirty="0"/>
+                    </a:p>
+                  </a:txBody>
+                  <a:tcPr>
+                    <a:lnL w="12700" cap="flat" cmpd="sng" algn="ctr">
+                      <a:solidFill>
+                        <a:schemeClr val="tx1"/>
+                      </a:solidFill>
+                      <a:prstDash val="solid"/>
+                      <a:round/>
+                      <a:headEnd type="none" w="med" len="med"/>
+                      <a:tailEnd type="none" w="med" len="med"/>
+                    </a:lnL>
+                    <a:lnR w="12700" cap="flat" cmpd="sng" algn="ctr">
+                      <a:solidFill>
+                        <a:schemeClr val="tx1"/>
+                      </a:solidFill>
+                      <a:prstDash val="solid"/>
+                      <a:round/>
+                      <a:headEnd type="none" w="med" len="med"/>
+                      <a:tailEnd type="none" w="med" len="med"/>
+                    </a:lnR>
+                    <a:lnT w="12700" cap="flat" cmpd="sng" algn="ctr">
+                      <a:solidFill>
+                        <a:schemeClr val="tx1"/>
+                      </a:solidFill>
+                      <a:prstDash val="solid"/>
+                      <a:round/>
+                      <a:headEnd type="none" w="med" len="med"/>
+                      <a:tailEnd type="none" w="med" len="med"/>
+                    </a:lnT>
+                    <a:lnB w="12700" cap="flat" cmpd="sng" algn="ctr">
+                      <a:solidFill>
+                        <a:schemeClr val="tx1"/>
+                      </a:solidFill>
+                      <a:prstDash val="solid"/>
+                      <a:round/>
+                      <a:headEnd type="none" w="med" len="med"/>
+                      <a:tailEnd type="none" w="med" len="med"/>
+                    </a:lnB>
+                    <a:solidFill>
+                      <a:schemeClr val="bg1"/>
+                    </a:solidFill>
+                  </a:tcPr>
+                </a:tc>
+                <a:tc>
+                  <a:txBody>
+                    <a:bodyPr/>
+                    <a:lstStyle/>
+                    <a:p>
+                      <a:endParaRPr lang="zh-CN" altLang="en-US" dirty="0"/>
+                    </a:p>
+                  </a:txBody>
+                  <a:tcPr>
+                    <a:lnL w="12700" cap="flat" cmpd="sng" algn="ctr">
+                      <a:solidFill>
+                        <a:schemeClr val="tx1"/>
+                      </a:solidFill>
+                      <a:prstDash val="solid"/>
+                      <a:round/>
+                      <a:headEnd type="none" w="med" len="med"/>
+                      <a:tailEnd type="none" w="med" len="med"/>
+                    </a:lnL>
+                    <a:lnR w="12700" cap="flat" cmpd="sng" algn="ctr">
+                      <a:solidFill>
+                        <a:schemeClr val="tx1"/>
+                      </a:solidFill>
+                      <a:prstDash val="solid"/>
+                      <a:round/>
+                      <a:headEnd type="none" w="med" len="med"/>
+                      <a:tailEnd type="none" w="med" len="med"/>
+                    </a:lnR>
+                    <a:lnT w="12700" cap="flat" cmpd="sng" algn="ctr">
+                      <a:solidFill>
+                        <a:schemeClr val="tx1"/>
+                      </a:solidFill>
+                      <a:prstDash val="solid"/>
+                      <a:round/>
+                      <a:headEnd type="none" w="med" len="med"/>
+                      <a:tailEnd type="none" w="med" len="med"/>
+                    </a:lnT>
+                    <a:lnB w="12700" cap="flat" cmpd="sng" algn="ctr">
+                      <a:solidFill>
+                        <a:schemeClr val="tx1"/>
+                      </a:solidFill>
+                      <a:prstDash val="solid"/>
+                      <a:round/>
+                      <a:headEnd type="none" w="med" len="med"/>
+                      <a:tailEnd type="none" w="med" len="med"/>
+                    </a:lnB>
+                    <a:solidFill>
+                      <a:schemeClr val="bg1"/>
+                    </a:solidFill>
+                  </a:tcPr>
+                </a:tc>
+                <a:tc>
+                  <a:txBody>
+                    <a:bodyPr/>
+                    <a:lstStyle/>
+                    <a:p>
+                      <a:endParaRPr lang="zh-CN" altLang="en-US" dirty="0"/>
+                    </a:p>
+                  </a:txBody>
+                  <a:tcPr>
+                    <a:lnL w="12700" cap="flat" cmpd="sng" algn="ctr">
+                      <a:solidFill>
+                        <a:schemeClr val="tx1"/>
+                      </a:solidFill>
+                      <a:prstDash val="solid"/>
+                      <a:round/>
+                      <a:headEnd type="none" w="med" len="med"/>
+                      <a:tailEnd type="none" w="med" len="med"/>
+                    </a:lnL>
+                    <a:lnR w="12700" cap="flat" cmpd="sng" algn="ctr">
+                      <a:solidFill>
+                        <a:schemeClr val="tx1"/>
+                      </a:solidFill>
+                      <a:prstDash val="solid"/>
+                      <a:round/>
+                      <a:headEnd type="none" w="med" len="med"/>
+                      <a:tailEnd type="none" w="med" len="med"/>
+                    </a:lnR>
+                    <a:lnT w="12700" cap="flat" cmpd="sng" algn="ctr">
+                      <a:solidFill>
+                        <a:schemeClr val="tx1"/>
+                      </a:solidFill>
+                      <a:prstDash val="solid"/>
+                      <a:round/>
+                      <a:headEnd type="none" w="med" len="med"/>
+                      <a:tailEnd type="none" w="med" len="med"/>
+                    </a:lnT>
+                    <a:lnB w="12700" cap="flat" cmpd="sng" algn="ctr">
+                      <a:solidFill>
+                        <a:schemeClr val="tx1"/>
+                      </a:solidFill>
+                      <a:prstDash val="solid"/>
+                      <a:round/>
+                      <a:headEnd type="none" w="med" len="med"/>
+                      <a:tailEnd type="none" w="med" len="med"/>
+                    </a:lnB>
+                    <a:solidFill>
+                      <a:schemeClr val="bg1"/>
+                    </a:solidFill>
+                  </a:tcPr>
+                </a:tc>
+                <a:tc>
+                  <a:txBody>
+                    <a:bodyPr/>
+                    <a:lstStyle/>
+                    <a:p>
+                      <a:endParaRPr lang="zh-CN" altLang="en-US" dirty="0"/>
+                    </a:p>
+                  </a:txBody>
+                  <a:tcPr>
+                    <a:lnL w="12700" cap="flat" cmpd="sng" algn="ctr">
+                      <a:solidFill>
+                        <a:schemeClr val="tx1"/>
+                      </a:solidFill>
+                      <a:prstDash val="solid"/>
+                      <a:round/>
+                      <a:headEnd type="none" w="med" len="med"/>
+                      <a:tailEnd type="none" w="med" len="med"/>
+                    </a:lnL>
+                    <a:lnR w="12700" cap="flat" cmpd="sng" algn="ctr">
+                      <a:solidFill>
+                        <a:schemeClr val="tx1"/>
+                      </a:solidFill>
+                      <a:prstDash val="solid"/>
+                      <a:round/>
+                      <a:headEnd type="none" w="med" len="med"/>
+                      <a:tailEnd type="none" w="med" len="med"/>
+                    </a:lnR>
+                    <a:lnT w="12700" cap="flat" cmpd="sng" algn="ctr">
+                      <a:solidFill>
+                        <a:schemeClr val="tx1"/>
+                      </a:solidFill>
+                      <a:prstDash val="solid"/>
+                      <a:round/>
+                      <a:headEnd type="none" w="med" len="med"/>
+                      <a:tailEnd type="none" w="med" len="med"/>
+                    </a:lnT>
+                    <a:lnB w="12700" cap="flat" cmpd="sng" algn="ctr">
+                      <a:solidFill>
+                        <a:schemeClr val="tx1"/>
+                      </a:solidFill>
+                      <a:prstDash val="solid"/>
+                      <a:round/>
+                      <a:headEnd type="none" w="med" len="med"/>
+                      <a:tailEnd type="none" w="med" len="med"/>
+                    </a:lnB>
+                    <a:solidFill>
+                      <a:schemeClr val="bg1"/>
+                    </a:solidFill>
+                  </a:tcPr>
+                </a:tc>
+                <a:tc>
+                  <a:txBody>
+                    <a:bodyPr/>
+                    <a:lstStyle/>
+                    <a:p>
+                      <a:endParaRPr lang="zh-CN" altLang="en-US" dirty="0"/>
+                    </a:p>
+                  </a:txBody>
+                  <a:tcPr>
+                    <a:lnL w="12700" cap="flat" cmpd="sng" algn="ctr">
+                      <a:solidFill>
+                        <a:schemeClr val="tx1"/>
+                      </a:solidFill>
+                      <a:prstDash val="solid"/>
+                      <a:round/>
+                      <a:headEnd type="none" w="med" len="med"/>
+                      <a:tailEnd type="none" w="med" len="med"/>
+                    </a:lnL>
+                    <a:lnR w="12700" cap="flat" cmpd="sng" algn="ctr">
+                      <a:solidFill>
+                        <a:schemeClr val="tx1"/>
+                      </a:solidFill>
+                      <a:prstDash val="solid"/>
+                      <a:round/>
+                      <a:headEnd type="none" w="med" len="med"/>
+                      <a:tailEnd type="none" w="med" len="med"/>
+                    </a:lnR>
+                    <a:lnT w="12700" cap="flat" cmpd="sng" algn="ctr">
+                      <a:solidFill>
+                        <a:schemeClr val="tx1"/>
+                      </a:solidFill>
+                      <a:prstDash val="solid"/>
+                      <a:round/>
+                      <a:headEnd type="none" w="med" len="med"/>
+                      <a:tailEnd type="none" w="med" len="med"/>
+                    </a:lnT>
+                    <a:lnB w="12700" cap="flat" cmpd="sng" algn="ctr">
+                      <a:solidFill>
+                        <a:schemeClr val="tx1"/>
+                      </a:solidFill>
+                      <a:prstDash val="solid"/>
+                      <a:round/>
+                      <a:headEnd type="none" w="med" len="med"/>
+                      <a:tailEnd type="none" w="med" len="med"/>
+                    </a:lnB>
+                    <a:solidFill>
+                      <a:schemeClr val="bg1"/>
+                    </a:solidFill>
+                  </a:tcPr>
+                </a:tc>
+              </a:tr>
+            </a:tbl>
+          </a:graphicData>
+        </a:graphic>
+      </p:graphicFrame>
+      <p:sp>
+        <p:nvSpPr>
+          <p:cNvPr id="9" name="矩形 8"/>
+          <p:cNvSpPr/>
+          <p:nvPr/>
+        </p:nvSpPr>
+        <p:spPr>
+          <a:xfrm>
+            <a:off x="4440716" y="2303122"/>
+            <a:ext cx="648000" cy="792000"/>
+          </a:xfrm>
+          <a:prstGeom prst="rect">
+            <a:avLst/>
+          </a:prstGeom>
+          <a:noFill/>
+          <a:ln w="31750">
+            <a:solidFill>
+              <a:srgbClr val="FFCC32"/>
+            </a:solidFill>
+          </a:ln>
+        </p:spPr>
+        <p:style>
+          <a:lnRef idx="2">
+            <a:schemeClr val="accent1">
+              <a:shade val="50000"/>
+            </a:schemeClr>
+          </a:lnRef>
+          <a:fillRef idx="1">
+            <a:schemeClr val="accent1"/>
+          </a:fillRef>
+          <a:effectRef idx="0">
+            <a:schemeClr val="accent1"/>
+          </a:effectRef>
+          <a:fontRef idx="minor">
+            <a:schemeClr val="lt1"/>
+          </a:fontRef>
+        </p:style>
+        <p:txBody>
+          <a:bodyPr rtlCol="0" anchor="ctr"/>
+          <a:lstStyle/>
+          <a:p>
+            <a:pPr algn="ctr"/>
+            <a:endParaRPr kumimoji="1" lang="zh-CN" altLang="en-US"/>
+          </a:p>
+        </p:txBody>
+      </p:sp>
+      <p:sp>
+        <p:nvSpPr>
+          <p:cNvPr id="10" name="矩形 9"/>
+          <p:cNvSpPr/>
+          <p:nvPr/>
+        </p:nvSpPr>
+        <p:spPr>
+          <a:xfrm>
+            <a:off x="4571037" y="2472745"/>
+            <a:ext cx="635283" cy="711226"/>
+          </a:xfrm>
+          <a:prstGeom prst="rect">
+            <a:avLst/>
+          </a:prstGeom>
+          <a:noFill/>
+          <a:ln w="31750">
+            <a:solidFill>
+              <a:srgbClr val="FF0D1C"/>
+            </a:solidFill>
+          </a:ln>
+        </p:spPr>
+        <p:style>
+          <a:lnRef idx="2">
+            <a:schemeClr val="accent1">
+              <a:shade val="50000"/>
+            </a:schemeClr>
+          </a:lnRef>
+          <a:fillRef idx="1">
+            <a:schemeClr val="accent1"/>
+          </a:fillRef>
+          <a:effectRef idx="0">
+            <a:schemeClr val="accent1"/>
+          </a:effectRef>
+          <a:fontRef idx="minor">
+            <a:schemeClr val="lt1"/>
+          </a:fontRef>
+        </p:style>
+        <p:txBody>
+          <a:bodyPr rtlCol="0" anchor="ctr"/>
+          <a:lstStyle/>
+          <a:p>
+            <a:pPr algn="ctr"/>
+            <a:endParaRPr kumimoji="1" lang="zh-CN" altLang="en-US"/>
+          </a:p>
+        </p:txBody>
+      </p:sp>
+      <p:cxnSp>
+        <p:nvCxnSpPr>
+          <p:cNvPr id="12" name="直线箭头连接符 11"/>
+          <p:cNvCxnSpPr/>
+          <p:nvPr/>
+        </p:nvCxnSpPr>
+        <p:spPr>
+          <a:xfrm>
+            <a:off x="2695180" y="3183970"/>
+            <a:ext cx="756000" cy="0"/>
+          </a:xfrm>
+          <a:prstGeom prst="straightConnector1">
+            <a:avLst/>
+          </a:prstGeom>
+          <a:ln w="25400">
+            <a:tailEnd type="triangle"/>
+          </a:ln>
+        </p:spPr>
+        <p:style>
+          <a:lnRef idx="1">
+            <a:schemeClr val="dk1"/>
+          </a:lnRef>
+          <a:fillRef idx="0">
+            <a:schemeClr val="dk1"/>
+          </a:fillRef>
+          <a:effectRef idx="0">
+            <a:schemeClr val="dk1"/>
+          </a:effectRef>
+          <a:fontRef idx="minor">
+            <a:schemeClr val="tx1"/>
+          </a:fontRef>
+        </p:style>
+      </p:cxnSp>
+      <p:sp>
+        <p:nvSpPr>
+          <p:cNvPr id="13" name="文本框 12"/>
+          <p:cNvSpPr txBox="1"/>
+          <p:nvPr/>
+        </p:nvSpPr>
+        <p:spPr>
+          <a:xfrm>
+            <a:off x="2740250" y="2796069"/>
+            <a:ext cx="580608" cy="307777"/>
+          </a:xfrm>
+          <a:prstGeom prst="rect">
+            <a:avLst/>
+          </a:prstGeom>
+          <a:noFill/>
+        </p:spPr>
+        <p:txBody>
+          <a:bodyPr wrap="none" rtlCol="0">
+            <a:spAutoFit/>
+          </a:bodyPr>
+          <a:lstStyle/>
+          <a:p>
+            <a:r>
+              <a:rPr kumimoji="1" lang="en-US" altLang="zh-CN" sz="1400" smtClean="0"/>
+              <a:t>Conv</a:t>
+            </a:r>
+            <a:endParaRPr kumimoji="1" lang="zh-CN" altLang="en-US" sz="1400" dirty="0"/>
+          </a:p>
+        </p:txBody>
+      </p:sp>
+      <p:sp>
+        <p:nvSpPr>
+          <p:cNvPr id="14" name="文本框 13"/>
+          <p:cNvSpPr txBox="1"/>
+          <p:nvPr/>
+        </p:nvSpPr>
+        <p:spPr>
+          <a:xfrm>
+            <a:off x="6052692" y="2414166"/>
+            <a:ext cx="1192955" cy="523220"/>
+          </a:xfrm>
+          <a:prstGeom prst="rect">
+            <a:avLst/>
+          </a:prstGeom>
+          <a:noFill/>
+        </p:spPr>
+        <p:txBody>
+          <a:bodyPr wrap="none" rtlCol="0">
+            <a:spAutoFit/>
+          </a:bodyPr>
+          <a:lstStyle/>
+          <a:p>
+            <a:r>
+              <a:rPr kumimoji="1" lang="en-US" altLang="zh-CN" sz="1400" dirty="0" err="1" smtClean="0"/>
+              <a:t>RoI</a:t>
+            </a:r>
+            <a:r>
+              <a:rPr kumimoji="1" lang="zh-CN" altLang="en-US" sz="1400" dirty="0" smtClean="0"/>
+              <a:t> </a:t>
+            </a:r>
+            <a:r>
+              <a:rPr kumimoji="1" lang="en-US" altLang="zh-CN" sz="1400" dirty="0" smtClean="0"/>
+              <a:t>Pooling+</a:t>
+            </a:r>
+          </a:p>
+          <a:p>
+            <a:r>
+              <a:rPr kumimoji="1" lang="en-US" altLang="zh-CN" sz="1400" dirty="0" smtClean="0"/>
+              <a:t>FCN</a:t>
+            </a:r>
+            <a:endParaRPr kumimoji="1" lang="zh-CN" altLang="en-US" sz="1400" dirty="0"/>
+          </a:p>
+        </p:txBody>
+      </p:sp>
+      <p:cxnSp>
+        <p:nvCxnSpPr>
+          <p:cNvPr id="23" name="直线箭头连接符 22"/>
+          <p:cNvCxnSpPr/>
+          <p:nvPr/>
+        </p:nvCxnSpPr>
+        <p:spPr>
+          <a:xfrm>
+            <a:off x="5153619" y="2949957"/>
+            <a:ext cx="2160000" cy="742"/>
+          </a:xfrm>
+          <a:prstGeom prst="straightConnector1">
+            <a:avLst/>
+          </a:prstGeom>
+          <a:ln w="25400">
+            <a:tailEnd type="triangle"/>
+          </a:ln>
+        </p:spPr>
+        <p:style>
+          <a:lnRef idx="1">
+            <a:schemeClr val="dk1"/>
+          </a:lnRef>
+          <a:fillRef idx="0">
+            <a:schemeClr val="dk1"/>
+          </a:fillRef>
+          <a:effectRef idx="0">
+            <a:schemeClr val="dk1"/>
+          </a:effectRef>
+          <a:fontRef idx="minor">
+            <a:schemeClr val="tx1"/>
+          </a:fontRef>
+        </p:style>
+      </p:cxnSp>
+      <p:graphicFrame>
+        <p:nvGraphicFramePr>
+          <p:cNvPr id="26" name="表格 25"/>
+          <p:cNvGraphicFramePr>
+            <a:graphicFrameLocks noGrp="1"/>
+          </p:cNvGraphicFramePr>
+          <p:nvPr>
+            <p:extLst>
+              <p:ext uri="{D42A27DB-BD31-4B8C-83A1-F6EECF244321}">
+                <p14:modId xmlns:p14="http://schemas.microsoft.com/office/powerpoint/2010/main" val="2105187023"/>
+              </p:ext>
+            </p:extLst>
+          </p:nvPr>
+        </p:nvGraphicFramePr>
+        <p:xfrm>
+          <a:off x="7971142" y="840082"/>
+          <a:ext cx="1511595" cy="1463040"/>
+        </p:xfrm>
+        <a:graphic>
+          <a:graphicData uri="http://schemas.openxmlformats.org/drawingml/2006/table">
+            <a:tbl>
+              <a:tblPr firstRow="1" bandRow="1">
+                <a:tableStyleId>{5C22544A-7EE6-4342-B048-85BDC9FD1C3A}</a:tableStyleId>
+              </a:tblPr>
+              <a:tblGrid>
+                <a:gridCol w="302319"/>
+                <a:gridCol w="302319"/>
+                <a:gridCol w="302319"/>
+                <a:gridCol w="302319"/>
+                <a:gridCol w="302319"/>
+              </a:tblGrid>
+              <a:tr h="348221">
+                <a:tc>
+                  <a:txBody>
+                    <a:bodyPr/>
+                    <a:lstStyle/>
+                    <a:p>
+                      <a:endParaRPr lang="zh-CN" altLang="en-US" dirty="0"/>
+                    </a:p>
+                  </a:txBody>
+                  <a:tcPr>
+                    <a:lnL w="12700" cap="flat" cmpd="sng" algn="ctr">
+                      <a:solidFill>
+                        <a:schemeClr val="tx1"/>
+                      </a:solidFill>
+                      <a:prstDash val="solid"/>
+                      <a:round/>
+                      <a:headEnd type="none" w="med" len="med"/>
+                      <a:tailEnd type="none" w="med" len="med"/>
+                    </a:lnL>
+                    <a:lnR w="12700" cap="flat" cmpd="sng" algn="ctr">
+                      <a:solidFill>
+                        <a:schemeClr val="tx1"/>
+                      </a:solidFill>
+                      <a:prstDash val="solid"/>
+                      <a:round/>
+                      <a:headEnd type="none" w="med" len="med"/>
+                      <a:tailEnd type="none" w="med" len="med"/>
+                    </a:lnR>
+                    <a:lnT w="12700" cap="flat" cmpd="sng" algn="ctr">
+                      <a:solidFill>
+                        <a:schemeClr val="tx1"/>
+                      </a:solidFill>
+                      <a:prstDash val="solid"/>
+                      <a:round/>
+                      <a:headEnd type="none" w="med" len="med"/>
+                      <a:tailEnd type="none" w="med" len="med"/>
+                    </a:lnT>
+                    <a:lnB w="12700" cap="flat" cmpd="sng" algn="ctr">
+                      <a:solidFill>
+                        <a:schemeClr val="tx1"/>
+                      </a:solidFill>
+                      <a:prstDash val="solid"/>
+                      <a:round/>
+                      <a:headEnd type="none" w="med" len="med"/>
+                      <a:tailEnd type="none" w="med" len="med"/>
+                    </a:lnB>
+                    <a:solidFill>
+                      <a:schemeClr val="accent6">
+                        <a:lumMod val="60000"/>
+                        <a:lumOff val="40000"/>
+                      </a:schemeClr>
+                    </a:solidFill>
+                  </a:tcPr>
+                </a:tc>
+                <a:tc>
+                  <a:txBody>
+                    <a:bodyPr/>
+                    <a:lstStyle/>
+                    <a:p>
+                      <a:endParaRPr lang="zh-CN" altLang="en-US"/>
+                    </a:p>
+                  </a:txBody>
+                  <a:tcPr>
+                    <a:lnL w="12700" cap="flat" cmpd="sng" algn="ctr">
+                      <a:solidFill>
+                        <a:schemeClr val="tx1"/>
+                      </a:solidFill>
+                      <a:prstDash val="solid"/>
+                      <a:round/>
+                      <a:headEnd type="none" w="med" len="med"/>
+                      <a:tailEnd type="none" w="med" len="med"/>
+                    </a:lnL>
+                    <a:lnR w="12700" cap="flat" cmpd="sng" algn="ctr">
+                      <a:solidFill>
+                        <a:schemeClr val="tx1"/>
+                      </a:solidFill>
+                      <a:prstDash val="solid"/>
+                      <a:round/>
+                      <a:headEnd type="none" w="med" len="med"/>
+                      <a:tailEnd type="none" w="med" len="med"/>
+                    </a:lnR>
+                    <a:lnT w="12700" cap="flat" cmpd="sng" algn="ctr">
+                      <a:solidFill>
+                        <a:schemeClr val="tx1"/>
+                      </a:solidFill>
+                      <a:prstDash val="solid"/>
+                      <a:round/>
+                      <a:headEnd type="none" w="med" len="med"/>
+                      <a:tailEnd type="none" w="med" len="med"/>
+                    </a:lnT>
+                    <a:lnB w="12700" cap="flat" cmpd="sng" algn="ctr">
+                      <a:solidFill>
+                        <a:schemeClr val="tx1"/>
+                      </a:solidFill>
+                      <a:prstDash val="solid"/>
+                      <a:round/>
+                      <a:headEnd type="none" w="med" len="med"/>
+                      <a:tailEnd type="none" w="med" len="med"/>
+                    </a:lnB>
+                    <a:solidFill>
+                      <a:schemeClr val="accent6">
+                        <a:lumMod val="60000"/>
+                        <a:lumOff val="40000"/>
+                      </a:schemeClr>
+                    </a:solidFill>
+                  </a:tcPr>
+                </a:tc>
+                <a:tc>
+                  <a:txBody>
+                    <a:bodyPr/>
+                    <a:lstStyle/>
+                    <a:p>
+                      <a:endParaRPr lang="zh-CN" altLang="en-US" dirty="0"/>
+                    </a:p>
+                  </a:txBody>
+                  <a:tcPr>
+                    <a:lnL w="12700" cap="flat" cmpd="sng" algn="ctr">
+                      <a:solidFill>
+                        <a:schemeClr val="tx1"/>
+                      </a:solidFill>
+                      <a:prstDash val="solid"/>
+                      <a:round/>
+                      <a:headEnd type="none" w="med" len="med"/>
+                      <a:tailEnd type="none" w="med" len="med"/>
+                    </a:lnL>
+                    <a:lnR w="12700" cap="flat" cmpd="sng" algn="ctr">
+                      <a:solidFill>
+                        <a:schemeClr val="tx1"/>
+                      </a:solidFill>
+                      <a:prstDash val="solid"/>
+                      <a:round/>
+                      <a:headEnd type="none" w="med" len="med"/>
+                      <a:tailEnd type="none" w="med" len="med"/>
+                    </a:lnR>
+                    <a:lnT w="12700" cap="flat" cmpd="sng" algn="ctr">
+                      <a:solidFill>
+                        <a:schemeClr val="tx1"/>
+                      </a:solidFill>
+                      <a:prstDash val="solid"/>
+                      <a:round/>
+                      <a:headEnd type="none" w="med" len="med"/>
+                      <a:tailEnd type="none" w="med" len="med"/>
+                    </a:lnT>
+                    <a:lnB w="12700" cap="flat" cmpd="sng" algn="ctr">
+                      <a:solidFill>
+                        <a:schemeClr val="tx1"/>
+                      </a:solidFill>
+                      <a:prstDash val="solid"/>
+                      <a:round/>
+                      <a:headEnd type="none" w="med" len="med"/>
+                      <a:tailEnd type="none" w="med" len="med"/>
+                    </a:lnB>
+                    <a:solidFill>
+                      <a:schemeClr val="accent6">
+                        <a:lumMod val="60000"/>
+                        <a:lumOff val="40000"/>
+                      </a:schemeClr>
+                    </a:solidFill>
+                  </a:tcPr>
+                </a:tc>
+                <a:tc>
+                  <a:txBody>
+                    <a:bodyPr/>
+                    <a:lstStyle/>
+                    <a:p>
+                      <a:endParaRPr lang="zh-CN" altLang="en-US" dirty="0"/>
+                    </a:p>
+                  </a:txBody>
+                  <a:tcPr>
+                    <a:lnL w="12700" cap="flat" cmpd="sng" algn="ctr">
+                      <a:solidFill>
+                        <a:schemeClr val="tx1"/>
+                      </a:solidFill>
+                      <a:prstDash val="solid"/>
+                      <a:round/>
+                      <a:headEnd type="none" w="med" len="med"/>
+                      <a:tailEnd type="none" w="med" len="med"/>
+                    </a:lnL>
+                    <a:lnR w="12700" cap="flat" cmpd="sng" algn="ctr">
+                      <a:solidFill>
+                        <a:schemeClr val="tx1"/>
+                      </a:solidFill>
+                      <a:prstDash val="solid"/>
+                      <a:round/>
+                      <a:headEnd type="none" w="med" len="med"/>
+                      <a:tailEnd type="none" w="med" len="med"/>
+                    </a:lnR>
+                    <a:lnT w="12700" cap="flat" cmpd="sng" algn="ctr">
+                      <a:solidFill>
+                        <a:schemeClr val="tx1"/>
+                      </a:solidFill>
+                      <a:prstDash val="solid"/>
+                      <a:round/>
+                      <a:headEnd type="none" w="med" len="med"/>
+                      <a:tailEnd type="none" w="med" len="med"/>
+                    </a:lnT>
+                    <a:lnB w="12700" cap="flat" cmpd="sng" algn="ctr">
+                      <a:solidFill>
+                        <a:schemeClr val="tx1"/>
+                      </a:solidFill>
+                      <a:prstDash val="solid"/>
+                      <a:round/>
+                      <a:headEnd type="none" w="med" len="med"/>
+                      <a:tailEnd type="none" w="med" len="med"/>
+                    </a:lnB>
+                    <a:solidFill>
+                      <a:schemeClr val="accent6">
+                        <a:lumMod val="60000"/>
+                        <a:lumOff val="40000"/>
+                      </a:schemeClr>
+                    </a:solidFill>
+                  </a:tcPr>
+                </a:tc>
+                <a:tc>
+                  <a:txBody>
+                    <a:bodyPr/>
+                    <a:lstStyle/>
+                    <a:p>
+                      <a:endParaRPr lang="zh-CN" altLang="en-US" dirty="0"/>
+                    </a:p>
+                  </a:txBody>
+                  <a:tcPr>
+                    <a:lnL w="12700" cap="flat" cmpd="sng" algn="ctr">
+                      <a:solidFill>
+                        <a:schemeClr val="tx1"/>
+                      </a:solidFill>
+                      <a:prstDash val="solid"/>
+                      <a:round/>
+                      <a:headEnd type="none" w="med" len="med"/>
+                      <a:tailEnd type="none" w="med" len="med"/>
+                    </a:lnL>
+                    <a:lnR w="12700" cap="flat" cmpd="sng" algn="ctr">
+                      <a:solidFill>
+                        <a:schemeClr val="tx1"/>
+                      </a:solidFill>
+                      <a:prstDash val="solid"/>
+                      <a:round/>
+                      <a:headEnd type="none" w="med" len="med"/>
+                      <a:tailEnd type="none" w="med" len="med"/>
+                    </a:lnR>
+                    <a:lnT w="12700" cap="flat" cmpd="sng" algn="ctr">
+                      <a:solidFill>
+                        <a:schemeClr val="tx1"/>
+                      </a:solidFill>
+                      <a:prstDash val="solid"/>
+                      <a:round/>
+                      <a:headEnd type="none" w="med" len="med"/>
+                      <a:tailEnd type="none" w="med" len="med"/>
+                    </a:lnT>
+                    <a:lnB w="12700" cap="flat" cmpd="sng" algn="ctr">
+                      <a:solidFill>
+                        <a:schemeClr val="tx1"/>
+                      </a:solidFill>
+                      <a:prstDash val="solid"/>
+                      <a:round/>
+                      <a:headEnd type="none" w="med" len="med"/>
+                      <a:tailEnd type="none" w="med" len="med"/>
+                    </a:lnB>
+                    <a:solidFill>
+                      <a:schemeClr val="accent6">
+                        <a:lumMod val="60000"/>
+                        <a:lumOff val="40000"/>
+                      </a:schemeClr>
+                    </a:solidFill>
+                  </a:tcPr>
+                </a:tc>
+              </a:tr>
+              <a:tr h="348221">
+                <a:tc>
+                  <a:txBody>
+                    <a:bodyPr/>
+                    <a:lstStyle/>
+                    <a:p>
+                      <a:endParaRPr lang="zh-CN" altLang="en-US"/>
+                    </a:p>
+                  </a:txBody>
+                  <a:tcPr>
+                    <a:lnL w="12700" cap="flat" cmpd="sng" algn="ctr">
+                      <a:solidFill>
+                        <a:schemeClr val="tx1"/>
+                      </a:solidFill>
+                      <a:prstDash val="solid"/>
+                      <a:round/>
+                      <a:headEnd type="none" w="med" len="med"/>
+                      <a:tailEnd type="none" w="med" len="med"/>
+                    </a:lnL>
+                    <a:lnR w="12700" cap="flat" cmpd="sng" algn="ctr">
+                      <a:solidFill>
+                        <a:schemeClr val="tx1"/>
+                      </a:solidFill>
+                      <a:prstDash val="solid"/>
+                      <a:round/>
+                      <a:headEnd type="none" w="med" len="med"/>
+                      <a:tailEnd type="none" w="med" len="med"/>
+                    </a:lnR>
+                    <a:lnT w="12700" cap="flat" cmpd="sng" algn="ctr">
+                      <a:solidFill>
+                        <a:schemeClr val="tx1"/>
+                      </a:solidFill>
+                      <a:prstDash val="solid"/>
+                      <a:round/>
+                      <a:headEnd type="none" w="med" len="med"/>
+                      <a:tailEnd type="none" w="med" len="med"/>
+                    </a:lnT>
+                    <a:lnB w="12700" cap="flat" cmpd="sng" algn="ctr">
+                      <a:solidFill>
+                        <a:schemeClr val="tx1"/>
+                      </a:solidFill>
+                      <a:prstDash val="solid"/>
+                      <a:round/>
+                      <a:headEnd type="none" w="med" len="med"/>
+                      <a:tailEnd type="none" w="med" len="med"/>
+                    </a:lnB>
+                    <a:solidFill>
+                      <a:schemeClr val="accent6">
+                        <a:lumMod val="60000"/>
+                        <a:lumOff val="40000"/>
+                      </a:schemeClr>
+                    </a:solidFill>
+                  </a:tcPr>
+                </a:tc>
+                <a:tc>
+                  <a:txBody>
+                    <a:bodyPr/>
+                    <a:lstStyle/>
+                    <a:p>
+                      <a:endParaRPr lang="zh-CN" altLang="en-US"/>
+                    </a:p>
+                  </a:txBody>
+                  <a:tcPr>
+                    <a:lnL w="12700" cap="flat" cmpd="sng" algn="ctr">
+                      <a:solidFill>
+                        <a:schemeClr val="tx1"/>
+                      </a:solidFill>
+                      <a:prstDash val="solid"/>
+                      <a:round/>
+                      <a:headEnd type="none" w="med" len="med"/>
+                      <a:tailEnd type="none" w="med" len="med"/>
+                    </a:lnL>
+                    <a:lnR w="12700" cap="flat" cmpd="sng" algn="ctr">
+                      <a:solidFill>
+                        <a:schemeClr val="tx1"/>
+                      </a:solidFill>
+                      <a:prstDash val="solid"/>
+                      <a:round/>
+                      <a:headEnd type="none" w="med" len="med"/>
+                      <a:tailEnd type="none" w="med" len="med"/>
+                    </a:lnR>
+                    <a:lnT w="12700" cap="flat" cmpd="sng" algn="ctr">
+                      <a:solidFill>
+                        <a:schemeClr val="tx1"/>
+                      </a:solidFill>
+                      <a:prstDash val="solid"/>
+                      <a:round/>
+                      <a:headEnd type="none" w="med" len="med"/>
+                      <a:tailEnd type="none" w="med" len="med"/>
+                    </a:lnT>
+                    <a:lnB w="12700" cap="flat" cmpd="sng" algn="ctr">
+                      <a:solidFill>
+                        <a:schemeClr val="tx1"/>
+                      </a:solidFill>
+                      <a:prstDash val="solid"/>
+                      <a:round/>
+                      <a:headEnd type="none" w="med" len="med"/>
+                      <a:tailEnd type="none" w="med" len="med"/>
+                    </a:lnB>
+                    <a:solidFill>
+                      <a:schemeClr val="accent6">
+                        <a:lumMod val="60000"/>
+                        <a:lumOff val="40000"/>
+                      </a:schemeClr>
+                    </a:solidFill>
+                  </a:tcPr>
+                </a:tc>
+                <a:tc>
+                  <a:txBody>
+                    <a:bodyPr/>
+                    <a:lstStyle/>
+                    <a:p>
+                      <a:endParaRPr lang="zh-CN" altLang="en-US"/>
+                    </a:p>
+                  </a:txBody>
+                  <a:tcPr>
+                    <a:lnL w="12700" cap="flat" cmpd="sng" algn="ctr">
+                      <a:solidFill>
+                        <a:schemeClr val="tx1"/>
+                      </a:solidFill>
+                      <a:prstDash val="solid"/>
+                      <a:round/>
+                      <a:headEnd type="none" w="med" len="med"/>
+                      <a:tailEnd type="none" w="med" len="med"/>
+                    </a:lnL>
+                    <a:lnR w="12700" cap="flat" cmpd="sng" algn="ctr">
+                      <a:solidFill>
+                        <a:schemeClr val="tx1"/>
+                      </a:solidFill>
+                      <a:prstDash val="solid"/>
+                      <a:round/>
+                      <a:headEnd type="none" w="med" len="med"/>
+                      <a:tailEnd type="none" w="med" len="med"/>
+                    </a:lnR>
+                    <a:lnT w="12700" cap="flat" cmpd="sng" algn="ctr">
+                      <a:solidFill>
+                        <a:schemeClr val="tx1"/>
+                      </a:solidFill>
+                      <a:prstDash val="solid"/>
+                      <a:round/>
+                      <a:headEnd type="none" w="med" len="med"/>
+                      <a:tailEnd type="none" w="med" len="med"/>
+                    </a:lnT>
+                    <a:lnB w="12700" cap="flat" cmpd="sng" algn="ctr">
+                      <a:solidFill>
+                        <a:schemeClr val="tx1"/>
+                      </a:solidFill>
+                      <a:prstDash val="solid"/>
+                      <a:round/>
+                      <a:headEnd type="none" w="med" len="med"/>
+                      <a:tailEnd type="none" w="med" len="med"/>
+                    </a:lnB>
+                    <a:solidFill>
+                      <a:schemeClr val="accent6">
+                        <a:lumMod val="60000"/>
+                        <a:lumOff val="40000"/>
+                      </a:schemeClr>
+                    </a:solidFill>
+                  </a:tcPr>
+                </a:tc>
+                <a:tc>
+                  <a:txBody>
+                    <a:bodyPr/>
+                    <a:lstStyle/>
+                    <a:p>
+                      <a:endParaRPr lang="zh-CN" altLang="en-US" dirty="0"/>
+                    </a:p>
+                  </a:txBody>
+                  <a:tcPr>
+                    <a:lnL w="12700" cap="flat" cmpd="sng" algn="ctr">
+                      <a:solidFill>
+                        <a:schemeClr val="tx1"/>
+                      </a:solidFill>
+                      <a:prstDash val="solid"/>
+                      <a:round/>
+                      <a:headEnd type="none" w="med" len="med"/>
+                      <a:tailEnd type="none" w="med" len="med"/>
+                    </a:lnL>
+                    <a:lnR w="12700" cap="flat" cmpd="sng" algn="ctr">
+                      <a:solidFill>
+                        <a:schemeClr val="tx1"/>
+                      </a:solidFill>
+                      <a:prstDash val="solid"/>
+                      <a:round/>
+                      <a:headEnd type="none" w="med" len="med"/>
+                      <a:tailEnd type="none" w="med" len="med"/>
+                    </a:lnR>
+                    <a:lnT w="12700" cap="flat" cmpd="sng" algn="ctr">
+                      <a:solidFill>
+                        <a:schemeClr val="tx1"/>
+                      </a:solidFill>
+                      <a:prstDash val="solid"/>
+                      <a:round/>
+                      <a:headEnd type="none" w="med" len="med"/>
+                      <a:tailEnd type="none" w="med" len="med"/>
+                    </a:lnT>
+                    <a:lnB w="12700" cap="flat" cmpd="sng" algn="ctr">
+                      <a:solidFill>
+                        <a:schemeClr val="tx1"/>
+                      </a:solidFill>
+                      <a:prstDash val="solid"/>
+                      <a:round/>
+                      <a:headEnd type="none" w="med" len="med"/>
+                      <a:tailEnd type="none" w="med" len="med"/>
+                    </a:lnB>
+                    <a:solidFill>
+                      <a:schemeClr val="accent6">
+                        <a:lumMod val="60000"/>
+                        <a:lumOff val="40000"/>
+                      </a:schemeClr>
+                    </a:solidFill>
+                  </a:tcPr>
+                </a:tc>
+                <a:tc>
+                  <a:txBody>
+                    <a:bodyPr/>
+                    <a:lstStyle/>
+                    <a:p>
+                      <a:endParaRPr lang="zh-CN" altLang="en-US" dirty="0"/>
+                    </a:p>
+                  </a:txBody>
+                  <a:tcPr>
+                    <a:lnL w="12700" cap="flat" cmpd="sng" algn="ctr">
+                      <a:solidFill>
+                        <a:schemeClr val="tx1"/>
+                      </a:solidFill>
+                      <a:prstDash val="solid"/>
+                      <a:round/>
+                      <a:headEnd type="none" w="med" len="med"/>
+                      <a:tailEnd type="none" w="med" len="med"/>
+                    </a:lnL>
+                    <a:lnR w="12700" cap="flat" cmpd="sng" algn="ctr">
+                      <a:solidFill>
+                        <a:schemeClr val="tx1"/>
+                      </a:solidFill>
+                      <a:prstDash val="solid"/>
+                      <a:round/>
+                      <a:headEnd type="none" w="med" len="med"/>
+                      <a:tailEnd type="none" w="med" len="med"/>
+                    </a:lnR>
+                    <a:lnT w="12700" cap="flat" cmpd="sng" algn="ctr">
+                      <a:solidFill>
+                        <a:schemeClr val="tx1"/>
+                      </a:solidFill>
+                      <a:prstDash val="solid"/>
+                      <a:round/>
+                      <a:headEnd type="none" w="med" len="med"/>
+                      <a:tailEnd type="none" w="med" len="med"/>
+                    </a:lnT>
+                    <a:lnB w="12700" cap="flat" cmpd="sng" algn="ctr">
+                      <a:solidFill>
+                        <a:schemeClr val="tx1"/>
+                      </a:solidFill>
+                      <a:prstDash val="solid"/>
+                      <a:round/>
+                      <a:headEnd type="none" w="med" len="med"/>
+                      <a:tailEnd type="none" w="med" len="med"/>
+                    </a:lnB>
+                    <a:solidFill>
+                      <a:schemeClr val="accent6">
+                        <a:lumMod val="60000"/>
+                        <a:lumOff val="40000"/>
+                      </a:schemeClr>
+                    </a:solidFill>
+                  </a:tcPr>
+                </a:tc>
+              </a:tr>
+              <a:tr h="348221">
+                <a:tc>
+                  <a:txBody>
+                    <a:bodyPr/>
+                    <a:lstStyle/>
+                    <a:p>
+                      <a:endParaRPr lang="zh-CN" altLang="en-US"/>
+                    </a:p>
+                  </a:txBody>
+                  <a:tcPr>
+                    <a:lnL w="12700" cap="flat" cmpd="sng" algn="ctr">
+                      <a:solidFill>
+                        <a:schemeClr val="tx1"/>
+                      </a:solidFill>
+                      <a:prstDash val="solid"/>
+                      <a:round/>
+                      <a:headEnd type="none" w="med" len="med"/>
+                      <a:tailEnd type="none" w="med" len="med"/>
+                    </a:lnL>
+                    <a:lnR w="12700" cap="flat" cmpd="sng" algn="ctr">
+                      <a:solidFill>
+                        <a:schemeClr val="tx1"/>
+                      </a:solidFill>
+                      <a:prstDash val="solid"/>
+                      <a:round/>
+                      <a:headEnd type="none" w="med" len="med"/>
+                      <a:tailEnd type="none" w="med" len="med"/>
+                    </a:lnR>
+                    <a:lnT w="12700" cap="flat" cmpd="sng" algn="ctr">
+                      <a:solidFill>
+                        <a:schemeClr val="tx1"/>
+                      </a:solidFill>
+                      <a:prstDash val="solid"/>
+                      <a:round/>
+                      <a:headEnd type="none" w="med" len="med"/>
+                      <a:tailEnd type="none" w="med" len="med"/>
+                    </a:lnT>
+                    <a:lnB w="12700" cap="flat" cmpd="sng" algn="ctr">
+                      <a:solidFill>
+                        <a:schemeClr val="tx1"/>
+                      </a:solidFill>
+                      <a:prstDash val="solid"/>
+                      <a:round/>
+                      <a:headEnd type="none" w="med" len="med"/>
+                      <a:tailEnd type="none" w="med" len="med"/>
+                    </a:lnB>
+                    <a:solidFill>
+                      <a:schemeClr val="accent6">
+                        <a:lumMod val="60000"/>
+                        <a:lumOff val="40000"/>
+                      </a:schemeClr>
+                    </a:solidFill>
+                  </a:tcPr>
+                </a:tc>
+                <a:tc>
+                  <a:txBody>
+                    <a:bodyPr/>
+                    <a:lstStyle/>
+                    <a:p>
+                      <a:endParaRPr lang="zh-CN" altLang="en-US"/>
+                    </a:p>
+                  </a:txBody>
+                  <a:tcPr>
+                    <a:lnL w="12700" cap="flat" cmpd="sng" algn="ctr">
+                      <a:solidFill>
+                        <a:schemeClr val="tx1"/>
+                      </a:solidFill>
+                      <a:prstDash val="solid"/>
+                      <a:round/>
+                      <a:headEnd type="none" w="med" len="med"/>
+                      <a:tailEnd type="none" w="med" len="med"/>
+                    </a:lnL>
+                    <a:lnR w="12700" cap="flat" cmpd="sng" algn="ctr">
+                      <a:solidFill>
+                        <a:schemeClr val="tx1"/>
+                      </a:solidFill>
+                      <a:prstDash val="solid"/>
+                      <a:round/>
+                      <a:headEnd type="none" w="med" len="med"/>
+                      <a:tailEnd type="none" w="med" len="med"/>
+                    </a:lnR>
+                    <a:lnT w="12700" cap="flat" cmpd="sng" algn="ctr">
+                      <a:solidFill>
+                        <a:schemeClr val="tx1"/>
+                      </a:solidFill>
+                      <a:prstDash val="solid"/>
+                      <a:round/>
+                      <a:headEnd type="none" w="med" len="med"/>
+                      <a:tailEnd type="none" w="med" len="med"/>
+                    </a:lnT>
+                    <a:lnB w="12700" cap="flat" cmpd="sng" algn="ctr">
+                      <a:solidFill>
+                        <a:schemeClr val="tx1"/>
+                      </a:solidFill>
+                      <a:prstDash val="solid"/>
+                      <a:round/>
+                      <a:headEnd type="none" w="med" len="med"/>
+                      <a:tailEnd type="none" w="med" len="med"/>
+                    </a:lnB>
+                    <a:solidFill>
+                      <a:schemeClr val="accent6">
+                        <a:lumMod val="60000"/>
+                        <a:lumOff val="40000"/>
+                      </a:schemeClr>
+                    </a:solidFill>
+                  </a:tcPr>
+                </a:tc>
+                <a:tc>
+                  <a:txBody>
+                    <a:bodyPr/>
+                    <a:lstStyle/>
+                    <a:p>
+                      <a:endParaRPr lang="zh-CN" altLang="en-US"/>
+                    </a:p>
+                  </a:txBody>
+                  <a:tcPr>
+                    <a:lnL w="12700" cap="flat" cmpd="sng" algn="ctr">
+                      <a:solidFill>
+                        <a:schemeClr val="tx1"/>
+                      </a:solidFill>
+                      <a:prstDash val="solid"/>
+                      <a:round/>
+                      <a:headEnd type="none" w="med" len="med"/>
+                      <a:tailEnd type="none" w="med" len="med"/>
+                    </a:lnL>
+                    <a:lnR w="12700" cap="flat" cmpd="sng" algn="ctr">
+                      <a:solidFill>
+                        <a:schemeClr val="tx1"/>
+                      </a:solidFill>
+                      <a:prstDash val="solid"/>
+                      <a:round/>
+                      <a:headEnd type="none" w="med" len="med"/>
+                      <a:tailEnd type="none" w="med" len="med"/>
+                    </a:lnR>
+                    <a:lnT w="12700" cap="flat" cmpd="sng" algn="ctr">
+                      <a:solidFill>
+                        <a:schemeClr val="tx1"/>
+                      </a:solidFill>
+                      <a:prstDash val="solid"/>
+                      <a:round/>
+                      <a:headEnd type="none" w="med" len="med"/>
+                      <a:tailEnd type="none" w="med" len="med"/>
+                    </a:lnT>
+                    <a:lnB w="12700" cap="flat" cmpd="sng" algn="ctr">
+                      <a:solidFill>
+                        <a:schemeClr val="tx1"/>
+                      </a:solidFill>
+                      <a:prstDash val="solid"/>
+                      <a:round/>
+                      <a:headEnd type="none" w="med" len="med"/>
+                      <a:tailEnd type="none" w="med" len="med"/>
+                    </a:lnB>
+                    <a:solidFill>
+                      <a:schemeClr val="accent6">
+                        <a:lumMod val="60000"/>
+                        <a:lumOff val="40000"/>
+                      </a:schemeClr>
+                    </a:solidFill>
+                  </a:tcPr>
+                </a:tc>
+                <a:tc>
+                  <a:txBody>
+                    <a:bodyPr/>
+                    <a:lstStyle/>
+                    <a:p>
+                      <a:endParaRPr lang="zh-CN" altLang="en-US" dirty="0"/>
+                    </a:p>
+                  </a:txBody>
+                  <a:tcPr>
+                    <a:lnL w="12700" cap="flat" cmpd="sng" algn="ctr">
+                      <a:solidFill>
+                        <a:schemeClr val="tx1"/>
+                      </a:solidFill>
+                      <a:prstDash val="solid"/>
+                      <a:round/>
+                      <a:headEnd type="none" w="med" len="med"/>
+                      <a:tailEnd type="none" w="med" len="med"/>
+                    </a:lnL>
+                    <a:lnR w="12700" cap="flat" cmpd="sng" algn="ctr">
+                      <a:solidFill>
+                        <a:schemeClr val="tx1"/>
+                      </a:solidFill>
+                      <a:prstDash val="solid"/>
+                      <a:round/>
+                      <a:headEnd type="none" w="med" len="med"/>
+                      <a:tailEnd type="none" w="med" len="med"/>
+                    </a:lnR>
+                    <a:lnT w="12700" cap="flat" cmpd="sng" algn="ctr">
+                      <a:solidFill>
+                        <a:schemeClr val="tx1"/>
+                      </a:solidFill>
+                      <a:prstDash val="solid"/>
+                      <a:round/>
+                      <a:headEnd type="none" w="med" len="med"/>
+                      <a:tailEnd type="none" w="med" len="med"/>
+                    </a:lnT>
+                    <a:lnB w="12700" cap="flat" cmpd="sng" algn="ctr">
+                      <a:solidFill>
+                        <a:schemeClr val="tx1"/>
+                      </a:solidFill>
+                      <a:prstDash val="solid"/>
+                      <a:round/>
+                      <a:headEnd type="none" w="med" len="med"/>
+                      <a:tailEnd type="none" w="med" len="med"/>
+                    </a:lnB>
+                    <a:solidFill>
+                      <a:schemeClr val="accent6">
+                        <a:lumMod val="60000"/>
+                        <a:lumOff val="40000"/>
+                      </a:schemeClr>
+                    </a:solidFill>
+                  </a:tcPr>
+                </a:tc>
+                <a:tc>
+                  <a:txBody>
+                    <a:bodyPr/>
+                    <a:lstStyle/>
+                    <a:p>
+                      <a:endParaRPr lang="zh-CN" altLang="en-US" dirty="0"/>
+                    </a:p>
+                  </a:txBody>
+                  <a:tcPr>
+                    <a:lnL w="12700" cap="flat" cmpd="sng" algn="ctr">
+                      <a:solidFill>
+                        <a:schemeClr val="tx1"/>
+                      </a:solidFill>
+                      <a:prstDash val="solid"/>
+                      <a:round/>
+                      <a:headEnd type="none" w="med" len="med"/>
+                      <a:tailEnd type="none" w="med" len="med"/>
+                    </a:lnL>
+                    <a:lnR w="12700" cap="flat" cmpd="sng" algn="ctr">
+                      <a:solidFill>
+                        <a:schemeClr val="tx1"/>
+                      </a:solidFill>
+                      <a:prstDash val="solid"/>
+                      <a:round/>
+                      <a:headEnd type="none" w="med" len="med"/>
+                      <a:tailEnd type="none" w="med" len="med"/>
+                    </a:lnR>
+                    <a:lnT w="12700" cap="flat" cmpd="sng" algn="ctr">
+                      <a:solidFill>
+                        <a:schemeClr val="tx1"/>
+                      </a:solidFill>
+                      <a:prstDash val="solid"/>
+                      <a:round/>
+                      <a:headEnd type="none" w="med" len="med"/>
+                      <a:tailEnd type="none" w="med" len="med"/>
+                    </a:lnT>
+                    <a:lnB w="12700" cap="flat" cmpd="sng" algn="ctr">
+                      <a:solidFill>
+                        <a:schemeClr val="tx1"/>
+                      </a:solidFill>
+                      <a:prstDash val="solid"/>
+                      <a:round/>
+                      <a:headEnd type="none" w="med" len="med"/>
+                      <a:tailEnd type="none" w="med" len="med"/>
+                    </a:lnB>
+                    <a:solidFill>
+                      <a:schemeClr val="accent6">
+                        <a:lumMod val="60000"/>
+                        <a:lumOff val="40000"/>
+                      </a:schemeClr>
+                    </a:solidFill>
+                  </a:tcPr>
+                </a:tc>
+              </a:tr>
+              <a:tr h="348221">
+                <a:tc>
+                  <a:txBody>
+                    <a:bodyPr/>
+                    <a:lstStyle/>
+                    <a:p>
+                      <a:endParaRPr lang="zh-CN" altLang="en-US"/>
+                    </a:p>
+                  </a:txBody>
+                  <a:tcPr>
+                    <a:lnL w="12700" cap="flat" cmpd="sng" algn="ctr">
+                      <a:solidFill>
+                        <a:schemeClr val="tx1"/>
+                      </a:solidFill>
+                      <a:prstDash val="solid"/>
+                      <a:round/>
+                      <a:headEnd type="none" w="med" len="med"/>
+                      <a:tailEnd type="none" w="med" len="med"/>
+                    </a:lnL>
+                    <a:lnR w="12700" cap="flat" cmpd="sng" algn="ctr">
+                      <a:solidFill>
+                        <a:schemeClr val="tx1"/>
+                      </a:solidFill>
+                      <a:prstDash val="solid"/>
+                      <a:round/>
+                      <a:headEnd type="none" w="med" len="med"/>
+                      <a:tailEnd type="none" w="med" len="med"/>
+                    </a:lnR>
+                    <a:lnT w="12700" cap="flat" cmpd="sng" algn="ctr">
+                      <a:solidFill>
+                        <a:schemeClr val="tx1"/>
+                      </a:solidFill>
+                      <a:prstDash val="solid"/>
+                      <a:round/>
+                      <a:headEnd type="none" w="med" len="med"/>
+                      <a:tailEnd type="none" w="med" len="med"/>
+                    </a:lnT>
+                    <a:lnB w="12700" cap="flat" cmpd="sng" algn="ctr">
+                      <a:solidFill>
+                        <a:schemeClr val="tx1"/>
+                      </a:solidFill>
+                      <a:prstDash val="solid"/>
+                      <a:round/>
+                      <a:headEnd type="none" w="med" len="med"/>
+                      <a:tailEnd type="none" w="med" len="med"/>
+                    </a:lnB>
+                    <a:solidFill>
+                      <a:schemeClr val="accent6">
+                        <a:lumMod val="60000"/>
+                        <a:lumOff val="40000"/>
+                      </a:schemeClr>
+                    </a:solidFill>
+                  </a:tcPr>
+                </a:tc>
+                <a:tc>
+                  <a:txBody>
+                    <a:bodyPr/>
+                    <a:lstStyle/>
+                    <a:p>
+                      <a:endParaRPr lang="zh-CN" altLang="en-US"/>
+                    </a:p>
+                  </a:txBody>
+                  <a:tcPr>
+                    <a:lnL w="12700" cap="flat" cmpd="sng" algn="ctr">
+                      <a:solidFill>
+                        <a:schemeClr val="tx1"/>
+                      </a:solidFill>
+                      <a:prstDash val="solid"/>
+                      <a:round/>
+                      <a:headEnd type="none" w="med" len="med"/>
+                      <a:tailEnd type="none" w="med" len="med"/>
+                    </a:lnL>
+                    <a:lnR w="12700" cap="flat" cmpd="sng" algn="ctr">
+                      <a:solidFill>
+                        <a:schemeClr val="tx1"/>
+                      </a:solidFill>
+                      <a:prstDash val="solid"/>
+                      <a:round/>
+                      <a:headEnd type="none" w="med" len="med"/>
+                      <a:tailEnd type="none" w="med" len="med"/>
+                    </a:lnR>
+                    <a:lnT w="12700" cap="flat" cmpd="sng" algn="ctr">
+                      <a:solidFill>
+                        <a:schemeClr val="tx1"/>
+                      </a:solidFill>
+                      <a:prstDash val="solid"/>
+                      <a:round/>
+                      <a:headEnd type="none" w="med" len="med"/>
+                      <a:tailEnd type="none" w="med" len="med"/>
+                    </a:lnT>
+                    <a:lnB w="12700" cap="flat" cmpd="sng" algn="ctr">
+                      <a:solidFill>
+                        <a:schemeClr val="tx1"/>
+                      </a:solidFill>
+                      <a:prstDash val="solid"/>
+                      <a:round/>
+                      <a:headEnd type="none" w="med" len="med"/>
+                      <a:tailEnd type="none" w="med" len="med"/>
+                    </a:lnB>
+                    <a:solidFill>
+                      <a:schemeClr val="accent6">
+                        <a:lumMod val="60000"/>
+                        <a:lumOff val="40000"/>
+                      </a:schemeClr>
+                    </a:solidFill>
+                  </a:tcPr>
+                </a:tc>
+                <a:tc>
+                  <a:txBody>
+                    <a:bodyPr/>
+                    <a:lstStyle/>
+                    <a:p>
+                      <a:endParaRPr lang="zh-CN" altLang="en-US"/>
+                    </a:p>
+                  </a:txBody>
+                  <a:tcPr>
+                    <a:lnL w="12700" cap="flat" cmpd="sng" algn="ctr">
+                      <a:solidFill>
+                        <a:schemeClr val="tx1"/>
+                      </a:solidFill>
+                      <a:prstDash val="solid"/>
+                      <a:round/>
+                      <a:headEnd type="none" w="med" len="med"/>
+                      <a:tailEnd type="none" w="med" len="med"/>
+                    </a:lnL>
+                    <a:lnR w="12700" cap="flat" cmpd="sng" algn="ctr">
+                      <a:solidFill>
+                        <a:schemeClr val="tx1"/>
+                      </a:solidFill>
+                      <a:prstDash val="solid"/>
+                      <a:round/>
+                      <a:headEnd type="none" w="med" len="med"/>
+                      <a:tailEnd type="none" w="med" len="med"/>
+                    </a:lnR>
+                    <a:lnT w="12700" cap="flat" cmpd="sng" algn="ctr">
+                      <a:solidFill>
+                        <a:schemeClr val="tx1"/>
+                      </a:solidFill>
+                      <a:prstDash val="solid"/>
+                      <a:round/>
+                      <a:headEnd type="none" w="med" len="med"/>
+                      <a:tailEnd type="none" w="med" len="med"/>
+                    </a:lnT>
+                    <a:lnB w="12700" cap="flat" cmpd="sng" algn="ctr">
+                      <a:solidFill>
+                        <a:schemeClr val="tx1"/>
+                      </a:solidFill>
+                      <a:prstDash val="solid"/>
+                      <a:round/>
+                      <a:headEnd type="none" w="med" len="med"/>
+                      <a:tailEnd type="none" w="med" len="med"/>
+                    </a:lnB>
+                    <a:solidFill>
+                      <a:schemeClr val="accent6">
+                        <a:lumMod val="60000"/>
+                        <a:lumOff val="40000"/>
+                      </a:schemeClr>
+                    </a:solidFill>
+                  </a:tcPr>
+                </a:tc>
+                <a:tc>
+                  <a:txBody>
+                    <a:bodyPr/>
+                    <a:lstStyle/>
+                    <a:p>
+                      <a:endParaRPr lang="zh-CN" altLang="en-US" dirty="0"/>
+                    </a:p>
+                  </a:txBody>
+                  <a:tcPr>
+                    <a:lnL w="12700" cap="flat" cmpd="sng" algn="ctr">
+                      <a:solidFill>
+                        <a:schemeClr val="tx1"/>
+                      </a:solidFill>
+                      <a:prstDash val="solid"/>
+                      <a:round/>
+                      <a:headEnd type="none" w="med" len="med"/>
+                      <a:tailEnd type="none" w="med" len="med"/>
+                    </a:lnL>
+                    <a:lnR w="12700" cap="flat" cmpd="sng" algn="ctr">
+                      <a:solidFill>
+                        <a:schemeClr val="tx1"/>
+                      </a:solidFill>
+                      <a:prstDash val="solid"/>
+                      <a:round/>
+                      <a:headEnd type="none" w="med" len="med"/>
+                      <a:tailEnd type="none" w="med" len="med"/>
+                    </a:lnR>
+                    <a:lnT w="12700" cap="flat" cmpd="sng" algn="ctr">
+                      <a:solidFill>
+                        <a:schemeClr val="tx1"/>
+                      </a:solidFill>
+                      <a:prstDash val="solid"/>
+                      <a:round/>
+                      <a:headEnd type="none" w="med" len="med"/>
+                      <a:tailEnd type="none" w="med" len="med"/>
+                    </a:lnT>
+                    <a:lnB w="12700" cap="flat" cmpd="sng" algn="ctr">
+                      <a:solidFill>
+                        <a:schemeClr val="tx1"/>
+                      </a:solidFill>
+                      <a:prstDash val="solid"/>
+                      <a:round/>
+                      <a:headEnd type="none" w="med" len="med"/>
+                      <a:tailEnd type="none" w="med" len="med"/>
+                    </a:lnB>
+                    <a:solidFill>
+                      <a:schemeClr val="accent6">
+                        <a:lumMod val="60000"/>
+                        <a:lumOff val="40000"/>
+                      </a:schemeClr>
+                    </a:solidFill>
+                  </a:tcPr>
+                </a:tc>
+                <a:tc>
+                  <a:txBody>
+                    <a:bodyPr/>
+                    <a:lstStyle/>
+                    <a:p>
+                      <a:endParaRPr lang="zh-CN" altLang="en-US" dirty="0"/>
+                    </a:p>
+                  </a:txBody>
+                  <a:tcPr>
+                    <a:lnL w="12700" cap="flat" cmpd="sng" algn="ctr">
+                      <a:solidFill>
+                        <a:schemeClr val="tx1"/>
+                      </a:solidFill>
+                      <a:prstDash val="solid"/>
+                      <a:round/>
+                      <a:headEnd type="none" w="med" len="med"/>
+                      <a:tailEnd type="none" w="med" len="med"/>
+                    </a:lnL>
+                    <a:lnR w="12700" cap="flat" cmpd="sng" algn="ctr">
+                      <a:solidFill>
+                        <a:schemeClr val="tx1"/>
+                      </a:solidFill>
+                      <a:prstDash val="solid"/>
+                      <a:round/>
+                      <a:headEnd type="none" w="med" len="med"/>
+                      <a:tailEnd type="none" w="med" len="med"/>
+                    </a:lnR>
+                    <a:lnT w="12700" cap="flat" cmpd="sng" algn="ctr">
+                      <a:solidFill>
+                        <a:schemeClr val="tx1"/>
+                      </a:solidFill>
+                      <a:prstDash val="solid"/>
+                      <a:round/>
+                      <a:headEnd type="none" w="med" len="med"/>
+                      <a:tailEnd type="none" w="med" len="med"/>
+                    </a:lnT>
+                    <a:lnB w="12700" cap="flat" cmpd="sng" algn="ctr">
+                      <a:solidFill>
+                        <a:schemeClr val="tx1"/>
+                      </a:solidFill>
+                      <a:prstDash val="solid"/>
+                      <a:round/>
+                      <a:headEnd type="none" w="med" len="med"/>
+                      <a:tailEnd type="none" w="med" len="med"/>
+                    </a:lnB>
+                    <a:solidFill>
+                      <a:schemeClr val="accent6">
+                        <a:lumMod val="60000"/>
+                        <a:lumOff val="40000"/>
+                      </a:schemeClr>
+                    </a:solidFill>
+                  </a:tcPr>
+                </a:tc>
+              </a:tr>
+            </a:tbl>
+          </a:graphicData>
+        </a:graphic>
+      </p:graphicFrame>
+      <p:graphicFrame>
+        <p:nvGraphicFramePr>
+          <p:cNvPr id="27" name="表格 26"/>
+          <p:cNvGraphicFramePr>
+            <a:graphicFrameLocks noGrp="1"/>
+          </p:cNvGraphicFramePr>
+          <p:nvPr>
+            <p:extLst>
+              <p:ext uri="{D42A27DB-BD31-4B8C-83A1-F6EECF244321}">
+                <p14:modId xmlns:p14="http://schemas.microsoft.com/office/powerpoint/2010/main" val="1766269799"/>
+              </p:ext>
+            </p:extLst>
+          </p:nvPr>
+        </p:nvGraphicFramePr>
+        <p:xfrm>
+          <a:off x="7971142" y="3545437"/>
+          <a:ext cx="1511595" cy="1463040"/>
+        </p:xfrm>
+        <a:graphic>
+          <a:graphicData uri="http://schemas.openxmlformats.org/drawingml/2006/table">
+            <a:tbl>
+              <a:tblPr firstRow="1" bandRow="1">
+                <a:tableStyleId>{5C22544A-7EE6-4342-B048-85BDC9FD1C3A}</a:tableStyleId>
+              </a:tblPr>
+              <a:tblGrid>
+                <a:gridCol w="302319"/>
+                <a:gridCol w="302319"/>
+                <a:gridCol w="302319"/>
+                <a:gridCol w="302319"/>
+                <a:gridCol w="302319"/>
+              </a:tblGrid>
+              <a:tr h="348221">
+                <a:tc>
+                  <a:txBody>
+                    <a:bodyPr/>
+                    <a:lstStyle/>
+                    <a:p>
+                      <a:endParaRPr lang="zh-CN" altLang="en-US" dirty="0"/>
+                    </a:p>
+                  </a:txBody>
+                  <a:tcPr>
+                    <a:lnL w="12700" cap="flat" cmpd="sng" algn="ctr">
+                      <a:solidFill>
+                        <a:schemeClr val="tx1"/>
+                      </a:solidFill>
+                      <a:prstDash val="solid"/>
+                      <a:round/>
+                      <a:headEnd type="none" w="med" len="med"/>
+                      <a:tailEnd type="none" w="med" len="med"/>
+                    </a:lnL>
+                    <a:lnR w="12700" cap="flat" cmpd="sng" algn="ctr">
+                      <a:solidFill>
+                        <a:schemeClr val="tx1"/>
+                      </a:solidFill>
+                      <a:prstDash val="solid"/>
+                      <a:round/>
+                      <a:headEnd type="none" w="med" len="med"/>
+                      <a:tailEnd type="none" w="med" len="med"/>
+                    </a:lnR>
+                    <a:lnT w="12700" cap="flat" cmpd="sng" algn="ctr">
+                      <a:solidFill>
+                        <a:schemeClr val="tx1"/>
+                      </a:solidFill>
+                      <a:prstDash val="solid"/>
+                      <a:round/>
+                      <a:headEnd type="none" w="med" len="med"/>
+                      <a:tailEnd type="none" w="med" len="med"/>
+                    </a:lnT>
+                    <a:lnB w="12700" cap="flat" cmpd="sng" algn="ctr">
+                      <a:solidFill>
+                        <a:schemeClr val="tx1"/>
+                      </a:solidFill>
+                      <a:prstDash val="solid"/>
+                      <a:round/>
+                      <a:headEnd type="none" w="med" len="med"/>
+                      <a:tailEnd type="none" w="med" len="med"/>
+                    </a:lnB>
+                    <a:solidFill>
+                      <a:schemeClr val="accent6">
+                        <a:lumMod val="60000"/>
+                        <a:lumOff val="40000"/>
+                      </a:schemeClr>
+                    </a:solidFill>
+                  </a:tcPr>
+                </a:tc>
+                <a:tc>
+                  <a:txBody>
+                    <a:bodyPr/>
+                    <a:lstStyle/>
+                    <a:p>
+                      <a:endParaRPr lang="zh-CN" altLang="en-US"/>
+                    </a:p>
+                  </a:txBody>
+                  <a:tcPr>
+                    <a:lnL w="12700" cap="flat" cmpd="sng" algn="ctr">
+                      <a:solidFill>
+                        <a:schemeClr val="tx1"/>
+                      </a:solidFill>
+                      <a:prstDash val="solid"/>
+                      <a:round/>
+                      <a:headEnd type="none" w="med" len="med"/>
+                      <a:tailEnd type="none" w="med" len="med"/>
+                    </a:lnL>
+                    <a:lnR w="12700" cap="flat" cmpd="sng" algn="ctr">
+                      <a:solidFill>
+                        <a:schemeClr val="tx1"/>
+                      </a:solidFill>
+                      <a:prstDash val="solid"/>
+                      <a:round/>
+                      <a:headEnd type="none" w="med" len="med"/>
+                      <a:tailEnd type="none" w="med" len="med"/>
+                    </a:lnR>
+                    <a:lnT w="12700" cap="flat" cmpd="sng" algn="ctr">
+                      <a:solidFill>
+                        <a:schemeClr val="tx1"/>
+                      </a:solidFill>
+                      <a:prstDash val="solid"/>
+                      <a:round/>
+                      <a:headEnd type="none" w="med" len="med"/>
+                      <a:tailEnd type="none" w="med" len="med"/>
+                    </a:lnT>
+                    <a:lnB w="12700" cap="flat" cmpd="sng" algn="ctr">
+                      <a:solidFill>
+                        <a:schemeClr val="tx1"/>
+                      </a:solidFill>
+                      <a:prstDash val="solid"/>
+                      <a:round/>
+                      <a:headEnd type="none" w="med" len="med"/>
+                      <a:tailEnd type="none" w="med" len="med"/>
+                    </a:lnB>
+                    <a:solidFill>
+                      <a:schemeClr val="accent6">
+                        <a:lumMod val="60000"/>
+                        <a:lumOff val="40000"/>
+                      </a:schemeClr>
+                    </a:solidFill>
+                  </a:tcPr>
+                </a:tc>
+                <a:tc>
+                  <a:txBody>
+                    <a:bodyPr/>
+                    <a:lstStyle/>
+                    <a:p>
+                      <a:endParaRPr lang="zh-CN" altLang="en-US" dirty="0"/>
+                    </a:p>
+                  </a:txBody>
+                  <a:tcPr>
+                    <a:lnL w="12700" cap="flat" cmpd="sng" algn="ctr">
+                      <a:solidFill>
+                        <a:schemeClr val="tx1"/>
+                      </a:solidFill>
+                      <a:prstDash val="solid"/>
+                      <a:round/>
+                      <a:headEnd type="none" w="med" len="med"/>
+                      <a:tailEnd type="none" w="med" len="med"/>
+                    </a:lnL>
+                    <a:lnR w="12700" cap="flat" cmpd="sng" algn="ctr">
+                      <a:solidFill>
+                        <a:schemeClr val="tx1"/>
+                      </a:solidFill>
+                      <a:prstDash val="solid"/>
+                      <a:round/>
+                      <a:headEnd type="none" w="med" len="med"/>
+                      <a:tailEnd type="none" w="med" len="med"/>
+                    </a:lnR>
+                    <a:lnT w="12700" cap="flat" cmpd="sng" algn="ctr">
+                      <a:solidFill>
+                        <a:schemeClr val="tx1"/>
+                      </a:solidFill>
+                      <a:prstDash val="solid"/>
+                      <a:round/>
+                      <a:headEnd type="none" w="med" len="med"/>
+                      <a:tailEnd type="none" w="med" len="med"/>
+                    </a:lnT>
+                    <a:lnB w="12700" cap="flat" cmpd="sng" algn="ctr">
+                      <a:solidFill>
+                        <a:schemeClr val="tx1"/>
+                      </a:solidFill>
+                      <a:prstDash val="solid"/>
+                      <a:round/>
+                      <a:headEnd type="none" w="med" len="med"/>
+                      <a:tailEnd type="none" w="med" len="med"/>
+                    </a:lnB>
+                    <a:solidFill>
+                      <a:schemeClr val="accent6">
+                        <a:lumMod val="60000"/>
+                        <a:lumOff val="40000"/>
+                      </a:schemeClr>
+                    </a:solidFill>
+                  </a:tcPr>
+                </a:tc>
+                <a:tc>
+                  <a:txBody>
+                    <a:bodyPr/>
+                    <a:lstStyle/>
+                    <a:p>
+                      <a:endParaRPr lang="zh-CN" altLang="en-US" dirty="0"/>
+                    </a:p>
+                  </a:txBody>
+                  <a:tcPr>
+                    <a:lnL w="12700" cap="flat" cmpd="sng" algn="ctr">
+                      <a:solidFill>
+                        <a:schemeClr val="tx1"/>
+                      </a:solidFill>
+                      <a:prstDash val="solid"/>
+                      <a:round/>
+                      <a:headEnd type="none" w="med" len="med"/>
+                      <a:tailEnd type="none" w="med" len="med"/>
+                    </a:lnL>
+                    <a:lnR w="12700" cap="flat" cmpd="sng" algn="ctr">
+                      <a:solidFill>
+                        <a:schemeClr val="tx1"/>
+                      </a:solidFill>
+                      <a:prstDash val="solid"/>
+                      <a:round/>
+                      <a:headEnd type="none" w="med" len="med"/>
+                      <a:tailEnd type="none" w="med" len="med"/>
+                    </a:lnR>
+                    <a:lnT w="12700" cap="flat" cmpd="sng" algn="ctr">
+                      <a:solidFill>
+                        <a:schemeClr val="tx1"/>
+                      </a:solidFill>
+                      <a:prstDash val="solid"/>
+                      <a:round/>
+                      <a:headEnd type="none" w="med" len="med"/>
+                      <a:tailEnd type="none" w="med" len="med"/>
+                    </a:lnT>
+                    <a:lnB w="12700" cap="flat" cmpd="sng" algn="ctr">
+                      <a:solidFill>
+                        <a:schemeClr val="tx1"/>
+                      </a:solidFill>
+                      <a:prstDash val="solid"/>
+                      <a:round/>
+                      <a:headEnd type="none" w="med" len="med"/>
+                      <a:tailEnd type="none" w="med" len="med"/>
+                    </a:lnB>
+                    <a:solidFill>
+                      <a:schemeClr val="accent6">
+                        <a:lumMod val="60000"/>
+                        <a:lumOff val="40000"/>
+                      </a:schemeClr>
+                    </a:solidFill>
+                  </a:tcPr>
+                </a:tc>
+                <a:tc>
+                  <a:txBody>
+                    <a:bodyPr/>
+                    <a:lstStyle/>
+                    <a:p>
+                      <a:endParaRPr lang="zh-CN" altLang="en-US" dirty="0"/>
+                    </a:p>
+                  </a:txBody>
+                  <a:tcPr>
+                    <a:lnL w="12700" cap="flat" cmpd="sng" algn="ctr">
+                      <a:solidFill>
+                        <a:schemeClr val="tx1"/>
+                      </a:solidFill>
+                      <a:prstDash val="solid"/>
+                      <a:round/>
+                      <a:headEnd type="none" w="med" len="med"/>
+                      <a:tailEnd type="none" w="med" len="med"/>
+                    </a:lnL>
+                    <a:lnR w="12700" cap="flat" cmpd="sng" algn="ctr">
+                      <a:solidFill>
+                        <a:schemeClr val="tx1"/>
+                      </a:solidFill>
+                      <a:prstDash val="solid"/>
+                      <a:round/>
+                      <a:headEnd type="none" w="med" len="med"/>
+                      <a:tailEnd type="none" w="med" len="med"/>
+                    </a:lnR>
+                    <a:lnT w="12700" cap="flat" cmpd="sng" algn="ctr">
+                      <a:solidFill>
+                        <a:schemeClr val="tx1"/>
+                      </a:solidFill>
+                      <a:prstDash val="solid"/>
+                      <a:round/>
+                      <a:headEnd type="none" w="med" len="med"/>
+                      <a:tailEnd type="none" w="med" len="med"/>
+                    </a:lnT>
+                    <a:lnB w="12700" cap="flat" cmpd="sng" algn="ctr">
+                      <a:solidFill>
+                        <a:schemeClr val="tx1"/>
+                      </a:solidFill>
+                      <a:prstDash val="solid"/>
+                      <a:round/>
+                      <a:headEnd type="none" w="med" len="med"/>
+                      <a:tailEnd type="none" w="med" len="med"/>
+                    </a:lnB>
+                    <a:solidFill>
+                      <a:schemeClr val="accent6">
+                        <a:lumMod val="60000"/>
+                        <a:lumOff val="40000"/>
+                      </a:schemeClr>
+                    </a:solidFill>
+                  </a:tcPr>
+                </a:tc>
+              </a:tr>
+              <a:tr h="348221">
+                <a:tc>
+                  <a:txBody>
+                    <a:bodyPr/>
+                    <a:lstStyle/>
+                    <a:p>
+                      <a:endParaRPr lang="zh-CN" altLang="en-US"/>
+                    </a:p>
+                  </a:txBody>
+                  <a:tcPr>
+                    <a:lnL w="12700" cap="flat" cmpd="sng" algn="ctr">
+                      <a:solidFill>
+                        <a:schemeClr val="tx1"/>
+                      </a:solidFill>
+                      <a:prstDash val="solid"/>
+                      <a:round/>
+                      <a:headEnd type="none" w="med" len="med"/>
+                      <a:tailEnd type="none" w="med" len="med"/>
+                    </a:lnL>
+                    <a:lnR w="12700" cap="flat" cmpd="sng" algn="ctr">
+                      <a:solidFill>
+                        <a:schemeClr val="tx1"/>
+                      </a:solidFill>
+                      <a:prstDash val="solid"/>
+                      <a:round/>
+                      <a:headEnd type="none" w="med" len="med"/>
+                      <a:tailEnd type="none" w="med" len="med"/>
+                    </a:lnR>
+                    <a:lnT w="12700" cap="flat" cmpd="sng" algn="ctr">
+                      <a:solidFill>
+                        <a:schemeClr val="tx1"/>
+                      </a:solidFill>
+                      <a:prstDash val="solid"/>
+                      <a:round/>
+                      <a:headEnd type="none" w="med" len="med"/>
+                      <a:tailEnd type="none" w="med" len="med"/>
+                    </a:lnT>
+                    <a:lnB w="12700" cap="flat" cmpd="sng" algn="ctr">
+                      <a:solidFill>
+                        <a:schemeClr val="tx1"/>
+                      </a:solidFill>
+                      <a:prstDash val="solid"/>
+                      <a:round/>
+                      <a:headEnd type="none" w="med" len="med"/>
+                      <a:tailEnd type="none" w="med" len="med"/>
+                    </a:lnB>
+                    <a:solidFill>
+                      <a:schemeClr val="accent6">
+                        <a:lumMod val="60000"/>
+                        <a:lumOff val="40000"/>
+                      </a:schemeClr>
+                    </a:solidFill>
+                  </a:tcPr>
+                </a:tc>
+                <a:tc>
+                  <a:txBody>
+                    <a:bodyPr/>
+                    <a:lstStyle/>
+                    <a:p>
+                      <a:endParaRPr lang="zh-CN" altLang="en-US"/>
+                    </a:p>
+                  </a:txBody>
+                  <a:tcPr>
+                    <a:lnL w="12700" cap="flat" cmpd="sng" algn="ctr">
+                      <a:solidFill>
+                        <a:schemeClr val="tx1"/>
+                      </a:solidFill>
+                      <a:prstDash val="solid"/>
+                      <a:round/>
+                      <a:headEnd type="none" w="med" len="med"/>
+                      <a:tailEnd type="none" w="med" len="med"/>
+                    </a:lnL>
+                    <a:lnR w="12700" cap="flat" cmpd="sng" algn="ctr">
+                      <a:solidFill>
+                        <a:schemeClr val="tx1"/>
+                      </a:solidFill>
+                      <a:prstDash val="solid"/>
+                      <a:round/>
+                      <a:headEnd type="none" w="med" len="med"/>
+                      <a:tailEnd type="none" w="med" len="med"/>
+                    </a:lnR>
+                    <a:lnT w="12700" cap="flat" cmpd="sng" algn="ctr">
+                      <a:solidFill>
+                        <a:schemeClr val="tx1"/>
+                      </a:solidFill>
+                      <a:prstDash val="solid"/>
+                      <a:round/>
+                      <a:headEnd type="none" w="med" len="med"/>
+                      <a:tailEnd type="none" w="med" len="med"/>
+                    </a:lnT>
+                    <a:lnB w="12700" cap="flat" cmpd="sng" algn="ctr">
+                      <a:solidFill>
+                        <a:schemeClr val="tx1"/>
+                      </a:solidFill>
+                      <a:prstDash val="solid"/>
+                      <a:round/>
+                      <a:headEnd type="none" w="med" len="med"/>
+                      <a:tailEnd type="none" w="med" len="med"/>
+                    </a:lnB>
+                    <a:solidFill>
+                      <a:schemeClr val="accent6">
+                        <a:lumMod val="60000"/>
+                        <a:lumOff val="40000"/>
+                      </a:schemeClr>
+                    </a:solidFill>
+                  </a:tcPr>
+                </a:tc>
+                <a:tc>
+                  <a:txBody>
+                    <a:bodyPr/>
+                    <a:lstStyle/>
+                    <a:p>
+                      <a:endParaRPr lang="zh-CN" altLang="en-US"/>
+                    </a:p>
+                  </a:txBody>
+                  <a:tcPr>
+                    <a:lnL w="12700" cap="flat" cmpd="sng" algn="ctr">
+                      <a:solidFill>
+                        <a:schemeClr val="tx1"/>
+                      </a:solidFill>
+                      <a:prstDash val="solid"/>
+                      <a:round/>
+                      <a:headEnd type="none" w="med" len="med"/>
+                      <a:tailEnd type="none" w="med" len="med"/>
+                    </a:lnL>
+                    <a:lnR w="12700" cap="flat" cmpd="sng" algn="ctr">
+                      <a:solidFill>
+                        <a:schemeClr val="tx1"/>
+                      </a:solidFill>
+                      <a:prstDash val="solid"/>
+                      <a:round/>
+                      <a:headEnd type="none" w="med" len="med"/>
+                      <a:tailEnd type="none" w="med" len="med"/>
+                    </a:lnR>
+                    <a:lnT w="12700" cap="flat" cmpd="sng" algn="ctr">
+                      <a:solidFill>
+                        <a:schemeClr val="tx1"/>
+                      </a:solidFill>
+                      <a:prstDash val="solid"/>
+                      <a:round/>
+                      <a:headEnd type="none" w="med" len="med"/>
+                      <a:tailEnd type="none" w="med" len="med"/>
+                    </a:lnT>
+                    <a:lnB w="12700" cap="flat" cmpd="sng" algn="ctr">
+                      <a:solidFill>
+                        <a:schemeClr val="tx1"/>
+                      </a:solidFill>
+                      <a:prstDash val="solid"/>
+                      <a:round/>
+                      <a:headEnd type="none" w="med" len="med"/>
+                      <a:tailEnd type="none" w="med" len="med"/>
+                    </a:lnB>
+                    <a:solidFill>
+                      <a:schemeClr val="accent6">
+                        <a:lumMod val="60000"/>
+                        <a:lumOff val="40000"/>
+                      </a:schemeClr>
+                    </a:solidFill>
+                  </a:tcPr>
+                </a:tc>
+                <a:tc>
+                  <a:txBody>
+                    <a:bodyPr/>
+                    <a:lstStyle/>
+                    <a:p>
+                      <a:endParaRPr lang="zh-CN" altLang="en-US" dirty="0"/>
+                    </a:p>
+                  </a:txBody>
+                  <a:tcPr>
+                    <a:lnL w="12700" cap="flat" cmpd="sng" algn="ctr">
+                      <a:solidFill>
+                        <a:schemeClr val="tx1"/>
+                      </a:solidFill>
+                      <a:prstDash val="solid"/>
+                      <a:round/>
+                      <a:headEnd type="none" w="med" len="med"/>
+                      <a:tailEnd type="none" w="med" len="med"/>
+                    </a:lnL>
+                    <a:lnR w="12700" cap="flat" cmpd="sng" algn="ctr">
+                      <a:solidFill>
+                        <a:schemeClr val="tx1"/>
+                      </a:solidFill>
+                      <a:prstDash val="solid"/>
+                      <a:round/>
+                      <a:headEnd type="none" w="med" len="med"/>
+                      <a:tailEnd type="none" w="med" len="med"/>
+                    </a:lnR>
+                    <a:lnT w="12700" cap="flat" cmpd="sng" algn="ctr">
+                      <a:solidFill>
+                        <a:schemeClr val="tx1"/>
+                      </a:solidFill>
+                      <a:prstDash val="solid"/>
+                      <a:round/>
+                      <a:headEnd type="none" w="med" len="med"/>
+                      <a:tailEnd type="none" w="med" len="med"/>
+                    </a:lnT>
+                    <a:lnB w="12700" cap="flat" cmpd="sng" algn="ctr">
+                      <a:solidFill>
+                        <a:schemeClr val="tx1"/>
+                      </a:solidFill>
+                      <a:prstDash val="solid"/>
+                      <a:round/>
+                      <a:headEnd type="none" w="med" len="med"/>
+                      <a:tailEnd type="none" w="med" len="med"/>
+                    </a:lnB>
+                    <a:solidFill>
+                      <a:schemeClr val="accent6">
+                        <a:lumMod val="60000"/>
+                        <a:lumOff val="40000"/>
+                      </a:schemeClr>
+                    </a:solidFill>
+                  </a:tcPr>
+                </a:tc>
+                <a:tc>
+                  <a:txBody>
+                    <a:bodyPr/>
+                    <a:lstStyle/>
+                    <a:p>
+                      <a:endParaRPr lang="zh-CN" altLang="en-US" dirty="0"/>
+                    </a:p>
+                  </a:txBody>
+                  <a:tcPr>
+                    <a:lnL w="12700" cap="flat" cmpd="sng" algn="ctr">
+                      <a:solidFill>
+                        <a:schemeClr val="tx1"/>
+                      </a:solidFill>
+                      <a:prstDash val="solid"/>
+                      <a:round/>
+                      <a:headEnd type="none" w="med" len="med"/>
+                      <a:tailEnd type="none" w="med" len="med"/>
+                    </a:lnL>
+                    <a:lnR w="12700" cap="flat" cmpd="sng" algn="ctr">
+                      <a:solidFill>
+                        <a:schemeClr val="tx1"/>
+                      </a:solidFill>
+                      <a:prstDash val="solid"/>
+                      <a:round/>
+                      <a:headEnd type="none" w="med" len="med"/>
+                      <a:tailEnd type="none" w="med" len="med"/>
+                    </a:lnR>
+                    <a:lnT w="12700" cap="flat" cmpd="sng" algn="ctr">
+                      <a:solidFill>
+                        <a:schemeClr val="tx1"/>
+                      </a:solidFill>
+                      <a:prstDash val="solid"/>
+                      <a:round/>
+                      <a:headEnd type="none" w="med" len="med"/>
+                      <a:tailEnd type="none" w="med" len="med"/>
+                    </a:lnT>
+                    <a:lnB w="12700" cap="flat" cmpd="sng" algn="ctr">
+                      <a:solidFill>
+                        <a:schemeClr val="tx1"/>
+                      </a:solidFill>
+                      <a:prstDash val="solid"/>
+                      <a:round/>
+                      <a:headEnd type="none" w="med" len="med"/>
+                      <a:tailEnd type="none" w="med" len="med"/>
+                    </a:lnB>
+                    <a:solidFill>
+                      <a:schemeClr val="accent6">
+                        <a:lumMod val="60000"/>
+                        <a:lumOff val="40000"/>
+                      </a:schemeClr>
+                    </a:solidFill>
+                  </a:tcPr>
+                </a:tc>
+              </a:tr>
+              <a:tr h="348221">
+                <a:tc>
+                  <a:txBody>
+                    <a:bodyPr/>
+                    <a:lstStyle/>
+                    <a:p>
+                      <a:endParaRPr lang="zh-CN" altLang="en-US"/>
+                    </a:p>
+                  </a:txBody>
+                  <a:tcPr>
+                    <a:lnL w="12700" cap="flat" cmpd="sng" algn="ctr">
+                      <a:solidFill>
+                        <a:schemeClr val="tx1"/>
+                      </a:solidFill>
+                      <a:prstDash val="solid"/>
+                      <a:round/>
+                      <a:headEnd type="none" w="med" len="med"/>
+                      <a:tailEnd type="none" w="med" len="med"/>
+                    </a:lnL>
+                    <a:lnR w="12700" cap="flat" cmpd="sng" algn="ctr">
+                      <a:solidFill>
+                        <a:schemeClr val="tx1"/>
+                      </a:solidFill>
+                      <a:prstDash val="solid"/>
+                      <a:round/>
+                      <a:headEnd type="none" w="med" len="med"/>
+                      <a:tailEnd type="none" w="med" len="med"/>
+                    </a:lnR>
+                    <a:lnT w="12700" cap="flat" cmpd="sng" algn="ctr">
+                      <a:solidFill>
+                        <a:schemeClr val="tx1"/>
+                      </a:solidFill>
+                      <a:prstDash val="solid"/>
+                      <a:round/>
+                      <a:headEnd type="none" w="med" len="med"/>
+                      <a:tailEnd type="none" w="med" len="med"/>
+                    </a:lnT>
+                    <a:lnB w="12700" cap="flat" cmpd="sng" algn="ctr">
+                      <a:solidFill>
+                        <a:schemeClr val="tx1"/>
+                      </a:solidFill>
+                      <a:prstDash val="solid"/>
+                      <a:round/>
+                      <a:headEnd type="none" w="med" len="med"/>
+                      <a:tailEnd type="none" w="med" len="med"/>
+                    </a:lnB>
+                    <a:solidFill>
+                      <a:schemeClr val="accent6">
+                        <a:lumMod val="60000"/>
+                        <a:lumOff val="40000"/>
+                      </a:schemeClr>
+                    </a:solidFill>
+                  </a:tcPr>
+                </a:tc>
+                <a:tc>
+                  <a:txBody>
+                    <a:bodyPr/>
+                    <a:lstStyle/>
+                    <a:p>
+                      <a:endParaRPr lang="zh-CN" altLang="en-US"/>
+                    </a:p>
+                  </a:txBody>
+                  <a:tcPr>
+                    <a:lnL w="12700" cap="flat" cmpd="sng" algn="ctr">
+                      <a:solidFill>
+                        <a:schemeClr val="tx1"/>
+                      </a:solidFill>
+                      <a:prstDash val="solid"/>
+                      <a:round/>
+                      <a:headEnd type="none" w="med" len="med"/>
+                      <a:tailEnd type="none" w="med" len="med"/>
+                    </a:lnL>
+                    <a:lnR w="12700" cap="flat" cmpd="sng" algn="ctr">
+                      <a:solidFill>
+                        <a:schemeClr val="tx1"/>
+                      </a:solidFill>
+                      <a:prstDash val="solid"/>
+                      <a:round/>
+                      <a:headEnd type="none" w="med" len="med"/>
+                      <a:tailEnd type="none" w="med" len="med"/>
+                    </a:lnR>
+                    <a:lnT w="12700" cap="flat" cmpd="sng" algn="ctr">
+                      <a:solidFill>
+                        <a:schemeClr val="tx1"/>
+                      </a:solidFill>
+                      <a:prstDash val="solid"/>
+                      <a:round/>
+                      <a:headEnd type="none" w="med" len="med"/>
+                      <a:tailEnd type="none" w="med" len="med"/>
+                    </a:lnT>
+                    <a:lnB w="12700" cap="flat" cmpd="sng" algn="ctr">
+                      <a:solidFill>
+                        <a:schemeClr val="tx1"/>
+                      </a:solidFill>
+                      <a:prstDash val="solid"/>
+                      <a:round/>
+                      <a:headEnd type="none" w="med" len="med"/>
+                      <a:tailEnd type="none" w="med" len="med"/>
+                    </a:lnB>
+                    <a:solidFill>
+                      <a:schemeClr val="accent6">
+                        <a:lumMod val="60000"/>
+                        <a:lumOff val="40000"/>
+                      </a:schemeClr>
+                    </a:solidFill>
+                  </a:tcPr>
+                </a:tc>
+                <a:tc>
+                  <a:txBody>
+                    <a:bodyPr/>
+                    <a:lstStyle/>
+                    <a:p>
+                      <a:endParaRPr lang="zh-CN" altLang="en-US"/>
+                    </a:p>
+                  </a:txBody>
+                  <a:tcPr>
+                    <a:lnL w="12700" cap="flat" cmpd="sng" algn="ctr">
+                      <a:solidFill>
+                        <a:schemeClr val="tx1"/>
+                      </a:solidFill>
+                      <a:prstDash val="solid"/>
+                      <a:round/>
+                      <a:headEnd type="none" w="med" len="med"/>
+                      <a:tailEnd type="none" w="med" len="med"/>
+                    </a:lnL>
+                    <a:lnR w="12700" cap="flat" cmpd="sng" algn="ctr">
+                      <a:solidFill>
+                        <a:schemeClr val="tx1"/>
+                      </a:solidFill>
+                      <a:prstDash val="solid"/>
+                      <a:round/>
+                      <a:headEnd type="none" w="med" len="med"/>
+                      <a:tailEnd type="none" w="med" len="med"/>
+                    </a:lnR>
+                    <a:lnT w="12700" cap="flat" cmpd="sng" algn="ctr">
+                      <a:solidFill>
+                        <a:schemeClr val="tx1"/>
+                      </a:solidFill>
+                      <a:prstDash val="solid"/>
+                      <a:round/>
+                      <a:headEnd type="none" w="med" len="med"/>
+                      <a:tailEnd type="none" w="med" len="med"/>
+                    </a:lnT>
+                    <a:lnB w="12700" cap="flat" cmpd="sng" algn="ctr">
+                      <a:solidFill>
+                        <a:schemeClr val="tx1"/>
+                      </a:solidFill>
+                      <a:prstDash val="solid"/>
+                      <a:round/>
+                      <a:headEnd type="none" w="med" len="med"/>
+                      <a:tailEnd type="none" w="med" len="med"/>
+                    </a:lnB>
+                    <a:solidFill>
+                      <a:schemeClr val="accent6">
+                        <a:lumMod val="60000"/>
+                        <a:lumOff val="40000"/>
+                      </a:schemeClr>
+                    </a:solidFill>
+                  </a:tcPr>
+                </a:tc>
+                <a:tc>
+                  <a:txBody>
+                    <a:bodyPr/>
+                    <a:lstStyle/>
+                    <a:p>
+                      <a:endParaRPr lang="zh-CN" altLang="en-US" dirty="0"/>
+                    </a:p>
+                  </a:txBody>
+                  <a:tcPr>
+                    <a:lnL w="12700" cap="flat" cmpd="sng" algn="ctr">
+                      <a:solidFill>
+                        <a:schemeClr val="tx1"/>
+                      </a:solidFill>
+                      <a:prstDash val="solid"/>
+                      <a:round/>
+                      <a:headEnd type="none" w="med" len="med"/>
+                      <a:tailEnd type="none" w="med" len="med"/>
+                    </a:lnL>
+                    <a:lnR w="12700" cap="flat" cmpd="sng" algn="ctr">
+                      <a:solidFill>
+                        <a:schemeClr val="tx1"/>
+                      </a:solidFill>
+                      <a:prstDash val="solid"/>
+                      <a:round/>
+                      <a:headEnd type="none" w="med" len="med"/>
+                      <a:tailEnd type="none" w="med" len="med"/>
+                    </a:lnR>
+                    <a:lnT w="12700" cap="flat" cmpd="sng" algn="ctr">
+                      <a:solidFill>
+                        <a:schemeClr val="tx1"/>
+                      </a:solidFill>
+                      <a:prstDash val="solid"/>
+                      <a:round/>
+                      <a:headEnd type="none" w="med" len="med"/>
+                      <a:tailEnd type="none" w="med" len="med"/>
+                    </a:lnT>
+                    <a:lnB w="12700" cap="flat" cmpd="sng" algn="ctr">
+                      <a:solidFill>
+                        <a:schemeClr val="tx1"/>
+                      </a:solidFill>
+                      <a:prstDash val="solid"/>
+                      <a:round/>
+                      <a:headEnd type="none" w="med" len="med"/>
+                      <a:tailEnd type="none" w="med" len="med"/>
+                    </a:lnB>
+                    <a:solidFill>
+                      <a:schemeClr val="accent6">
+                        <a:lumMod val="60000"/>
+                        <a:lumOff val="40000"/>
+                      </a:schemeClr>
+                    </a:solidFill>
+                  </a:tcPr>
+                </a:tc>
+                <a:tc>
+                  <a:txBody>
+                    <a:bodyPr/>
+                    <a:lstStyle/>
+                    <a:p>
+                      <a:endParaRPr lang="zh-CN" altLang="en-US" dirty="0"/>
+                    </a:p>
+                  </a:txBody>
+                  <a:tcPr>
+                    <a:lnL w="12700" cap="flat" cmpd="sng" algn="ctr">
+                      <a:solidFill>
+                        <a:schemeClr val="tx1"/>
+                      </a:solidFill>
+                      <a:prstDash val="solid"/>
+                      <a:round/>
+                      <a:headEnd type="none" w="med" len="med"/>
+                      <a:tailEnd type="none" w="med" len="med"/>
+                    </a:lnL>
+                    <a:lnR w="12700" cap="flat" cmpd="sng" algn="ctr">
+                      <a:solidFill>
+                        <a:schemeClr val="tx1"/>
+                      </a:solidFill>
+                      <a:prstDash val="solid"/>
+                      <a:round/>
+                      <a:headEnd type="none" w="med" len="med"/>
+                      <a:tailEnd type="none" w="med" len="med"/>
+                    </a:lnR>
+                    <a:lnT w="12700" cap="flat" cmpd="sng" algn="ctr">
+                      <a:solidFill>
+                        <a:schemeClr val="tx1"/>
+                      </a:solidFill>
+                      <a:prstDash val="solid"/>
+                      <a:round/>
+                      <a:headEnd type="none" w="med" len="med"/>
+                      <a:tailEnd type="none" w="med" len="med"/>
+                    </a:lnT>
+                    <a:lnB w="12700" cap="flat" cmpd="sng" algn="ctr">
+                      <a:solidFill>
+                        <a:schemeClr val="tx1"/>
+                      </a:solidFill>
+                      <a:prstDash val="solid"/>
+                      <a:round/>
+                      <a:headEnd type="none" w="med" len="med"/>
+                      <a:tailEnd type="none" w="med" len="med"/>
+                    </a:lnB>
+                    <a:solidFill>
+                      <a:schemeClr val="accent6">
+                        <a:lumMod val="60000"/>
+                        <a:lumOff val="40000"/>
+                      </a:schemeClr>
+                    </a:solidFill>
+                  </a:tcPr>
+                </a:tc>
+              </a:tr>
+              <a:tr h="348221">
+                <a:tc>
+                  <a:txBody>
+                    <a:bodyPr/>
+                    <a:lstStyle/>
+                    <a:p>
+                      <a:endParaRPr lang="zh-CN" altLang="en-US"/>
+                    </a:p>
+                  </a:txBody>
+                  <a:tcPr>
+                    <a:lnL w="12700" cap="flat" cmpd="sng" algn="ctr">
+                      <a:solidFill>
+                        <a:schemeClr val="tx1"/>
+                      </a:solidFill>
+                      <a:prstDash val="solid"/>
+                      <a:round/>
+                      <a:headEnd type="none" w="med" len="med"/>
+                      <a:tailEnd type="none" w="med" len="med"/>
+                    </a:lnL>
+                    <a:lnR w="12700" cap="flat" cmpd="sng" algn="ctr">
+                      <a:solidFill>
+                        <a:schemeClr val="tx1"/>
+                      </a:solidFill>
+                      <a:prstDash val="solid"/>
+                      <a:round/>
+                      <a:headEnd type="none" w="med" len="med"/>
+                      <a:tailEnd type="none" w="med" len="med"/>
+                    </a:lnR>
+                    <a:lnT w="12700" cap="flat" cmpd="sng" algn="ctr">
+                      <a:solidFill>
+                        <a:schemeClr val="tx1"/>
+                      </a:solidFill>
+                      <a:prstDash val="solid"/>
+                      <a:round/>
+                      <a:headEnd type="none" w="med" len="med"/>
+                      <a:tailEnd type="none" w="med" len="med"/>
+                    </a:lnT>
+                    <a:lnB w="12700" cap="flat" cmpd="sng" algn="ctr">
+                      <a:solidFill>
+                        <a:schemeClr val="tx1"/>
+                      </a:solidFill>
+                      <a:prstDash val="solid"/>
+                      <a:round/>
+                      <a:headEnd type="none" w="med" len="med"/>
+                      <a:tailEnd type="none" w="med" len="med"/>
+                    </a:lnB>
+                    <a:solidFill>
+                      <a:schemeClr val="accent6">
+                        <a:lumMod val="60000"/>
+                        <a:lumOff val="40000"/>
+                      </a:schemeClr>
+                    </a:solidFill>
+                  </a:tcPr>
+                </a:tc>
+                <a:tc>
+                  <a:txBody>
+                    <a:bodyPr/>
+                    <a:lstStyle/>
+                    <a:p>
+                      <a:endParaRPr lang="zh-CN" altLang="en-US"/>
+                    </a:p>
+                  </a:txBody>
+                  <a:tcPr>
+                    <a:lnL w="12700" cap="flat" cmpd="sng" algn="ctr">
+                      <a:solidFill>
+                        <a:schemeClr val="tx1"/>
+                      </a:solidFill>
+                      <a:prstDash val="solid"/>
+                      <a:round/>
+                      <a:headEnd type="none" w="med" len="med"/>
+                      <a:tailEnd type="none" w="med" len="med"/>
+                    </a:lnL>
+                    <a:lnR w="12700" cap="flat" cmpd="sng" algn="ctr">
+                      <a:solidFill>
+                        <a:schemeClr val="tx1"/>
+                      </a:solidFill>
+                      <a:prstDash val="solid"/>
+                      <a:round/>
+                      <a:headEnd type="none" w="med" len="med"/>
+                      <a:tailEnd type="none" w="med" len="med"/>
+                    </a:lnR>
+                    <a:lnT w="12700" cap="flat" cmpd="sng" algn="ctr">
+                      <a:solidFill>
+                        <a:schemeClr val="tx1"/>
+                      </a:solidFill>
+                      <a:prstDash val="solid"/>
+                      <a:round/>
+                      <a:headEnd type="none" w="med" len="med"/>
+                      <a:tailEnd type="none" w="med" len="med"/>
+                    </a:lnT>
+                    <a:lnB w="12700" cap="flat" cmpd="sng" algn="ctr">
+                      <a:solidFill>
+                        <a:schemeClr val="tx1"/>
+                      </a:solidFill>
+                      <a:prstDash val="solid"/>
+                      <a:round/>
+                      <a:headEnd type="none" w="med" len="med"/>
+                      <a:tailEnd type="none" w="med" len="med"/>
+                    </a:lnB>
+                    <a:solidFill>
+                      <a:schemeClr val="accent6">
+                        <a:lumMod val="60000"/>
+                        <a:lumOff val="40000"/>
+                      </a:schemeClr>
+                    </a:solidFill>
+                  </a:tcPr>
+                </a:tc>
+                <a:tc>
+                  <a:txBody>
+                    <a:bodyPr/>
+                    <a:lstStyle/>
+                    <a:p>
+                      <a:endParaRPr lang="zh-CN" altLang="en-US"/>
+                    </a:p>
+                  </a:txBody>
+                  <a:tcPr>
+                    <a:lnL w="12700" cap="flat" cmpd="sng" algn="ctr">
+                      <a:solidFill>
+                        <a:schemeClr val="tx1"/>
+                      </a:solidFill>
+                      <a:prstDash val="solid"/>
+                      <a:round/>
+                      <a:headEnd type="none" w="med" len="med"/>
+                      <a:tailEnd type="none" w="med" len="med"/>
+                    </a:lnL>
+                    <a:lnR w="12700" cap="flat" cmpd="sng" algn="ctr">
+                      <a:solidFill>
+                        <a:schemeClr val="tx1"/>
+                      </a:solidFill>
+                      <a:prstDash val="solid"/>
+                      <a:round/>
+                      <a:headEnd type="none" w="med" len="med"/>
+                      <a:tailEnd type="none" w="med" len="med"/>
+                    </a:lnR>
+                    <a:lnT w="12700" cap="flat" cmpd="sng" algn="ctr">
+                      <a:solidFill>
+                        <a:schemeClr val="tx1"/>
+                      </a:solidFill>
+                      <a:prstDash val="solid"/>
+                      <a:round/>
+                      <a:headEnd type="none" w="med" len="med"/>
+                      <a:tailEnd type="none" w="med" len="med"/>
+                    </a:lnT>
+                    <a:lnB w="12700" cap="flat" cmpd="sng" algn="ctr">
+                      <a:solidFill>
+                        <a:schemeClr val="tx1"/>
+                      </a:solidFill>
+                      <a:prstDash val="solid"/>
+                      <a:round/>
+                      <a:headEnd type="none" w="med" len="med"/>
+                      <a:tailEnd type="none" w="med" len="med"/>
+                    </a:lnB>
+                    <a:solidFill>
+                      <a:schemeClr val="accent6">
+                        <a:lumMod val="60000"/>
+                        <a:lumOff val="40000"/>
+                      </a:schemeClr>
+                    </a:solidFill>
+                  </a:tcPr>
+                </a:tc>
+                <a:tc>
+                  <a:txBody>
+                    <a:bodyPr/>
+                    <a:lstStyle/>
+                    <a:p>
+                      <a:endParaRPr lang="zh-CN" altLang="en-US" dirty="0"/>
+                    </a:p>
+                  </a:txBody>
+                  <a:tcPr>
+                    <a:lnL w="12700" cap="flat" cmpd="sng" algn="ctr">
+                      <a:solidFill>
+                        <a:schemeClr val="tx1"/>
+                      </a:solidFill>
+                      <a:prstDash val="solid"/>
+                      <a:round/>
+                      <a:headEnd type="none" w="med" len="med"/>
+                      <a:tailEnd type="none" w="med" len="med"/>
+                    </a:lnL>
+                    <a:lnR w="12700" cap="flat" cmpd="sng" algn="ctr">
+                      <a:solidFill>
+                        <a:schemeClr val="tx1"/>
+                      </a:solidFill>
+                      <a:prstDash val="solid"/>
+                      <a:round/>
+                      <a:headEnd type="none" w="med" len="med"/>
+                      <a:tailEnd type="none" w="med" len="med"/>
+                    </a:lnR>
+                    <a:lnT w="12700" cap="flat" cmpd="sng" algn="ctr">
+                      <a:solidFill>
+                        <a:schemeClr val="tx1"/>
+                      </a:solidFill>
+                      <a:prstDash val="solid"/>
+                      <a:round/>
+                      <a:headEnd type="none" w="med" len="med"/>
+                      <a:tailEnd type="none" w="med" len="med"/>
+                    </a:lnT>
+                    <a:lnB w="12700" cap="flat" cmpd="sng" algn="ctr">
+                      <a:solidFill>
+                        <a:schemeClr val="tx1"/>
+                      </a:solidFill>
+                      <a:prstDash val="solid"/>
+                      <a:round/>
+                      <a:headEnd type="none" w="med" len="med"/>
+                      <a:tailEnd type="none" w="med" len="med"/>
+                    </a:lnB>
+                    <a:solidFill>
+                      <a:schemeClr val="accent6">
+                        <a:lumMod val="60000"/>
+                        <a:lumOff val="40000"/>
+                      </a:schemeClr>
+                    </a:solidFill>
+                  </a:tcPr>
+                </a:tc>
+                <a:tc>
+                  <a:txBody>
+                    <a:bodyPr/>
+                    <a:lstStyle/>
+                    <a:p>
+                      <a:endParaRPr lang="zh-CN" altLang="en-US" dirty="0"/>
+                    </a:p>
+                  </a:txBody>
+                  <a:tcPr>
+                    <a:lnL w="12700" cap="flat" cmpd="sng" algn="ctr">
+                      <a:solidFill>
+                        <a:schemeClr val="tx1"/>
+                      </a:solidFill>
+                      <a:prstDash val="solid"/>
+                      <a:round/>
+                      <a:headEnd type="none" w="med" len="med"/>
+                      <a:tailEnd type="none" w="med" len="med"/>
+                    </a:lnL>
+                    <a:lnR w="12700" cap="flat" cmpd="sng" algn="ctr">
+                      <a:solidFill>
+                        <a:schemeClr val="tx1"/>
+                      </a:solidFill>
+                      <a:prstDash val="solid"/>
+                      <a:round/>
+                      <a:headEnd type="none" w="med" len="med"/>
+                      <a:tailEnd type="none" w="med" len="med"/>
+                    </a:lnR>
+                    <a:lnT w="12700" cap="flat" cmpd="sng" algn="ctr">
+                      <a:solidFill>
+                        <a:schemeClr val="tx1"/>
+                      </a:solidFill>
+                      <a:prstDash val="solid"/>
+                      <a:round/>
+                      <a:headEnd type="none" w="med" len="med"/>
+                      <a:tailEnd type="none" w="med" len="med"/>
+                    </a:lnT>
+                    <a:lnB w="12700" cap="flat" cmpd="sng" algn="ctr">
+                      <a:solidFill>
+                        <a:schemeClr val="tx1"/>
+                      </a:solidFill>
+                      <a:prstDash val="solid"/>
+                      <a:round/>
+                      <a:headEnd type="none" w="med" len="med"/>
+                      <a:tailEnd type="none" w="med" len="med"/>
+                    </a:lnB>
+                    <a:solidFill>
+                      <a:schemeClr val="accent6">
+                        <a:lumMod val="60000"/>
+                        <a:lumOff val="40000"/>
+                      </a:schemeClr>
+                    </a:solidFill>
+                  </a:tcPr>
+                </a:tc>
+              </a:tr>
+            </a:tbl>
+          </a:graphicData>
+        </a:graphic>
+      </p:graphicFrame>
+      <p:cxnSp>
+        <p:nvCxnSpPr>
+          <p:cNvPr id="29" name="肘形连接符 28"/>
+          <p:cNvCxnSpPr>
+            <a:stCxn id="26" idx="1"/>
+            <a:endCxn id="27" idx="1"/>
+          </p:cNvCxnSpPr>
+          <p:nvPr/>
+        </p:nvCxnSpPr>
+        <p:spPr>
+          <a:xfrm rot="10800000" flipV="1">
+            <a:off x="7971142" y="1571601"/>
+            <a:ext cx="12700" cy="2705355"/>
+          </a:xfrm>
+          <a:prstGeom prst="bentConnector3">
+            <a:avLst>
+              <a:gd name="adj1" fmla="val 5045071"/>
+            </a:avLst>
+          </a:prstGeom>
+          <a:ln w="19050">
+            <a:headEnd type="triangle"/>
+            <a:tailEnd type="triangle"/>
+          </a:ln>
+        </p:spPr>
+        <p:style>
+          <a:lnRef idx="1">
+            <a:schemeClr val="dk1"/>
+          </a:lnRef>
+          <a:fillRef idx="0">
+            <a:schemeClr val="dk1"/>
+          </a:fillRef>
+          <a:effectRef idx="0">
+            <a:schemeClr val="dk1"/>
+          </a:effectRef>
+          <a:fontRef idx="minor">
+            <a:schemeClr val="tx1"/>
+          </a:fontRef>
+        </p:style>
+      </p:cxnSp>
+      <p:pic>
+        <p:nvPicPr>
+          <p:cNvPr id="32" name="图片 31"/>
+          <p:cNvPicPr>
+            <a:picLocks noChangeAspect="1"/>
+          </p:cNvPicPr>
+          <p:nvPr/>
+        </p:nvPicPr>
+        <p:blipFill>
+          <a:blip r:embed="rId3">
+            <a:extLst>
+              <a:ext uri="{28A0092B-C50C-407E-A947-70E740481C1C}">
+                <a14:useLocalDpi xmlns:a14="http://schemas.microsoft.com/office/drawing/2010/main" val="0"/>
+              </a:ext>
+            </a:extLst>
+          </a:blip>
+          <a:stretch>
+            <a:fillRect/>
+          </a:stretch>
+        </p:blipFill>
+        <p:spPr>
+          <a:xfrm>
+            <a:off x="10096505" y="840082"/>
+            <a:ext cx="1516666" cy="1522222"/>
+          </a:xfrm>
+          <a:prstGeom prst="rect">
+            <a:avLst/>
+          </a:prstGeom>
+        </p:spPr>
+      </p:pic>
+      <p:pic>
+        <p:nvPicPr>
+          <p:cNvPr id="33" name="图片 32"/>
+          <p:cNvPicPr>
+            <a:picLocks noChangeAspect="1"/>
+          </p:cNvPicPr>
+          <p:nvPr/>
+        </p:nvPicPr>
+        <p:blipFill>
+          <a:blip r:embed="rId4">
+            <a:extLst>
+              <a:ext uri="{28A0092B-C50C-407E-A947-70E740481C1C}">
+                <a14:useLocalDpi xmlns:a14="http://schemas.microsoft.com/office/drawing/2010/main" val="0"/>
+              </a:ext>
+            </a:extLst>
+          </a:blip>
+          <a:stretch>
+            <a:fillRect/>
+          </a:stretch>
+        </p:blipFill>
+        <p:spPr>
+          <a:xfrm>
+            <a:off x="10150131" y="3545437"/>
+            <a:ext cx="1463040" cy="1463040"/>
+          </a:xfrm>
+          <a:prstGeom prst="rect">
+            <a:avLst/>
+          </a:prstGeom>
+        </p:spPr>
+      </p:pic>
+      <p:sp>
+        <p:nvSpPr>
+          <p:cNvPr id="34" name="文本框 33"/>
+          <p:cNvSpPr txBox="1"/>
+          <p:nvPr/>
+        </p:nvSpPr>
+        <p:spPr>
+          <a:xfrm>
+            <a:off x="10624647" y="360608"/>
+            <a:ext cx="460382" cy="369332"/>
+          </a:xfrm>
+          <a:prstGeom prst="rect">
+            <a:avLst/>
+          </a:prstGeom>
+          <a:noFill/>
+        </p:spPr>
+        <p:txBody>
+          <a:bodyPr wrap="none" rtlCol="0">
+            <a:spAutoFit/>
+          </a:bodyPr>
+          <a:lstStyle/>
+          <a:p>
+            <a:r>
+              <a:rPr kumimoji="1" lang="en-US" altLang="zh-CN" smtClean="0"/>
+              <a:t>GT</a:t>
+            </a:r>
+            <a:endParaRPr kumimoji="1" lang="zh-CN" altLang="en-US" dirty="0"/>
+          </a:p>
+        </p:txBody>
+      </p:sp>
+      <p:sp>
+        <p:nvSpPr>
+          <p:cNvPr id="35" name="文本框 34"/>
+          <p:cNvSpPr txBox="1"/>
+          <p:nvPr/>
+        </p:nvSpPr>
+        <p:spPr>
+          <a:xfrm>
+            <a:off x="8374919" y="360608"/>
+            <a:ext cx="704039" cy="369332"/>
+          </a:xfrm>
+          <a:prstGeom prst="rect">
+            <a:avLst/>
+          </a:prstGeom>
+          <a:noFill/>
+        </p:spPr>
+        <p:txBody>
+          <a:bodyPr wrap="none" rtlCol="0">
+            <a:spAutoFit/>
+          </a:bodyPr>
+          <a:lstStyle/>
+          <a:p>
+            <a:r>
+              <a:rPr kumimoji="1" lang="en-US" altLang="zh-CN" smtClean="0"/>
+              <a:t>Mask</a:t>
+            </a:r>
+            <a:endParaRPr kumimoji="1" lang="zh-CN" altLang="en-US" dirty="0"/>
+          </a:p>
+        </p:txBody>
+      </p:sp>
+      <p:cxnSp>
+        <p:nvCxnSpPr>
+          <p:cNvPr id="37" name="直线箭头连接符 36"/>
+          <p:cNvCxnSpPr>
+            <a:endCxn id="32" idx="1"/>
+          </p:cNvCxnSpPr>
+          <p:nvPr/>
+        </p:nvCxnSpPr>
+        <p:spPr>
+          <a:xfrm>
+            <a:off x="9482737" y="1601193"/>
+            <a:ext cx="613768" cy="0"/>
+          </a:xfrm>
+          <a:prstGeom prst="straightConnector1">
+            <a:avLst/>
+          </a:prstGeom>
+          <a:ln w="19050">
+            <a:headEnd type="triangle"/>
+            <a:tailEnd type="triangle"/>
+          </a:ln>
+        </p:spPr>
+        <p:style>
+          <a:lnRef idx="1">
+            <a:schemeClr val="dk1"/>
+          </a:lnRef>
+          <a:fillRef idx="0">
+            <a:schemeClr val="dk1"/>
+          </a:fillRef>
+          <a:effectRef idx="0">
+            <a:schemeClr val="dk1"/>
+          </a:effectRef>
+          <a:fontRef idx="minor">
+            <a:schemeClr val="tx1"/>
+          </a:fontRef>
+        </p:style>
+      </p:cxnSp>
+      <p:cxnSp>
+        <p:nvCxnSpPr>
+          <p:cNvPr id="38" name="直线箭头连接符 37"/>
+          <p:cNvCxnSpPr/>
+          <p:nvPr/>
+        </p:nvCxnSpPr>
+        <p:spPr>
+          <a:xfrm>
+            <a:off x="9536363" y="4276956"/>
+            <a:ext cx="613768" cy="0"/>
+          </a:xfrm>
+          <a:prstGeom prst="straightConnector1">
+            <a:avLst/>
+          </a:prstGeom>
+          <a:ln w="19050">
+            <a:headEnd type="triangle"/>
+            <a:tailEnd type="triangle"/>
+          </a:ln>
+        </p:spPr>
+        <p:style>
+          <a:lnRef idx="1">
+            <a:schemeClr val="dk1"/>
+          </a:lnRef>
+          <a:fillRef idx="0">
+            <a:schemeClr val="dk1"/>
+          </a:fillRef>
+          <a:effectRef idx="0">
+            <a:schemeClr val="dk1"/>
+          </a:effectRef>
+          <a:fontRef idx="minor">
+            <a:schemeClr val="tx1"/>
+          </a:fontRef>
+        </p:style>
+      </p:cxnSp>
+      <p:sp>
+        <p:nvSpPr>
+          <p:cNvPr id="39" name="文本框 38"/>
+          <p:cNvSpPr txBox="1"/>
+          <p:nvPr/>
+        </p:nvSpPr>
+        <p:spPr>
+          <a:xfrm>
+            <a:off x="9538339" y="1202269"/>
+            <a:ext cx="558166" cy="369332"/>
+          </a:xfrm>
+          <a:prstGeom prst="rect">
+            <a:avLst/>
+          </a:prstGeom>
+          <a:noFill/>
+        </p:spPr>
+        <p:txBody>
+          <a:bodyPr wrap="none" rtlCol="0">
+            <a:spAutoFit/>
+          </a:bodyPr>
+          <a:lstStyle/>
+          <a:p>
+            <a:r>
+              <a:rPr kumimoji="1" lang="en-US" altLang="zh-CN" smtClean="0"/>
+              <a:t>loss</a:t>
+            </a:r>
+            <a:endParaRPr kumimoji="1" lang="zh-CN" altLang="en-US" dirty="0"/>
+          </a:p>
+        </p:txBody>
+      </p:sp>
+      <p:sp>
+        <p:nvSpPr>
+          <p:cNvPr id="40" name="文本框 39"/>
+          <p:cNvSpPr txBox="1"/>
+          <p:nvPr/>
+        </p:nvSpPr>
+        <p:spPr>
+          <a:xfrm>
+            <a:off x="9538339" y="3907624"/>
+            <a:ext cx="558166" cy="369332"/>
+          </a:xfrm>
+          <a:prstGeom prst="rect">
+            <a:avLst/>
+          </a:prstGeom>
+          <a:noFill/>
+        </p:spPr>
+        <p:txBody>
+          <a:bodyPr wrap="none" rtlCol="0">
+            <a:spAutoFit/>
+          </a:bodyPr>
+          <a:lstStyle/>
+          <a:p>
+            <a:r>
+              <a:rPr kumimoji="1" lang="en-US" altLang="zh-CN" smtClean="0"/>
+              <a:t>loss</a:t>
+            </a:r>
+            <a:endParaRPr kumimoji="1" lang="zh-CN" altLang="en-US" dirty="0"/>
+          </a:p>
+        </p:txBody>
+      </p:sp>
+    </p:spTree>
+    <p:extLst>
+      <p:ext uri="{BB962C8B-B14F-4D97-AF65-F5344CB8AC3E}">
+        <p14:creationId xmlns:p14="http://schemas.microsoft.com/office/powerpoint/2010/main" val="2146559870"/>
       </p:ext>
     </p:extLst>
   </p:cSld>
